--- a/OBSCURATION PRESENTATION.pptx
+++ b/OBSCURATION PRESENTATION.pptx
@@ -1,23 +1,25 @@
 
 <file path=ppt/presentation.xml><?xml version="1.0" encoding="utf-8"?>
-<p:presentation xmlns:a="http://schemas.openxmlformats.org/drawingml/2006/main" xmlns:r="http://schemas.openxmlformats.org/officeDocument/2006/relationships" xmlns:mc="http://schemas.openxmlformats.org/markup-compatibility/2006" xmlns:mv="urn:schemas-microsoft-com:mac:vml" xmlns:p="http://schemas.openxmlformats.org/presentationml/2006/main" xmlns:c="http://schemas.openxmlformats.org/drawingml/2006/chart" xmlns:dgm="http://schemas.openxmlformats.org/drawingml/2006/diagram" xmlns:o="urn:schemas-microsoft-com:office:office" xmlns:v="urn:schemas-microsoft-com:vml" xmlns:pvml="urn:schemas-microsoft-com:office:powerpoint" xmlns:com="http://schemas.openxmlformats.org/drawingml/2006/compatibility" xmlns:p14="http://schemas.microsoft.com/office/powerpoint/2010/main" xmlns:p15="http://schemas.microsoft.com/office/powerpoint/2012/main" xmlns:ahyp="http://schemas.microsoft.com/office/drawing/2018/hyperlinkcolor" autoCompressPictures="0" strictFirstAndLastChars="0" saveSubsetFonts="1">
+<p:presentation xmlns:a="http://schemas.openxmlformats.org/drawingml/2006/main" xmlns:r="http://schemas.openxmlformats.org/officeDocument/2006/relationships" xmlns:p="http://schemas.openxmlformats.org/presentationml/2006/main" strictFirstAndLastChars="0" saveSubsetFonts="1" autoCompressPictures="0">
   <p:sldMasterIdLst>
-    <p:sldMasterId id="2147483659" r:id="rId4"/>
+    <p:sldMasterId id="2147483659" r:id="rId1"/>
   </p:sldMasterIdLst>
   <p:notesMasterIdLst>
-    <p:notesMasterId r:id="rId5"/>
+    <p:notesMasterId r:id="rId9"/>
   </p:notesMasterIdLst>
   <p:sldIdLst>
-    <p:sldId id="256" r:id="rId6"/>
-    <p:sldId id="257" r:id="rId7"/>
-    <p:sldId id="258" r:id="rId8"/>
-    <p:sldId id="259" r:id="rId9"/>
-    <p:sldId id="260" r:id="rId10"/>
+    <p:sldId id="256" r:id="rId2"/>
+    <p:sldId id="257" r:id="rId3"/>
+    <p:sldId id="261" r:id="rId4"/>
+    <p:sldId id="258" r:id="rId5"/>
+    <p:sldId id="262" r:id="rId6"/>
+    <p:sldId id="259" r:id="rId7"/>
+    <p:sldId id="260" r:id="rId8"/>
   </p:sldIdLst>
-  <p:sldSz cy="5143500" cx="9144000"/>
+  <p:sldSz cx="9144000" cy="5143500" type="screen16x9"/>
   <p:notesSz cx="6858000" cy="9144000"/>
   <p:defaultTextStyle>
-    <a:defPPr lvl="0" marR="0" rtl="0" algn="l">
+    <a:defPPr marR="0" lvl="0" algn="l" rtl="0">
       <a:lnSpc>
         <a:spcPct val="100000"/>
       </a:lnSpc>
@@ -28,7 +30,7 @@
         <a:spcPts val="0"/>
       </a:spcAft>
     </a:defPPr>
-    <a:lvl1pPr lvl="0" marR="0" rtl="0" algn="l">
+    <a:lvl1pPr marR="0" lvl="0" algn="l" rtl="0">
       <a:lnSpc>
         <a:spcPct val="100000"/>
       </a:lnSpc>
@@ -42,7 +44,7 @@
         <a:srgbClr val="000000"/>
       </a:buClr>
       <a:buFont typeface="Arial"/>
-      <a:defRPr b="0" i="0" sz="1400" u="none" cap="none" strike="noStrike">
+      <a:defRPr sz="1400" b="0" i="0" u="none" strike="noStrike" cap="none">
         <a:solidFill>
           <a:srgbClr val="000000"/>
         </a:solidFill>
@@ -52,7 +54,7 @@
         <a:sym typeface="Arial"/>
       </a:defRPr>
     </a:lvl1pPr>
-    <a:lvl2pPr lvl="1" marR="0" rtl="0" algn="l">
+    <a:lvl2pPr marR="0" lvl="1" algn="l" rtl="0">
       <a:lnSpc>
         <a:spcPct val="100000"/>
       </a:lnSpc>
@@ -66,7 +68,7 @@
         <a:srgbClr val="000000"/>
       </a:buClr>
       <a:buFont typeface="Arial"/>
-      <a:defRPr b="0" i="0" sz="1400" u="none" cap="none" strike="noStrike">
+      <a:defRPr sz="1400" b="0" i="0" u="none" strike="noStrike" cap="none">
         <a:solidFill>
           <a:srgbClr val="000000"/>
         </a:solidFill>
@@ -76,7 +78,7 @@
         <a:sym typeface="Arial"/>
       </a:defRPr>
     </a:lvl2pPr>
-    <a:lvl3pPr lvl="2" marR="0" rtl="0" algn="l">
+    <a:lvl3pPr marR="0" lvl="2" algn="l" rtl="0">
       <a:lnSpc>
         <a:spcPct val="100000"/>
       </a:lnSpc>
@@ -90,7 +92,7 @@
         <a:srgbClr val="000000"/>
       </a:buClr>
       <a:buFont typeface="Arial"/>
-      <a:defRPr b="0" i="0" sz="1400" u="none" cap="none" strike="noStrike">
+      <a:defRPr sz="1400" b="0" i="0" u="none" strike="noStrike" cap="none">
         <a:solidFill>
           <a:srgbClr val="000000"/>
         </a:solidFill>
@@ -100,7 +102,7 @@
         <a:sym typeface="Arial"/>
       </a:defRPr>
     </a:lvl3pPr>
-    <a:lvl4pPr lvl="3" marR="0" rtl="0" algn="l">
+    <a:lvl4pPr marR="0" lvl="3" algn="l" rtl="0">
       <a:lnSpc>
         <a:spcPct val="100000"/>
       </a:lnSpc>
@@ -114,7 +116,7 @@
         <a:srgbClr val="000000"/>
       </a:buClr>
       <a:buFont typeface="Arial"/>
-      <a:defRPr b="0" i="0" sz="1400" u="none" cap="none" strike="noStrike">
+      <a:defRPr sz="1400" b="0" i="0" u="none" strike="noStrike" cap="none">
         <a:solidFill>
           <a:srgbClr val="000000"/>
         </a:solidFill>
@@ -124,7 +126,7 @@
         <a:sym typeface="Arial"/>
       </a:defRPr>
     </a:lvl4pPr>
-    <a:lvl5pPr lvl="4" marR="0" rtl="0" algn="l">
+    <a:lvl5pPr marR="0" lvl="4" algn="l" rtl="0">
       <a:lnSpc>
         <a:spcPct val="100000"/>
       </a:lnSpc>
@@ -138,7 +140,7 @@
         <a:srgbClr val="000000"/>
       </a:buClr>
       <a:buFont typeface="Arial"/>
-      <a:defRPr b="0" i="0" sz="1400" u="none" cap="none" strike="noStrike">
+      <a:defRPr sz="1400" b="0" i="0" u="none" strike="noStrike" cap="none">
         <a:solidFill>
           <a:srgbClr val="000000"/>
         </a:solidFill>
@@ -148,7 +150,7 @@
         <a:sym typeface="Arial"/>
       </a:defRPr>
     </a:lvl5pPr>
-    <a:lvl6pPr lvl="5" marR="0" rtl="0" algn="l">
+    <a:lvl6pPr marR="0" lvl="5" algn="l" rtl="0">
       <a:lnSpc>
         <a:spcPct val="100000"/>
       </a:lnSpc>
@@ -162,7 +164,7 @@
         <a:srgbClr val="000000"/>
       </a:buClr>
       <a:buFont typeface="Arial"/>
-      <a:defRPr b="0" i="0" sz="1400" u="none" cap="none" strike="noStrike">
+      <a:defRPr sz="1400" b="0" i="0" u="none" strike="noStrike" cap="none">
         <a:solidFill>
           <a:srgbClr val="000000"/>
         </a:solidFill>
@@ -172,7 +174,7 @@
         <a:sym typeface="Arial"/>
       </a:defRPr>
     </a:lvl6pPr>
-    <a:lvl7pPr lvl="6" marR="0" rtl="0" algn="l">
+    <a:lvl7pPr marR="0" lvl="6" algn="l" rtl="0">
       <a:lnSpc>
         <a:spcPct val="100000"/>
       </a:lnSpc>
@@ -186,7 +188,7 @@
         <a:srgbClr val="000000"/>
       </a:buClr>
       <a:buFont typeface="Arial"/>
-      <a:defRPr b="0" i="0" sz="1400" u="none" cap="none" strike="noStrike">
+      <a:defRPr sz="1400" b="0" i="0" u="none" strike="noStrike" cap="none">
         <a:solidFill>
           <a:srgbClr val="000000"/>
         </a:solidFill>
@@ -196,7 +198,7 @@
         <a:sym typeface="Arial"/>
       </a:defRPr>
     </a:lvl7pPr>
-    <a:lvl8pPr lvl="7" marR="0" rtl="0" algn="l">
+    <a:lvl8pPr marR="0" lvl="7" algn="l" rtl="0">
       <a:lnSpc>
         <a:spcPct val="100000"/>
       </a:lnSpc>
@@ -210,7 +212,7 @@
         <a:srgbClr val="000000"/>
       </a:buClr>
       <a:buFont typeface="Arial"/>
-      <a:defRPr b="0" i="0" sz="1400" u="none" cap="none" strike="noStrike">
+      <a:defRPr sz="1400" b="0" i="0" u="none" strike="noStrike" cap="none">
         <a:solidFill>
           <a:srgbClr val="000000"/>
         </a:solidFill>
@@ -220,7 +222,7 @@
         <a:sym typeface="Arial"/>
       </a:defRPr>
     </a:lvl8pPr>
-    <a:lvl9pPr lvl="8" marR="0" rtl="0" algn="l">
+    <a:lvl9pPr marR="0" lvl="8" algn="l" rtl="0">
       <a:lnSpc>
         <a:spcPct val="100000"/>
       </a:lnSpc>
@@ -234,7 +236,7 @@
         <a:srgbClr val="000000"/>
       </a:buClr>
       <a:buFont typeface="Arial"/>
-      <a:defRPr b="0" i="0" sz="1400" u="none" cap="none" strike="noStrike">
+      <a:defRPr sz="1400" b="0" i="0" u="none" strike="noStrike" cap="none">
         <a:solidFill>
           <a:srgbClr val="000000"/>
         </a:solidFill>
@@ -247,7 +249,7 @@
   </p:defaultTextStyle>
   <p:extLst>
     <p:ext uri="{EFAFB233-063F-42B5-8137-9DF3F51BA10A}">
-      <p15:sldGuideLst>
+      <p15:sldGuideLst xmlns:p15="http://schemas.microsoft.com/office/powerpoint/2012/main">
         <p15:guide id="1" orient="horz" pos="1620">
           <p15:clr>
             <a:srgbClr val="747775"/>
@@ -264,12 +266,395 @@
 </p:presentation>
 </file>
 
+<file path=ppt/changesInfos/changesInfo1.xml><?xml version="1.0" encoding="utf-8"?>
+<pc:chgInfo xmlns:a="http://schemas.openxmlformats.org/drawingml/2006/main" xmlns:r="http://schemas.openxmlformats.org/officeDocument/2006/relationships" xmlns:ac="http://schemas.microsoft.com/office/drawing/2013/main/command" xmlns:pc="http://schemas.microsoft.com/office/powerpoint/2013/main/command">
+  <pc:docChgLst>
+    <pc:chgData name="Brandon Wilson" userId="d9d79303ce864b82" providerId="LiveId" clId="{192B7328-0209-4765-B4D7-0B7B825B776D}"/>
+    <pc:docChg chg="undo redo custSel addSld delSld modSld">
+      <pc:chgData name="Brandon Wilson" userId="d9d79303ce864b82" providerId="LiveId" clId="{192B7328-0209-4765-B4D7-0B7B825B776D}" dt="2024-06-02T11:09:07.764" v="774" actId="14100"/>
+      <pc:docMkLst>
+        <pc:docMk/>
+      </pc:docMkLst>
+      <pc:sldChg chg="addSp delSp modSp mod">
+        <pc:chgData name="Brandon Wilson" userId="d9d79303ce864b82" providerId="LiveId" clId="{192B7328-0209-4765-B4D7-0B7B825B776D}" dt="2024-06-02T10:48:10.685" v="24" actId="1076"/>
+        <pc:sldMkLst>
+          <pc:docMk/>
+          <pc:sldMk cId="0" sldId="257"/>
+        </pc:sldMkLst>
+        <pc:spChg chg="mod">
+          <ac:chgData name="Brandon Wilson" userId="d9d79303ce864b82" providerId="LiveId" clId="{192B7328-0209-4765-B4D7-0B7B825B776D}" dt="2024-06-02T10:47:07.623" v="17"/>
+          <ac:spMkLst>
+            <pc:docMk/>
+            <pc:sldMk cId="0" sldId="257"/>
+            <ac:spMk id="63" creationId="{00000000-0000-0000-0000-000000000000}"/>
+          </ac:spMkLst>
+        </pc:spChg>
+        <pc:picChg chg="add mod">
+          <ac:chgData name="Brandon Wilson" userId="d9d79303ce864b82" providerId="LiveId" clId="{192B7328-0209-4765-B4D7-0B7B825B776D}" dt="2024-06-02T10:48:10.685" v="24" actId="1076"/>
+          <ac:picMkLst>
+            <pc:docMk/>
+            <pc:sldMk cId="0" sldId="257"/>
+            <ac:picMk id="3" creationId="{2E07F0D8-F6C3-6AC8-3B88-04482AD5F2DC}"/>
+          </ac:picMkLst>
+        </pc:picChg>
+        <pc:picChg chg="del">
+          <ac:chgData name="Brandon Wilson" userId="d9d79303ce864b82" providerId="LiveId" clId="{192B7328-0209-4765-B4D7-0B7B825B776D}" dt="2024-06-02T10:47:11.732" v="18" actId="21"/>
+          <ac:picMkLst>
+            <pc:docMk/>
+            <pc:sldMk cId="0" sldId="257"/>
+            <ac:picMk id="64" creationId="{00000000-0000-0000-0000-000000000000}"/>
+          </ac:picMkLst>
+        </pc:picChg>
+      </pc:sldChg>
+      <pc:sldChg chg="addSp delSp modSp add del mod">
+        <pc:chgData name="Brandon Wilson" userId="d9d79303ce864b82" providerId="LiveId" clId="{192B7328-0209-4765-B4D7-0B7B825B776D}" dt="2024-06-02T11:05:22.918" v="688" actId="20577"/>
+        <pc:sldMkLst>
+          <pc:docMk/>
+          <pc:sldMk cId="0" sldId="260"/>
+        </pc:sldMkLst>
+        <pc:spChg chg="add mod">
+          <ac:chgData name="Brandon Wilson" userId="d9d79303ce864b82" providerId="LiveId" clId="{192B7328-0209-4765-B4D7-0B7B825B776D}" dt="2024-06-02T11:05:05.417" v="670" actId="114"/>
+          <ac:spMkLst>
+            <pc:docMk/>
+            <pc:sldMk cId="0" sldId="260"/>
+            <ac:spMk id="4" creationId="{6B832A87-3F54-9830-7F01-4D0F8E8F8DA3}"/>
+          </ac:spMkLst>
+        </pc:spChg>
+        <pc:spChg chg="mod">
+          <ac:chgData name="Brandon Wilson" userId="d9d79303ce864b82" providerId="LiveId" clId="{192B7328-0209-4765-B4D7-0B7B825B776D}" dt="2024-06-02T11:05:22.918" v="688" actId="20577"/>
+          <ac:spMkLst>
+            <pc:docMk/>
+            <pc:sldMk cId="0" sldId="260"/>
+            <ac:spMk id="101" creationId="{00000000-0000-0000-0000-000000000000}"/>
+          </ac:spMkLst>
+        </pc:spChg>
+        <pc:spChg chg="del">
+          <ac:chgData name="Brandon Wilson" userId="d9d79303ce864b82" providerId="LiveId" clId="{192B7328-0209-4765-B4D7-0B7B825B776D}" dt="2024-06-02T10:54:47.890" v="140" actId="21"/>
+          <ac:spMkLst>
+            <pc:docMk/>
+            <pc:sldMk cId="0" sldId="260"/>
+            <ac:spMk id="105" creationId="{00000000-0000-0000-0000-000000000000}"/>
+          </ac:spMkLst>
+        </pc:spChg>
+        <pc:spChg chg="del">
+          <ac:chgData name="Brandon Wilson" userId="d9d79303ce864b82" providerId="LiveId" clId="{192B7328-0209-4765-B4D7-0B7B825B776D}" dt="2024-06-02T10:54:23.558" v="132" actId="21"/>
+          <ac:spMkLst>
+            <pc:docMk/>
+            <pc:sldMk cId="0" sldId="260"/>
+            <ac:spMk id="106" creationId="{00000000-0000-0000-0000-000000000000}"/>
+          </ac:spMkLst>
+        </pc:spChg>
+        <pc:spChg chg="del">
+          <ac:chgData name="Brandon Wilson" userId="d9d79303ce864b82" providerId="LiveId" clId="{192B7328-0209-4765-B4D7-0B7B825B776D}" dt="2024-06-02T10:54:28.574" v="134" actId="21"/>
+          <ac:spMkLst>
+            <pc:docMk/>
+            <pc:sldMk cId="0" sldId="260"/>
+            <ac:spMk id="107" creationId="{00000000-0000-0000-0000-000000000000}"/>
+          </ac:spMkLst>
+        </pc:spChg>
+        <pc:spChg chg="del">
+          <ac:chgData name="Brandon Wilson" userId="d9d79303ce864b82" providerId="LiveId" clId="{192B7328-0209-4765-B4D7-0B7B825B776D}" dt="2024-06-02T10:54:33.339" v="136" actId="21"/>
+          <ac:spMkLst>
+            <pc:docMk/>
+            <pc:sldMk cId="0" sldId="260"/>
+            <ac:spMk id="108" creationId="{00000000-0000-0000-0000-000000000000}"/>
+          </ac:spMkLst>
+        </pc:spChg>
+        <pc:spChg chg="del">
+          <ac:chgData name="Brandon Wilson" userId="d9d79303ce864b82" providerId="LiveId" clId="{192B7328-0209-4765-B4D7-0B7B825B776D}" dt="2024-06-02T10:54:36.511" v="137" actId="21"/>
+          <ac:spMkLst>
+            <pc:docMk/>
+            <pc:sldMk cId="0" sldId="260"/>
+            <ac:spMk id="109" creationId="{00000000-0000-0000-0000-000000000000}"/>
+          </ac:spMkLst>
+        </pc:spChg>
+        <pc:spChg chg="del">
+          <ac:chgData name="Brandon Wilson" userId="d9d79303ce864b82" providerId="LiveId" clId="{192B7328-0209-4765-B4D7-0B7B825B776D}" dt="2024-06-02T10:54:40.028" v="138" actId="21"/>
+          <ac:spMkLst>
+            <pc:docMk/>
+            <pc:sldMk cId="0" sldId="260"/>
+            <ac:spMk id="110" creationId="{00000000-0000-0000-0000-000000000000}"/>
+          </ac:spMkLst>
+        </pc:spChg>
+        <pc:spChg chg="del">
+          <ac:chgData name="Brandon Wilson" userId="d9d79303ce864b82" providerId="LiveId" clId="{192B7328-0209-4765-B4D7-0B7B825B776D}" dt="2024-06-02T10:54:44.217" v="139" actId="21"/>
+          <ac:spMkLst>
+            <pc:docMk/>
+            <pc:sldMk cId="0" sldId="260"/>
+            <ac:spMk id="111" creationId="{00000000-0000-0000-0000-000000000000}"/>
+          </ac:spMkLst>
+        </pc:spChg>
+        <pc:picChg chg="add mod">
+          <ac:chgData name="Brandon Wilson" userId="d9d79303ce864b82" providerId="LiveId" clId="{192B7328-0209-4765-B4D7-0B7B825B776D}" dt="2024-06-02T10:55:42.203" v="230" actId="1076"/>
+          <ac:picMkLst>
+            <pc:docMk/>
+            <pc:sldMk cId="0" sldId="260"/>
+            <ac:picMk id="3" creationId="{175CB42C-9694-B473-8D4E-E4B65E7211CA}"/>
+          </ac:picMkLst>
+        </pc:picChg>
+        <pc:picChg chg="del">
+          <ac:chgData name="Brandon Wilson" userId="d9d79303ce864b82" providerId="LiveId" clId="{192B7328-0209-4765-B4D7-0B7B825B776D}" dt="2024-06-02T10:54:20.698" v="131" actId="21"/>
+          <ac:picMkLst>
+            <pc:docMk/>
+            <pc:sldMk cId="0" sldId="260"/>
+            <ac:picMk id="102" creationId="{00000000-0000-0000-0000-000000000000}"/>
+          </ac:picMkLst>
+        </pc:picChg>
+        <pc:picChg chg="del">
+          <ac:chgData name="Brandon Wilson" userId="d9d79303ce864b82" providerId="LiveId" clId="{192B7328-0209-4765-B4D7-0B7B825B776D}" dt="2024-06-02T10:54:25.746" v="133" actId="21"/>
+          <ac:picMkLst>
+            <pc:docMk/>
+            <pc:sldMk cId="0" sldId="260"/>
+            <ac:picMk id="103" creationId="{00000000-0000-0000-0000-000000000000}"/>
+          </ac:picMkLst>
+        </pc:picChg>
+        <pc:picChg chg="del">
+          <ac:chgData name="Brandon Wilson" userId="d9d79303ce864b82" providerId="LiveId" clId="{192B7328-0209-4765-B4D7-0B7B825B776D}" dt="2024-06-02T10:54:30.636" v="135" actId="21"/>
+          <ac:picMkLst>
+            <pc:docMk/>
+            <pc:sldMk cId="0" sldId="260"/>
+            <ac:picMk id="104" creationId="{00000000-0000-0000-0000-000000000000}"/>
+          </ac:picMkLst>
+        </pc:picChg>
+      </pc:sldChg>
+      <pc:sldChg chg="addSp delSp modSp add mod">
+        <pc:chgData name="Brandon Wilson" userId="d9d79303ce864b82" providerId="LiveId" clId="{192B7328-0209-4765-B4D7-0B7B825B776D}" dt="2024-06-02T10:53:42.064" v="128" actId="5793"/>
+        <pc:sldMkLst>
+          <pc:docMk/>
+          <pc:sldMk cId="2312968764" sldId="261"/>
+        </pc:sldMkLst>
+        <pc:spChg chg="mod">
+          <ac:chgData name="Brandon Wilson" userId="d9d79303ce864b82" providerId="LiveId" clId="{192B7328-0209-4765-B4D7-0B7B825B776D}" dt="2024-06-02T10:53:42.064" v="128" actId="5793"/>
+          <ac:spMkLst>
+            <pc:docMk/>
+            <pc:sldMk cId="2312968764" sldId="261"/>
+            <ac:spMk id="61" creationId="{00000000-0000-0000-0000-000000000000}"/>
+          </ac:spMkLst>
+        </pc:spChg>
+        <pc:spChg chg="mod">
+          <ac:chgData name="Brandon Wilson" userId="d9d79303ce864b82" providerId="LiveId" clId="{192B7328-0209-4765-B4D7-0B7B825B776D}" dt="2024-06-02T10:51:44.538" v="108"/>
+          <ac:spMkLst>
+            <pc:docMk/>
+            <pc:sldMk cId="2312968764" sldId="261"/>
+            <ac:spMk id="63" creationId="{00000000-0000-0000-0000-000000000000}"/>
+          </ac:spMkLst>
+        </pc:spChg>
+        <pc:spChg chg="del">
+          <ac:chgData name="Brandon Wilson" userId="d9d79303ce864b82" providerId="LiveId" clId="{192B7328-0209-4765-B4D7-0B7B825B776D}" dt="2024-06-02T10:48:51.006" v="26" actId="21"/>
+          <ac:spMkLst>
+            <pc:docMk/>
+            <pc:sldMk cId="2312968764" sldId="261"/>
+            <ac:spMk id="65" creationId="{00000000-0000-0000-0000-000000000000}"/>
+          </ac:spMkLst>
+        </pc:spChg>
+        <pc:spChg chg="mod">
+          <ac:chgData name="Brandon Wilson" userId="d9d79303ce864b82" providerId="LiveId" clId="{192B7328-0209-4765-B4D7-0B7B825B776D}" dt="2024-06-02T10:51:52.199" v="109" actId="1076"/>
+          <ac:spMkLst>
+            <pc:docMk/>
+            <pc:sldMk cId="2312968764" sldId="261"/>
+            <ac:spMk id="67" creationId="{00000000-0000-0000-0000-000000000000}"/>
+          </ac:spMkLst>
+        </pc:spChg>
+        <pc:spChg chg="del">
+          <ac:chgData name="Brandon Wilson" userId="d9d79303ce864b82" providerId="LiveId" clId="{192B7328-0209-4765-B4D7-0B7B825B776D}" dt="2024-06-02T10:49:05.342" v="30" actId="21"/>
+          <ac:spMkLst>
+            <pc:docMk/>
+            <pc:sldMk cId="2312968764" sldId="261"/>
+            <ac:spMk id="68" creationId="{00000000-0000-0000-0000-000000000000}"/>
+          </ac:spMkLst>
+        </pc:spChg>
+        <pc:spChg chg="del">
+          <ac:chgData name="Brandon Wilson" userId="d9d79303ce864b82" providerId="LiveId" clId="{192B7328-0209-4765-B4D7-0B7B825B776D}" dt="2024-06-02T10:49:09.391" v="31" actId="21"/>
+          <ac:spMkLst>
+            <pc:docMk/>
+            <pc:sldMk cId="2312968764" sldId="261"/>
+            <ac:spMk id="69" creationId="{00000000-0000-0000-0000-000000000000}"/>
+          </ac:spMkLst>
+        </pc:spChg>
+        <pc:spChg chg="del">
+          <ac:chgData name="Brandon Wilson" userId="d9d79303ce864b82" providerId="LiveId" clId="{192B7328-0209-4765-B4D7-0B7B825B776D}" dt="2024-06-02T10:49:14.375" v="33" actId="21"/>
+          <ac:spMkLst>
+            <pc:docMk/>
+            <pc:sldMk cId="2312968764" sldId="261"/>
+            <ac:spMk id="71" creationId="{00000000-0000-0000-0000-000000000000}"/>
+          </ac:spMkLst>
+        </pc:spChg>
+        <pc:spChg chg="del">
+          <ac:chgData name="Brandon Wilson" userId="d9d79303ce864b82" providerId="LiveId" clId="{192B7328-0209-4765-B4D7-0B7B825B776D}" dt="2024-06-02T10:49:19.140" v="35" actId="21"/>
+          <ac:spMkLst>
+            <pc:docMk/>
+            <pc:sldMk cId="2312968764" sldId="261"/>
+            <ac:spMk id="73" creationId="{00000000-0000-0000-0000-000000000000}"/>
+          </ac:spMkLst>
+        </pc:spChg>
+        <pc:spChg chg="del">
+          <ac:chgData name="Brandon Wilson" userId="d9d79303ce864b82" providerId="LiveId" clId="{192B7328-0209-4765-B4D7-0B7B825B776D}" dt="2024-06-02T10:49:24.939" v="37" actId="21"/>
+          <ac:spMkLst>
+            <pc:docMk/>
+            <pc:sldMk cId="2312968764" sldId="261"/>
+            <ac:spMk id="75" creationId="{00000000-0000-0000-0000-000000000000}"/>
+          </ac:spMkLst>
+        </pc:spChg>
+        <pc:picChg chg="del">
+          <ac:chgData name="Brandon Wilson" userId="d9d79303ce864b82" providerId="LiveId" clId="{192B7328-0209-4765-B4D7-0B7B825B776D}" dt="2024-06-02T10:48:53.325" v="27" actId="21"/>
+          <ac:picMkLst>
+            <pc:docMk/>
+            <pc:sldMk cId="2312968764" sldId="261"/>
+            <ac:picMk id="3" creationId="{2E07F0D8-F6C3-6AC8-3B88-04482AD5F2DC}"/>
+          </ac:picMkLst>
+        </pc:picChg>
+        <pc:picChg chg="add mod">
+          <ac:chgData name="Brandon Wilson" userId="d9d79303ce864b82" providerId="LiveId" clId="{192B7328-0209-4765-B4D7-0B7B825B776D}" dt="2024-06-02T10:53:27.825" v="114" actId="1076"/>
+          <ac:picMkLst>
+            <pc:docMk/>
+            <pc:sldMk cId="2312968764" sldId="261"/>
+            <ac:picMk id="4" creationId="{B2D4F95C-84BC-037F-80F3-DC9294687A3E}"/>
+          </ac:picMkLst>
+        </pc:picChg>
+        <pc:picChg chg="del">
+          <ac:chgData name="Brandon Wilson" userId="d9d79303ce864b82" providerId="LiveId" clId="{192B7328-0209-4765-B4D7-0B7B825B776D}" dt="2024-06-02T10:48:55.560" v="28" actId="21"/>
+          <ac:picMkLst>
+            <pc:docMk/>
+            <pc:sldMk cId="2312968764" sldId="261"/>
+            <ac:picMk id="66" creationId="{00000000-0000-0000-0000-000000000000}"/>
+          </ac:picMkLst>
+        </pc:picChg>
+        <pc:picChg chg="del">
+          <ac:chgData name="Brandon Wilson" userId="d9d79303ce864b82" providerId="LiveId" clId="{192B7328-0209-4765-B4D7-0B7B825B776D}" dt="2024-06-02T10:49:11.531" v="32" actId="21"/>
+          <ac:picMkLst>
+            <pc:docMk/>
+            <pc:sldMk cId="2312968764" sldId="261"/>
+            <ac:picMk id="70" creationId="{00000000-0000-0000-0000-000000000000}"/>
+          </ac:picMkLst>
+        </pc:picChg>
+        <pc:picChg chg="del">
+          <ac:chgData name="Brandon Wilson" userId="d9d79303ce864b82" providerId="LiveId" clId="{192B7328-0209-4765-B4D7-0B7B825B776D}" dt="2024-06-02T10:49:16.343" v="34" actId="21"/>
+          <ac:picMkLst>
+            <pc:docMk/>
+            <pc:sldMk cId="2312968764" sldId="261"/>
+            <ac:picMk id="72" creationId="{00000000-0000-0000-0000-000000000000}"/>
+          </ac:picMkLst>
+        </pc:picChg>
+        <pc:picChg chg="del">
+          <ac:chgData name="Brandon Wilson" userId="d9d79303ce864b82" providerId="LiveId" clId="{192B7328-0209-4765-B4D7-0B7B825B776D}" dt="2024-06-02T10:49:21.437" v="36" actId="21"/>
+          <ac:picMkLst>
+            <pc:docMk/>
+            <pc:sldMk cId="2312968764" sldId="261"/>
+            <ac:picMk id="74" creationId="{00000000-0000-0000-0000-000000000000}"/>
+          </ac:picMkLst>
+        </pc:picChg>
+        <pc:picChg chg="del">
+          <ac:chgData name="Brandon Wilson" userId="d9d79303ce864b82" providerId="LiveId" clId="{192B7328-0209-4765-B4D7-0B7B825B776D}" dt="2024-06-02T10:49:27.892" v="38" actId="21"/>
+          <ac:picMkLst>
+            <pc:docMk/>
+            <pc:sldMk cId="2312968764" sldId="261"/>
+            <ac:picMk id="76" creationId="{00000000-0000-0000-0000-000000000000}"/>
+          </ac:picMkLst>
+        </pc:picChg>
+      </pc:sldChg>
+      <pc:sldChg chg="addSp delSp modSp add mod">
+        <pc:chgData name="Brandon Wilson" userId="d9d79303ce864b82" providerId="LiveId" clId="{192B7328-0209-4765-B4D7-0B7B825B776D}" dt="2024-06-02T11:09:07.764" v="774" actId="14100"/>
+        <pc:sldMkLst>
+          <pc:docMk/>
+          <pc:sldMk cId="1170088896" sldId="262"/>
+        </pc:sldMkLst>
+        <pc:spChg chg="mod">
+          <ac:chgData name="Brandon Wilson" userId="d9d79303ce864b82" providerId="LiveId" clId="{192B7328-0209-4765-B4D7-0B7B825B776D}" dt="2024-06-02T11:08:12.465" v="762" actId="20577"/>
+          <ac:spMkLst>
+            <pc:docMk/>
+            <pc:sldMk cId="1170088896" sldId="262"/>
+            <ac:spMk id="81" creationId="{00000000-0000-0000-0000-000000000000}"/>
+          </ac:spMkLst>
+        </pc:spChg>
+        <pc:spChg chg="del">
+          <ac:chgData name="Brandon Wilson" userId="d9d79303ce864b82" providerId="LiveId" clId="{192B7328-0209-4765-B4D7-0B7B825B776D}" dt="2024-06-02T11:06:39.477" v="692" actId="21"/>
+          <ac:spMkLst>
+            <pc:docMk/>
+            <pc:sldMk cId="1170088896" sldId="262"/>
+            <ac:spMk id="83" creationId="{00000000-0000-0000-0000-000000000000}"/>
+          </ac:spMkLst>
+        </pc:spChg>
+        <pc:spChg chg="del">
+          <ac:chgData name="Brandon Wilson" userId="d9d79303ce864b82" providerId="LiveId" clId="{192B7328-0209-4765-B4D7-0B7B825B776D}" dt="2024-06-02T11:06:35.367" v="691" actId="21"/>
+          <ac:spMkLst>
+            <pc:docMk/>
+            <pc:sldMk cId="1170088896" sldId="262"/>
+            <ac:spMk id="84" creationId="{00000000-0000-0000-0000-000000000000}"/>
+          </ac:spMkLst>
+        </pc:spChg>
+        <pc:spChg chg="del">
+          <ac:chgData name="Brandon Wilson" userId="d9d79303ce864b82" providerId="LiveId" clId="{192B7328-0209-4765-B4D7-0B7B825B776D}" dt="2024-06-02T11:06:47.463" v="695" actId="21"/>
+          <ac:spMkLst>
+            <pc:docMk/>
+            <pc:sldMk cId="1170088896" sldId="262"/>
+            <ac:spMk id="86" creationId="{00000000-0000-0000-0000-000000000000}"/>
+          </ac:spMkLst>
+        </pc:spChg>
+        <pc:spChg chg="del">
+          <ac:chgData name="Brandon Wilson" userId="d9d79303ce864b82" providerId="LiveId" clId="{192B7328-0209-4765-B4D7-0B7B825B776D}" dt="2024-06-02T11:06:43.165" v="693" actId="21"/>
+          <ac:spMkLst>
+            <pc:docMk/>
+            <pc:sldMk cId="1170088896" sldId="262"/>
+            <ac:spMk id="88" creationId="{00000000-0000-0000-0000-000000000000}"/>
+          </ac:spMkLst>
+        </pc:spChg>
+        <pc:spChg chg="del">
+          <ac:chgData name="Brandon Wilson" userId="d9d79303ce864b82" providerId="LiveId" clId="{192B7328-0209-4765-B4D7-0B7B825B776D}" dt="2024-06-02T11:07:50.464" v="696" actId="21"/>
+          <ac:spMkLst>
+            <pc:docMk/>
+            <pc:sldMk cId="1170088896" sldId="262"/>
+            <ac:spMk id="89" creationId="{00000000-0000-0000-0000-000000000000}"/>
+          </ac:spMkLst>
+        </pc:spChg>
+        <pc:spChg chg="del">
+          <ac:chgData name="Brandon Wilson" userId="d9d79303ce864b82" providerId="LiveId" clId="{192B7328-0209-4765-B4D7-0B7B825B776D}" dt="2024-06-02T11:07:53.526" v="697" actId="21"/>
+          <ac:spMkLst>
+            <pc:docMk/>
+            <pc:sldMk cId="1170088896" sldId="262"/>
+            <ac:spMk id="90" creationId="{00000000-0000-0000-0000-000000000000}"/>
+          </ac:spMkLst>
+        </pc:spChg>
+        <pc:picChg chg="add mod">
+          <ac:chgData name="Brandon Wilson" userId="d9d79303ce864b82" providerId="LiveId" clId="{192B7328-0209-4765-B4D7-0B7B825B776D}" dt="2024-06-02T11:09:07.764" v="774" actId="14100"/>
+          <ac:picMkLst>
+            <pc:docMk/>
+            <pc:sldMk cId="1170088896" sldId="262"/>
+            <ac:picMk id="3" creationId="{28127774-70AE-0B17-1806-D2C76788D921}"/>
+          </ac:picMkLst>
+        </pc:picChg>
+        <pc:picChg chg="del">
+          <ac:chgData name="Brandon Wilson" userId="d9d79303ce864b82" providerId="LiveId" clId="{192B7328-0209-4765-B4D7-0B7B825B776D}" dt="2024-06-02T11:06:03.440" v="690" actId="21"/>
+          <ac:picMkLst>
+            <pc:docMk/>
+            <pc:sldMk cId="1170088896" sldId="262"/>
+            <ac:picMk id="85" creationId="{00000000-0000-0000-0000-000000000000}"/>
+          </ac:picMkLst>
+        </pc:picChg>
+        <pc:picChg chg="del">
+          <ac:chgData name="Brandon Wilson" userId="d9d79303ce864b82" providerId="LiveId" clId="{192B7328-0209-4765-B4D7-0B7B825B776D}" dt="2024-06-02T11:06:45.306" v="694" actId="21"/>
+          <ac:picMkLst>
+            <pc:docMk/>
+            <pc:sldMk cId="1170088896" sldId="262"/>
+            <ac:picMk id="87" creationId="{00000000-0000-0000-0000-000000000000}"/>
+          </ac:picMkLst>
+        </pc:picChg>
+      </pc:sldChg>
+    </pc:docChg>
+  </pc:docChgLst>
+</pc:chgInfo>
+</file>
+
 <file path=ppt/notesMasters/notesMaster1.xml><?xml version="1.0" encoding="utf-8"?>
-<p:notesMaster xmlns:a="http://schemas.openxmlformats.org/drawingml/2006/main" xmlns:r="http://schemas.openxmlformats.org/officeDocument/2006/relationships" xmlns:mc="http://schemas.openxmlformats.org/markup-compatibility/2006" xmlns:mv="urn:schemas-microsoft-com:mac:vml" xmlns:p="http://schemas.openxmlformats.org/presentationml/2006/main" xmlns:c="http://schemas.openxmlformats.org/drawingml/2006/chart" xmlns:dgm="http://schemas.openxmlformats.org/drawingml/2006/diagram" xmlns:o="urn:schemas-microsoft-com:office:office" xmlns:v="urn:schemas-microsoft-com:vml" xmlns:pvml="urn:schemas-microsoft-com:office:powerpoint" xmlns:com="http://schemas.openxmlformats.org/drawingml/2006/compatibility" xmlns:p14="http://schemas.microsoft.com/office/powerpoint/2010/main" xmlns:p15="http://schemas.microsoft.com/office/powerpoint/2012/main" xmlns:ahyp="http://schemas.microsoft.com/office/drawing/2018/hyperlinkcolor">
+<p:notesMaster xmlns:a="http://schemas.openxmlformats.org/drawingml/2006/main" xmlns:r="http://schemas.openxmlformats.org/officeDocument/2006/relationships" xmlns:p="http://schemas.openxmlformats.org/presentationml/2006/main">
   <p:cSld>
+    <p:bg>
+      <p:bgRef idx="1001">
+        <a:schemeClr val="bg1"/>
+      </p:bgRef>
+    </p:bg>
     <p:spTree>
       <p:nvGrpSpPr>
-        <p:cNvPr id="2" name="Shape 2"/>
+        <p:cNvPr id="1" name="Shape 2"/>
         <p:cNvGrpSpPr/>
         <p:nvPr/>
       </p:nvGrpSpPr>
@@ -284,9 +669,11 @@
       <p:sp>
         <p:nvSpPr>
           <p:cNvPr id="3" name="Google Shape;3;n"/>
-          <p:cNvSpPr/>
+          <p:cNvSpPr>
+            <a:spLocks noGrp="1" noRot="1" noChangeAspect="1"/>
+          </p:cNvSpPr>
           <p:nvPr>
-            <p:ph idx="2" type="sldImg"/>
+            <p:ph type="sldImg" idx="2"/>
           </p:nvPr>
         </p:nvSpPr>
         <p:spPr>
@@ -295,9 +682,13 @@
             <a:ext cx="6096075" cy="3429000"/>
           </a:xfrm>
           <a:custGeom>
-            <a:rect b="b" l="l" r="r" t="t"/>
+            <a:avLst/>
+            <a:gdLst/>
+            <a:ahLst/>
+            <a:cxnLst/>
+            <a:rect l="l" t="t" r="r" b="b"/>
             <a:pathLst>
-              <a:path extrusionOk="0" h="120000" w="120000">
+              <a:path w="120000" h="120000" extrusionOk="0">
                 <a:moveTo>
                   <a:pt x="0" y="0"/>
                 </a:moveTo>
@@ -315,23 +706,25 @@
             </a:pathLst>
           </a:custGeom>
           <a:noFill/>
-          <a:ln cap="flat" cmpd="sng" w="9525">
+          <a:ln w="9525" cap="flat" cmpd="sng">
             <a:solidFill>
               <a:srgbClr val="000000"/>
             </a:solidFill>
             <a:prstDash val="solid"/>
             <a:round/>
-            <a:headEnd len="sm" w="sm" type="none"/>
-            <a:tailEnd len="sm" w="sm" type="none"/>
+            <a:headEnd type="none" w="sm" len="sm"/>
+            <a:tailEnd type="none" w="sm" len="sm"/>
           </a:ln>
         </p:spPr>
       </p:sp>
       <p:sp>
         <p:nvSpPr>
           <p:cNvPr id="4" name="Google Shape;4;n"/>
-          <p:cNvSpPr txBox="1"/>
+          <p:cNvSpPr txBox="1">
+            <a:spLocks noGrp="1"/>
+          </p:cNvSpPr>
           <p:nvPr>
-            <p:ph idx="1" type="body"/>
+            <p:ph type="body" idx="1"/>
           </p:nvPr>
         </p:nvSpPr>
         <p:spPr>
@@ -348,11 +741,11 @@
           </a:ln>
         </p:spPr>
         <p:txBody>
-          <a:bodyPr anchorCtr="0" anchor="t" bIns="91425" lIns="91425" spcFirstLastPara="1" rIns="91425" wrap="square" tIns="91425">
+          <a:bodyPr spcFirstLastPara="1" wrap="square" lIns="91425" tIns="91425" rIns="91425" bIns="91425" anchor="t" anchorCtr="0">
             <a:noAutofit/>
           </a:bodyPr>
           <a:lstStyle>
-            <a:lvl1pPr indent="-298450" lvl="0" marL="457200">
+            <a:lvl1pPr marL="457200" lvl="0" indent="-298450">
               <a:spcBef>
                 <a:spcPts val="0"/>
               </a:spcBef>
@@ -363,7 +756,7 @@
               <a:buChar char="●"/>
               <a:defRPr sz="1100"/>
             </a:lvl1pPr>
-            <a:lvl2pPr indent="-298450" lvl="1" marL="914400">
+            <a:lvl2pPr marL="914400" lvl="1" indent="-298450">
               <a:spcBef>
                 <a:spcPts val="0"/>
               </a:spcBef>
@@ -374,7 +767,7 @@
               <a:buChar char="○"/>
               <a:defRPr sz="1100"/>
             </a:lvl2pPr>
-            <a:lvl3pPr indent="-298450" lvl="2" marL="1371600">
+            <a:lvl3pPr marL="1371600" lvl="2" indent="-298450">
               <a:spcBef>
                 <a:spcPts val="0"/>
               </a:spcBef>
@@ -385,7 +778,7 @@
               <a:buChar char="■"/>
               <a:defRPr sz="1100"/>
             </a:lvl3pPr>
-            <a:lvl4pPr indent="-298450" lvl="3" marL="1828800">
+            <a:lvl4pPr marL="1828800" lvl="3" indent="-298450">
               <a:spcBef>
                 <a:spcPts val="0"/>
               </a:spcBef>
@@ -396,7 +789,7 @@
               <a:buChar char="●"/>
               <a:defRPr sz="1100"/>
             </a:lvl4pPr>
-            <a:lvl5pPr indent="-298450" lvl="4" marL="2286000">
+            <a:lvl5pPr marL="2286000" lvl="4" indent="-298450">
               <a:spcBef>
                 <a:spcPts val="0"/>
               </a:spcBef>
@@ -407,7 +800,7 @@
               <a:buChar char="○"/>
               <a:defRPr sz="1100"/>
             </a:lvl5pPr>
-            <a:lvl6pPr indent="-298450" lvl="5" marL="2743200">
+            <a:lvl6pPr marL="2743200" lvl="5" indent="-298450">
               <a:spcBef>
                 <a:spcPts val="0"/>
               </a:spcBef>
@@ -418,7 +811,7 @@
               <a:buChar char="■"/>
               <a:defRPr sz="1100"/>
             </a:lvl6pPr>
-            <a:lvl7pPr indent="-298450" lvl="6" marL="3200400">
+            <a:lvl7pPr marL="3200400" lvl="6" indent="-298450">
               <a:spcBef>
                 <a:spcPts val="0"/>
               </a:spcBef>
@@ -429,7 +822,7 @@
               <a:buChar char="●"/>
               <a:defRPr sz="1100"/>
             </a:lvl7pPr>
-            <a:lvl8pPr indent="-298450" lvl="7" marL="3657600">
+            <a:lvl8pPr marL="3657600" lvl="7" indent="-298450">
               <a:spcBef>
                 <a:spcPts val="0"/>
               </a:spcBef>
@@ -440,7 +833,7 @@
               <a:buChar char="○"/>
               <a:defRPr sz="1100"/>
             </a:lvl8pPr>
-            <a:lvl9pPr indent="-298450" lvl="8" marL="4114800">
+            <a:lvl9pPr marL="4114800" lvl="8" indent="-298450">
               <a:spcBef>
                 <a:spcPts val="0"/>
               </a:spcBef>
@@ -452,14 +845,16 @@
               <a:defRPr sz="1100"/>
             </a:lvl9pPr>
           </a:lstStyle>
-          <a:p/>
+          <a:p>
+            <a:endParaRPr/>
+          </a:p>
         </p:txBody>
       </p:sp>
     </p:spTree>
   </p:cSld>
-  <p:clrMap accent1="accent1" accent2="accent2" accent3="accent3" accent4="accent4" accent5="accent5" accent6="accent6" bg1="lt1" bg2="dk2" tx1="dk1" tx2="lt2" folHlink="folHlink" hlink="hlink"/>
+  <p:clrMap bg1="lt1" tx1="dk1" bg2="dk2" tx2="lt2" accent1="accent1" accent2="accent2" accent3="accent3" accent4="accent4" accent5="accent5" accent6="accent6" hlink="hlink" folHlink="folHlink"/>
   <p:notesStyle>
-    <a:defPPr lvl="0" marR="0" rtl="0" algn="l">
+    <a:defPPr marR="0" lvl="0" algn="l" rtl="0">
       <a:lnSpc>
         <a:spcPct val="100000"/>
       </a:lnSpc>
@@ -470,7 +865,7 @@
         <a:spcPts val="0"/>
       </a:spcAft>
     </a:defPPr>
-    <a:lvl1pPr lvl="0" marR="0" rtl="0" algn="l">
+    <a:lvl1pPr marR="0" lvl="0" algn="l" rtl="0">
       <a:lnSpc>
         <a:spcPct val="100000"/>
       </a:lnSpc>
@@ -484,7 +879,7 @@
         <a:srgbClr val="000000"/>
       </a:buClr>
       <a:buFont typeface="Arial"/>
-      <a:defRPr b="0" i="0" sz="1400" u="none" cap="none" strike="noStrike">
+      <a:defRPr sz="1400" b="0" i="0" u="none" strike="noStrike" cap="none">
         <a:solidFill>
           <a:srgbClr val="000000"/>
         </a:solidFill>
@@ -494,7 +889,7 @@
         <a:sym typeface="Arial"/>
       </a:defRPr>
     </a:lvl1pPr>
-    <a:lvl2pPr lvl="1" marR="0" rtl="0" algn="l">
+    <a:lvl2pPr marR="0" lvl="1" algn="l" rtl="0">
       <a:lnSpc>
         <a:spcPct val="100000"/>
       </a:lnSpc>
@@ -508,7 +903,7 @@
         <a:srgbClr val="000000"/>
       </a:buClr>
       <a:buFont typeface="Arial"/>
-      <a:defRPr b="0" i="0" sz="1400" u="none" cap="none" strike="noStrike">
+      <a:defRPr sz="1400" b="0" i="0" u="none" strike="noStrike" cap="none">
         <a:solidFill>
           <a:srgbClr val="000000"/>
         </a:solidFill>
@@ -518,7 +913,7 @@
         <a:sym typeface="Arial"/>
       </a:defRPr>
     </a:lvl2pPr>
-    <a:lvl3pPr lvl="2" marR="0" rtl="0" algn="l">
+    <a:lvl3pPr marR="0" lvl="2" algn="l" rtl="0">
       <a:lnSpc>
         <a:spcPct val="100000"/>
       </a:lnSpc>
@@ -532,7 +927,7 @@
         <a:srgbClr val="000000"/>
       </a:buClr>
       <a:buFont typeface="Arial"/>
-      <a:defRPr b="0" i="0" sz="1400" u="none" cap="none" strike="noStrike">
+      <a:defRPr sz="1400" b="0" i="0" u="none" strike="noStrike" cap="none">
         <a:solidFill>
           <a:srgbClr val="000000"/>
         </a:solidFill>
@@ -542,7 +937,7 @@
         <a:sym typeface="Arial"/>
       </a:defRPr>
     </a:lvl3pPr>
-    <a:lvl4pPr lvl="3" marR="0" rtl="0" algn="l">
+    <a:lvl4pPr marR="0" lvl="3" algn="l" rtl="0">
       <a:lnSpc>
         <a:spcPct val="100000"/>
       </a:lnSpc>
@@ -556,7 +951,7 @@
         <a:srgbClr val="000000"/>
       </a:buClr>
       <a:buFont typeface="Arial"/>
-      <a:defRPr b="0" i="0" sz="1400" u="none" cap="none" strike="noStrike">
+      <a:defRPr sz="1400" b="0" i="0" u="none" strike="noStrike" cap="none">
         <a:solidFill>
           <a:srgbClr val="000000"/>
         </a:solidFill>
@@ -566,7 +961,7 @@
         <a:sym typeface="Arial"/>
       </a:defRPr>
     </a:lvl4pPr>
-    <a:lvl5pPr lvl="4" marR="0" rtl="0" algn="l">
+    <a:lvl5pPr marR="0" lvl="4" algn="l" rtl="0">
       <a:lnSpc>
         <a:spcPct val="100000"/>
       </a:lnSpc>
@@ -580,7 +975,7 @@
         <a:srgbClr val="000000"/>
       </a:buClr>
       <a:buFont typeface="Arial"/>
-      <a:defRPr b="0" i="0" sz="1400" u="none" cap="none" strike="noStrike">
+      <a:defRPr sz="1400" b="0" i="0" u="none" strike="noStrike" cap="none">
         <a:solidFill>
           <a:srgbClr val="000000"/>
         </a:solidFill>
@@ -590,7 +985,7 @@
         <a:sym typeface="Arial"/>
       </a:defRPr>
     </a:lvl5pPr>
-    <a:lvl6pPr lvl="5" marR="0" rtl="0" algn="l">
+    <a:lvl6pPr marR="0" lvl="5" algn="l" rtl="0">
       <a:lnSpc>
         <a:spcPct val="100000"/>
       </a:lnSpc>
@@ -604,7 +999,7 @@
         <a:srgbClr val="000000"/>
       </a:buClr>
       <a:buFont typeface="Arial"/>
-      <a:defRPr b="0" i="0" sz="1400" u="none" cap="none" strike="noStrike">
+      <a:defRPr sz="1400" b="0" i="0" u="none" strike="noStrike" cap="none">
         <a:solidFill>
           <a:srgbClr val="000000"/>
         </a:solidFill>
@@ -614,7 +1009,7 @@
         <a:sym typeface="Arial"/>
       </a:defRPr>
     </a:lvl6pPr>
-    <a:lvl7pPr lvl="6" marR="0" rtl="0" algn="l">
+    <a:lvl7pPr marR="0" lvl="6" algn="l" rtl="0">
       <a:lnSpc>
         <a:spcPct val="100000"/>
       </a:lnSpc>
@@ -628,7 +1023,7 @@
         <a:srgbClr val="000000"/>
       </a:buClr>
       <a:buFont typeface="Arial"/>
-      <a:defRPr b="0" i="0" sz="1400" u="none" cap="none" strike="noStrike">
+      <a:defRPr sz="1400" b="0" i="0" u="none" strike="noStrike" cap="none">
         <a:solidFill>
           <a:srgbClr val="000000"/>
         </a:solidFill>
@@ -638,7 +1033,7 @@
         <a:sym typeface="Arial"/>
       </a:defRPr>
     </a:lvl7pPr>
-    <a:lvl8pPr lvl="7" marR="0" rtl="0" algn="l">
+    <a:lvl8pPr marR="0" lvl="7" algn="l" rtl="0">
       <a:lnSpc>
         <a:spcPct val="100000"/>
       </a:lnSpc>
@@ -652,7 +1047,7 @@
         <a:srgbClr val="000000"/>
       </a:buClr>
       <a:buFont typeface="Arial"/>
-      <a:defRPr b="0" i="0" sz="1400" u="none" cap="none" strike="noStrike">
+      <a:defRPr sz="1400" b="0" i="0" u="none" strike="noStrike" cap="none">
         <a:solidFill>
           <a:srgbClr val="000000"/>
         </a:solidFill>
@@ -662,7 +1057,7 @@
         <a:sym typeface="Arial"/>
       </a:defRPr>
     </a:lvl8pPr>
-    <a:lvl9pPr lvl="8" marR="0" rtl="0" algn="l">
+    <a:lvl9pPr marR="0" lvl="8" algn="l" rtl="0">
       <a:lnSpc>
         <a:spcPct val="100000"/>
       </a:lnSpc>
@@ -676,7 +1071,7 @@
         <a:srgbClr val="000000"/>
       </a:buClr>
       <a:buFont typeface="Arial"/>
-      <a:defRPr b="0" i="0" sz="1400" u="none" cap="none" strike="noStrike">
+      <a:defRPr sz="1400" b="0" i="0" u="none" strike="noStrike" cap="none">
         <a:solidFill>
           <a:srgbClr val="000000"/>
         </a:solidFill>
@@ -691,11 +1086,11 @@
 </file>
 
 <file path=ppt/notesSlides/notesSlide1.xml><?xml version="1.0" encoding="utf-8"?>
-<p:notes xmlns:a="http://schemas.openxmlformats.org/drawingml/2006/main" xmlns:r="http://schemas.openxmlformats.org/officeDocument/2006/relationships" xmlns:mc="http://schemas.openxmlformats.org/markup-compatibility/2006" xmlns:mv="urn:schemas-microsoft-com:mac:vml" xmlns:p="http://schemas.openxmlformats.org/presentationml/2006/main" xmlns:c="http://schemas.openxmlformats.org/drawingml/2006/chart" xmlns:dgm="http://schemas.openxmlformats.org/drawingml/2006/diagram" xmlns:o="urn:schemas-microsoft-com:office:office" xmlns:v="urn:schemas-microsoft-com:vml" xmlns:pvml="urn:schemas-microsoft-com:office:powerpoint" xmlns:com="http://schemas.openxmlformats.org/drawingml/2006/compatibility" xmlns:p14="http://schemas.microsoft.com/office/powerpoint/2010/main" xmlns:p15="http://schemas.microsoft.com/office/powerpoint/2012/main" xmlns:ahyp="http://schemas.microsoft.com/office/drawing/2018/hyperlinkcolor" showMasterPhAnim="0" showMasterSp="0">
+<p:notes xmlns:a="http://schemas.openxmlformats.org/drawingml/2006/main" xmlns:r="http://schemas.openxmlformats.org/officeDocument/2006/relationships" xmlns:p="http://schemas.openxmlformats.org/presentationml/2006/main" showMasterSp="0" showMasterPhAnim="0">
   <p:cSld>
     <p:spTree>
       <p:nvGrpSpPr>
-        <p:cNvPr id="50" name="Shape 50"/>
+        <p:cNvPr id="1" name="Shape 50"/>
         <p:cNvGrpSpPr/>
         <p:nvPr/>
       </p:nvGrpSpPr>
@@ -710,9 +1105,11 @@
       <p:sp>
         <p:nvSpPr>
           <p:cNvPr id="51" name="Google Shape;51;p:notes"/>
-          <p:cNvSpPr/>
+          <p:cNvSpPr>
+            <a:spLocks noGrp="1" noRot="1" noChangeAspect="1"/>
+          </p:cNvSpPr>
           <p:nvPr>
-            <p:ph idx="2" type="sldImg"/>
+            <p:ph type="sldImg" idx="2"/>
           </p:nvPr>
         </p:nvSpPr>
         <p:spPr>
@@ -721,9 +1118,13 @@
             <a:ext cx="6096075" cy="3429000"/>
           </a:xfrm>
           <a:custGeom>
-            <a:rect b="b" l="l" r="r" t="t"/>
+            <a:avLst/>
+            <a:gdLst/>
+            <a:ahLst/>
+            <a:cxnLst/>
+            <a:rect l="l" t="t" r="r" b="b"/>
             <a:pathLst>
-              <a:path extrusionOk="0" h="120000" w="120000">
+              <a:path w="120000" h="120000" extrusionOk="0">
                 <a:moveTo>
                   <a:pt x="0" y="0"/>
                 </a:moveTo>
@@ -745,9 +1146,11 @@
       <p:sp>
         <p:nvSpPr>
           <p:cNvPr id="52" name="Google Shape;52;p:notes"/>
-          <p:cNvSpPr txBox="1"/>
+          <p:cNvSpPr txBox="1">
+            <a:spLocks noGrp="1"/>
+          </p:cNvSpPr>
           <p:nvPr>
-            <p:ph idx="1" type="body"/>
+            <p:ph type="body" idx="1"/>
           </p:nvPr>
         </p:nvSpPr>
         <p:spPr>
@@ -760,12 +1163,12 @@
           </a:prstGeom>
         </p:spPr>
         <p:txBody>
-          <a:bodyPr anchorCtr="0" anchor="t" bIns="91425" lIns="91425" spcFirstLastPara="1" rIns="91425" wrap="square" tIns="91425">
+          <a:bodyPr spcFirstLastPara="1" wrap="square" lIns="91425" tIns="91425" rIns="91425" bIns="91425" anchor="t" anchorCtr="0">
             <a:noAutofit/>
           </a:bodyPr>
           <a:lstStyle/>
           <a:p>
-            <a:pPr indent="0" lvl="0" marL="0" rtl="0" algn="l">
+            <a:pPr marL="0" lvl="0" indent="0" algn="l" rtl="0">
               <a:spcBef>
                 <a:spcPts val="0"/>
               </a:spcBef>
@@ -774,9 +1177,6 @@
               </a:spcAft>
               <a:buNone/>
             </a:pPr>
-            <a:r>
-              <a:t/>
-            </a:r>
             <a:endParaRPr/>
           </a:p>
         </p:txBody>
@@ -790,11 +1190,11 @@
 </file>
 
 <file path=ppt/notesSlides/notesSlide2.xml><?xml version="1.0" encoding="utf-8"?>
-<p:notes xmlns:a="http://schemas.openxmlformats.org/drawingml/2006/main" xmlns:r="http://schemas.openxmlformats.org/officeDocument/2006/relationships" xmlns:mc="http://schemas.openxmlformats.org/markup-compatibility/2006" xmlns:mv="urn:schemas-microsoft-com:mac:vml" xmlns:p="http://schemas.openxmlformats.org/presentationml/2006/main" xmlns:c="http://schemas.openxmlformats.org/drawingml/2006/chart" xmlns:dgm="http://schemas.openxmlformats.org/drawingml/2006/diagram" xmlns:o="urn:schemas-microsoft-com:office:office" xmlns:v="urn:schemas-microsoft-com:vml" xmlns:pvml="urn:schemas-microsoft-com:office:powerpoint" xmlns:com="http://schemas.openxmlformats.org/drawingml/2006/compatibility" xmlns:p14="http://schemas.microsoft.com/office/powerpoint/2010/main" xmlns:p15="http://schemas.microsoft.com/office/powerpoint/2012/main" xmlns:ahyp="http://schemas.microsoft.com/office/drawing/2018/hyperlinkcolor" showMasterPhAnim="0" showMasterSp="0">
+<p:notes xmlns:a="http://schemas.openxmlformats.org/drawingml/2006/main" xmlns:r="http://schemas.openxmlformats.org/officeDocument/2006/relationships" xmlns:p="http://schemas.openxmlformats.org/presentationml/2006/main" showMasterSp="0" showMasterPhAnim="0">
   <p:cSld>
     <p:spTree>
       <p:nvGrpSpPr>
-        <p:cNvPr id="57" name="Shape 57"/>
+        <p:cNvPr id="1" name="Shape 57"/>
         <p:cNvGrpSpPr/>
         <p:nvPr/>
       </p:nvGrpSpPr>
@@ -809,20 +1209,26 @@
       <p:sp>
         <p:nvSpPr>
           <p:cNvPr id="58" name="Google Shape;58;g2df0765d50a_0_7:notes"/>
-          <p:cNvSpPr/>
+          <p:cNvSpPr>
+            <a:spLocks noGrp="1" noRot="1" noChangeAspect="1"/>
+          </p:cNvSpPr>
           <p:nvPr>
-            <p:ph idx="2" type="sldImg"/>
+            <p:ph type="sldImg" idx="2"/>
           </p:nvPr>
         </p:nvSpPr>
         <p:spPr>
           <a:xfrm>
-            <a:off x="381300" y="685800"/>
+            <a:off x="381000" y="685800"/>
             <a:ext cx="6096000" cy="3429000"/>
           </a:xfrm>
           <a:custGeom>
-            <a:rect b="b" l="l" r="r" t="t"/>
+            <a:avLst/>
+            <a:gdLst/>
+            <a:ahLst/>
+            <a:cxnLst/>
+            <a:rect l="l" t="t" r="r" b="b"/>
             <a:pathLst>
-              <a:path extrusionOk="0" h="120000" w="120000">
+              <a:path w="120000" h="120000" extrusionOk="0">
                 <a:moveTo>
                   <a:pt x="0" y="0"/>
                 </a:moveTo>
@@ -844,9 +1250,11 @@
       <p:sp>
         <p:nvSpPr>
           <p:cNvPr id="59" name="Google Shape;59;g2df0765d50a_0_7:notes"/>
-          <p:cNvSpPr txBox="1"/>
+          <p:cNvSpPr txBox="1">
+            <a:spLocks noGrp="1"/>
+          </p:cNvSpPr>
           <p:nvPr>
-            <p:ph idx="1" type="body"/>
+            <p:ph type="body" idx="1"/>
           </p:nvPr>
         </p:nvSpPr>
         <p:spPr>
@@ -859,12 +1267,12 @@
           </a:prstGeom>
         </p:spPr>
         <p:txBody>
-          <a:bodyPr anchorCtr="0" anchor="t" bIns="91425" lIns="91425" spcFirstLastPara="1" rIns="91425" wrap="square" tIns="91425">
+          <a:bodyPr spcFirstLastPara="1" wrap="square" lIns="91425" tIns="91425" rIns="91425" bIns="91425" anchor="t" anchorCtr="0">
             <a:noAutofit/>
           </a:bodyPr>
           <a:lstStyle/>
           <a:p>
-            <a:pPr indent="0" lvl="0" marL="0" rtl="0" algn="l">
+            <a:pPr marL="0" lvl="0" indent="0" algn="l" rtl="0">
               <a:spcBef>
                 <a:spcPts val="0"/>
               </a:spcBef>
@@ -873,9 +1281,6 @@
               </a:spcAft>
               <a:buNone/>
             </a:pPr>
-            <a:r>
-              <a:t/>
-            </a:r>
             <a:endParaRPr/>
           </a:p>
         </p:txBody>
@@ -889,11 +1294,120 @@
 </file>
 
 <file path=ppt/notesSlides/notesSlide3.xml><?xml version="1.0" encoding="utf-8"?>
-<p:notes xmlns:a="http://schemas.openxmlformats.org/drawingml/2006/main" xmlns:r="http://schemas.openxmlformats.org/officeDocument/2006/relationships" xmlns:mc="http://schemas.openxmlformats.org/markup-compatibility/2006" xmlns:mv="urn:schemas-microsoft-com:mac:vml" xmlns:p="http://schemas.openxmlformats.org/presentationml/2006/main" xmlns:c="http://schemas.openxmlformats.org/drawingml/2006/chart" xmlns:dgm="http://schemas.openxmlformats.org/drawingml/2006/diagram" xmlns:o="urn:schemas-microsoft-com:office:office" xmlns:v="urn:schemas-microsoft-com:vml" xmlns:pvml="urn:schemas-microsoft-com:office:powerpoint" xmlns:com="http://schemas.openxmlformats.org/drawingml/2006/compatibility" xmlns:p14="http://schemas.microsoft.com/office/powerpoint/2010/main" xmlns:p15="http://schemas.microsoft.com/office/powerpoint/2012/main" xmlns:ahyp="http://schemas.microsoft.com/office/drawing/2018/hyperlinkcolor" showMasterPhAnim="0" showMasterSp="0">
+<p:notes xmlns:a="http://schemas.openxmlformats.org/drawingml/2006/main" xmlns:r="http://schemas.openxmlformats.org/officeDocument/2006/relationships" xmlns:p="http://schemas.openxmlformats.org/presentationml/2006/main" showMasterSp="0" showMasterPhAnim="0">
   <p:cSld>
     <p:spTree>
       <p:nvGrpSpPr>
-        <p:cNvPr id="77" name="Shape 77"/>
+        <p:cNvPr id="1" name="Shape 57"/>
+        <p:cNvGrpSpPr/>
+        <p:nvPr/>
+      </p:nvGrpSpPr>
+      <p:grpSpPr>
+        <a:xfrm>
+          <a:off x="0" y="0"/>
+          <a:ext cx="0" cy="0"/>
+          <a:chOff x="0" y="0"/>
+          <a:chExt cx="0" cy="0"/>
+        </a:xfrm>
+      </p:grpSpPr>
+      <p:sp>
+        <p:nvSpPr>
+          <p:cNvPr id="58" name="Google Shape;58;g2df0765d50a_0_7:notes"/>
+          <p:cNvSpPr>
+            <a:spLocks noGrp="1" noRot="1" noChangeAspect="1"/>
+          </p:cNvSpPr>
+          <p:nvPr>
+            <p:ph type="sldImg" idx="2"/>
+          </p:nvPr>
+        </p:nvSpPr>
+        <p:spPr>
+          <a:xfrm>
+            <a:off x="381000" y="685800"/>
+            <a:ext cx="6096000" cy="3429000"/>
+          </a:xfrm>
+          <a:custGeom>
+            <a:avLst/>
+            <a:gdLst/>
+            <a:ahLst/>
+            <a:cxnLst/>
+            <a:rect l="l" t="t" r="r" b="b"/>
+            <a:pathLst>
+              <a:path w="120000" h="120000" extrusionOk="0">
+                <a:moveTo>
+                  <a:pt x="0" y="0"/>
+                </a:moveTo>
+                <a:lnTo>
+                  <a:pt x="120000" y="0"/>
+                </a:lnTo>
+                <a:lnTo>
+                  <a:pt x="120000" y="120000"/>
+                </a:lnTo>
+                <a:lnTo>
+                  <a:pt x="0" y="120000"/>
+                </a:lnTo>
+                <a:close/>
+              </a:path>
+            </a:pathLst>
+          </a:custGeom>
+        </p:spPr>
+      </p:sp>
+      <p:sp>
+        <p:nvSpPr>
+          <p:cNvPr id="59" name="Google Shape;59;g2df0765d50a_0_7:notes"/>
+          <p:cNvSpPr txBox="1">
+            <a:spLocks noGrp="1"/>
+          </p:cNvSpPr>
+          <p:nvPr>
+            <p:ph type="body" idx="1"/>
+          </p:nvPr>
+        </p:nvSpPr>
+        <p:spPr>
+          <a:xfrm>
+            <a:off x="685800" y="4343400"/>
+            <a:ext cx="5486400" cy="4114800"/>
+          </a:xfrm>
+          <a:prstGeom prst="rect">
+            <a:avLst/>
+          </a:prstGeom>
+        </p:spPr>
+        <p:txBody>
+          <a:bodyPr spcFirstLastPara="1" wrap="square" lIns="91425" tIns="91425" rIns="91425" bIns="91425" anchor="t" anchorCtr="0">
+            <a:noAutofit/>
+          </a:bodyPr>
+          <a:lstStyle/>
+          <a:p>
+            <a:pPr marL="0" lvl="0" indent="0" algn="l" rtl="0">
+              <a:spcBef>
+                <a:spcPts val="0"/>
+              </a:spcBef>
+              <a:spcAft>
+                <a:spcPts val="0"/>
+              </a:spcAft>
+              <a:buNone/>
+            </a:pPr>
+            <a:endParaRPr/>
+          </a:p>
+        </p:txBody>
+      </p:sp>
+    </p:spTree>
+    <p:extLst>
+      <p:ext uri="{BB962C8B-B14F-4D97-AF65-F5344CB8AC3E}">
+        <p14:creationId xmlns:p14="http://schemas.microsoft.com/office/powerpoint/2010/main" val="702589654"/>
+      </p:ext>
+    </p:extLst>
+  </p:cSld>
+  <p:clrMapOvr>
+    <a:masterClrMapping/>
+  </p:clrMapOvr>
+</p:notes>
+</file>
+
+<file path=ppt/notesSlides/notesSlide4.xml><?xml version="1.0" encoding="utf-8"?>
+<p:notes xmlns:a="http://schemas.openxmlformats.org/drawingml/2006/main" xmlns:r="http://schemas.openxmlformats.org/officeDocument/2006/relationships" xmlns:p="http://schemas.openxmlformats.org/presentationml/2006/main" showMasterSp="0" showMasterPhAnim="0">
+  <p:cSld>
+    <p:spTree>
+      <p:nvGrpSpPr>
+        <p:cNvPr id="1" name="Shape 77"/>
         <p:cNvGrpSpPr/>
         <p:nvPr/>
       </p:nvGrpSpPr>
@@ -908,9 +1422,11 @@
       <p:sp>
         <p:nvSpPr>
           <p:cNvPr id="78" name="Google Shape;78;g2df0765d50a_0_27:notes"/>
-          <p:cNvSpPr/>
+          <p:cNvSpPr>
+            <a:spLocks noGrp="1" noRot="1" noChangeAspect="1"/>
+          </p:cNvSpPr>
           <p:nvPr>
-            <p:ph idx="2" type="sldImg"/>
+            <p:ph type="sldImg" idx="2"/>
           </p:nvPr>
         </p:nvSpPr>
         <p:spPr>
@@ -919,9 +1435,13 @@
             <a:ext cx="6096000" cy="3429000"/>
           </a:xfrm>
           <a:custGeom>
-            <a:rect b="b" l="l" r="r" t="t"/>
+            <a:avLst/>
+            <a:gdLst/>
+            <a:ahLst/>
+            <a:cxnLst/>
+            <a:rect l="l" t="t" r="r" b="b"/>
             <a:pathLst>
-              <a:path extrusionOk="0" h="120000" w="120000">
+              <a:path w="120000" h="120000" extrusionOk="0">
                 <a:moveTo>
                   <a:pt x="0" y="0"/>
                 </a:moveTo>
@@ -943,9 +1463,11 @@
       <p:sp>
         <p:nvSpPr>
           <p:cNvPr id="79" name="Google Shape;79;g2df0765d50a_0_27:notes"/>
-          <p:cNvSpPr txBox="1"/>
+          <p:cNvSpPr txBox="1">
+            <a:spLocks noGrp="1"/>
+          </p:cNvSpPr>
           <p:nvPr>
-            <p:ph idx="1" type="body"/>
+            <p:ph type="body" idx="1"/>
           </p:nvPr>
         </p:nvSpPr>
         <p:spPr>
@@ -958,12 +1480,12 @@
           </a:prstGeom>
         </p:spPr>
         <p:txBody>
-          <a:bodyPr anchorCtr="0" anchor="t" bIns="91425" lIns="91425" spcFirstLastPara="1" rIns="91425" wrap="square" tIns="91425">
+          <a:bodyPr spcFirstLastPara="1" wrap="square" lIns="91425" tIns="91425" rIns="91425" bIns="91425" anchor="t" anchorCtr="0">
             <a:noAutofit/>
           </a:bodyPr>
           <a:lstStyle/>
           <a:p>
-            <a:pPr indent="0" lvl="0" marL="0" rtl="0" algn="l">
+            <a:pPr marL="0" lvl="0" indent="0" algn="l" rtl="0">
               <a:spcBef>
                 <a:spcPts val="0"/>
               </a:spcBef>
@@ -972,9 +1494,6 @@
               </a:spcAft>
               <a:buNone/>
             </a:pPr>
-            <a:r>
-              <a:t/>
-            </a:r>
             <a:endParaRPr/>
           </a:p>
         </p:txBody>
@@ -987,12 +1506,121 @@
 </p:notes>
 </file>
 
-<file path=ppt/notesSlides/notesSlide4.xml><?xml version="1.0" encoding="utf-8"?>
-<p:notes xmlns:a="http://schemas.openxmlformats.org/drawingml/2006/main" xmlns:r="http://schemas.openxmlformats.org/officeDocument/2006/relationships" xmlns:mc="http://schemas.openxmlformats.org/markup-compatibility/2006" xmlns:mv="urn:schemas-microsoft-com:mac:vml" xmlns:p="http://schemas.openxmlformats.org/presentationml/2006/main" xmlns:c="http://schemas.openxmlformats.org/drawingml/2006/chart" xmlns:dgm="http://schemas.openxmlformats.org/drawingml/2006/diagram" xmlns:o="urn:schemas-microsoft-com:office:office" xmlns:v="urn:schemas-microsoft-com:vml" xmlns:pvml="urn:schemas-microsoft-com:office:powerpoint" xmlns:com="http://schemas.openxmlformats.org/drawingml/2006/compatibility" xmlns:p14="http://schemas.microsoft.com/office/powerpoint/2010/main" xmlns:p15="http://schemas.microsoft.com/office/powerpoint/2012/main" xmlns:ahyp="http://schemas.microsoft.com/office/drawing/2018/hyperlinkcolor" showMasterPhAnim="0" showMasterSp="0">
+<file path=ppt/notesSlides/notesSlide5.xml><?xml version="1.0" encoding="utf-8"?>
+<p:notes xmlns:a="http://schemas.openxmlformats.org/drawingml/2006/main" xmlns:r="http://schemas.openxmlformats.org/officeDocument/2006/relationships" xmlns:p="http://schemas.openxmlformats.org/presentationml/2006/main" showMasterSp="0" showMasterPhAnim="0">
   <p:cSld>
     <p:spTree>
       <p:nvGrpSpPr>
-        <p:cNvPr id="91" name="Shape 91"/>
+        <p:cNvPr id="1" name="Shape 77"/>
+        <p:cNvGrpSpPr/>
+        <p:nvPr/>
+      </p:nvGrpSpPr>
+      <p:grpSpPr>
+        <a:xfrm>
+          <a:off x="0" y="0"/>
+          <a:ext cx="0" cy="0"/>
+          <a:chOff x="0" y="0"/>
+          <a:chExt cx="0" cy="0"/>
+        </a:xfrm>
+      </p:grpSpPr>
+      <p:sp>
+        <p:nvSpPr>
+          <p:cNvPr id="78" name="Google Shape;78;g2df0765d50a_0_27:notes"/>
+          <p:cNvSpPr>
+            <a:spLocks noGrp="1" noRot="1" noChangeAspect="1"/>
+          </p:cNvSpPr>
+          <p:nvPr>
+            <p:ph type="sldImg" idx="2"/>
+          </p:nvPr>
+        </p:nvSpPr>
+        <p:spPr>
+          <a:xfrm>
+            <a:off x="381000" y="685800"/>
+            <a:ext cx="6096000" cy="3429000"/>
+          </a:xfrm>
+          <a:custGeom>
+            <a:avLst/>
+            <a:gdLst/>
+            <a:ahLst/>
+            <a:cxnLst/>
+            <a:rect l="l" t="t" r="r" b="b"/>
+            <a:pathLst>
+              <a:path w="120000" h="120000" extrusionOk="0">
+                <a:moveTo>
+                  <a:pt x="0" y="0"/>
+                </a:moveTo>
+                <a:lnTo>
+                  <a:pt x="120000" y="0"/>
+                </a:lnTo>
+                <a:lnTo>
+                  <a:pt x="120000" y="120000"/>
+                </a:lnTo>
+                <a:lnTo>
+                  <a:pt x="0" y="120000"/>
+                </a:lnTo>
+                <a:close/>
+              </a:path>
+            </a:pathLst>
+          </a:custGeom>
+        </p:spPr>
+      </p:sp>
+      <p:sp>
+        <p:nvSpPr>
+          <p:cNvPr id="79" name="Google Shape;79;g2df0765d50a_0_27:notes"/>
+          <p:cNvSpPr txBox="1">
+            <a:spLocks noGrp="1"/>
+          </p:cNvSpPr>
+          <p:nvPr>
+            <p:ph type="body" idx="1"/>
+          </p:nvPr>
+        </p:nvSpPr>
+        <p:spPr>
+          <a:xfrm>
+            <a:off x="685800" y="4343400"/>
+            <a:ext cx="5486400" cy="4114800"/>
+          </a:xfrm>
+          <a:prstGeom prst="rect">
+            <a:avLst/>
+          </a:prstGeom>
+        </p:spPr>
+        <p:txBody>
+          <a:bodyPr spcFirstLastPara="1" wrap="square" lIns="91425" tIns="91425" rIns="91425" bIns="91425" anchor="t" anchorCtr="0">
+            <a:noAutofit/>
+          </a:bodyPr>
+          <a:lstStyle/>
+          <a:p>
+            <a:pPr marL="0" lvl="0" indent="0" algn="l" rtl="0">
+              <a:spcBef>
+                <a:spcPts val="0"/>
+              </a:spcBef>
+              <a:spcAft>
+                <a:spcPts val="0"/>
+              </a:spcAft>
+              <a:buNone/>
+            </a:pPr>
+            <a:endParaRPr/>
+          </a:p>
+        </p:txBody>
+      </p:sp>
+    </p:spTree>
+    <p:extLst>
+      <p:ext uri="{BB962C8B-B14F-4D97-AF65-F5344CB8AC3E}">
+        <p14:creationId xmlns:p14="http://schemas.microsoft.com/office/powerpoint/2010/main" val="3345041278"/>
+      </p:ext>
+    </p:extLst>
+  </p:cSld>
+  <p:clrMapOvr>
+    <a:masterClrMapping/>
+  </p:clrMapOvr>
+</p:notes>
+</file>
+
+<file path=ppt/notesSlides/notesSlide6.xml><?xml version="1.0" encoding="utf-8"?>
+<p:notes xmlns:a="http://schemas.openxmlformats.org/drawingml/2006/main" xmlns:r="http://schemas.openxmlformats.org/officeDocument/2006/relationships" xmlns:p="http://schemas.openxmlformats.org/presentationml/2006/main" showMasterSp="0" showMasterPhAnim="0">
+  <p:cSld>
+    <p:spTree>
+      <p:nvGrpSpPr>
+        <p:cNvPr id="1" name="Shape 91"/>
         <p:cNvGrpSpPr/>
         <p:nvPr/>
       </p:nvGrpSpPr>
@@ -1007,9 +1635,11 @@
       <p:sp>
         <p:nvSpPr>
           <p:cNvPr id="92" name="Google Shape;92;g2df0765d50a_0_30:notes"/>
-          <p:cNvSpPr/>
+          <p:cNvSpPr>
+            <a:spLocks noGrp="1" noRot="1" noChangeAspect="1"/>
+          </p:cNvSpPr>
           <p:nvPr>
-            <p:ph idx="2" type="sldImg"/>
+            <p:ph type="sldImg" idx="2"/>
           </p:nvPr>
         </p:nvSpPr>
         <p:spPr>
@@ -1018,9 +1648,13 @@
             <a:ext cx="6096000" cy="3429000"/>
           </a:xfrm>
           <a:custGeom>
-            <a:rect b="b" l="l" r="r" t="t"/>
+            <a:avLst/>
+            <a:gdLst/>
+            <a:ahLst/>
+            <a:cxnLst/>
+            <a:rect l="l" t="t" r="r" b="b"/>
             <a:pathLst>
-              <a:path extrusionOk="0" h="120000" w="120000">
+              <a:path w="120000" h="120000" extrusionOk="0">
                 <a:moveTo>
                   <a:pt x="0" y="0"/>
                 </a:moveTo>
@@ -1042,9 +1676,11 @@
       <p:sp>
         <p:nvSpPr>
           <p:cNvPr id="93" name="Google Shape;93;g2df0765d50a_0_30:notes"/>
-          <p:cNvSpPr txBox="1"/>
+          <p:cNvSpPr txBox="1">
+            <a:spLocks noGrp="1"/>
+          </p:cNvSpPr>
           <p:nvPr>
-            <p:ph idx="1" type="body"/>
+            <p:ph type="body" idx="1"/>
           </p:nvPr>
         </p:nvSpPr>
         <p:spPr>
@@ -1057,12 +1693,12 @@
           </a:prstGeom>
         </p:spPr>
         <p:txBody>
-          <a:bodyPr anchorCtr="0" anchor="t" bIns="91425" lIns="91425" spcFirstLastPara="1" rIns="91425" wrap="square" tIns="91425">
+          <a:bodyPr spcFirstLastPara="1" wrap="square" lIns="91425" tIns="91425" rIns="91425" bIns="91425" anchor="t" anchorCtr="0">
             <a:noAutofit/>
           </a:bodyPr>
           <a:lstStyle/>
           <a:p>
-            <a:pPr indent="0" lvl="0" marL="0" rtl="0" algn="l">
+            <a:pPr marL="0" lvl="0" indent="0" algn="l" rtl="0">
               <a:spcBef>
                 <a:spcPts val="0"/>
               </a:spcBef>
@@ -1071,9 +1707,6 @@
               </a:spcAft>
               <a:buNone/>
             </a:pPr>
-            <a:r>
-              <a:t/>
-            </a:r>
             <a:endParaRPr/>
           </a:p>
         </p:txBody>
@@ -1086,12 +1719,12 @@
 </p:notes>
 </file>
 
-<file path=ppt/notesSlides/notesSlide5.xml><?xml version="1.0" encoding="utf-8"?>
-<p:notes xmlns:a="http://schemas.openxmlformats.org/drawingml/2006/main" xmlns:r="http://schemas.openxmlformats.org/officeDocument/2006/relationships" xmlns:mc="http://schemas.openxmlformats.org/markup-compatibility/2006" xmlns:mv="urn:schemas-microsoft-com:mac:vml" xmlns:p="http://schemas.openxmlformats.org/presentationml/2006/main" xmlns:c="http://schemas.openxmlformats.org/drawingml/2006/chart" xmlns:dgm="http://schemas.openxmlformats.org/drawingml/2006/diagram" xmlns:o="urn:schemas-microsoft-com:office:office" xmlns:v="urn:schemas-microsoft-com:vml" xmlns:pvml="urn:schemas-microsoft-com:office:powerpoint" xmlns:com="http://schemas.openxmlformats.org/drawingml/2006/compatibility" xmlns:p14="http://schemas.microsoft.com/office/powerpoint/2010/main" xmlns:p15="http://schemas.microsoft.com/office/powerpoint/2012/main" xmlns:ahyp="http://schemas.microsoft.com/office/drawing/2018/hyperlinkcolor" showMasterPhAnim="0" showMasterSp="0">
+<file path=ppt/notesSlides/notesSlide7.xml><?xml version="1.0" encoding="utf-8"?>
+<p:notes xmlns:a="http://schemas.openxmlformats.org/drawingml/2006/main" xmlns:r="http://schemas.openxmlformats.org/officeDocument/2006/relationships" xmlns:p="http://schemas.openxmlformats.org/presentationml/2006/main" showMasterSp="0" showMasterPhAnim="0">
   <p:cSld>
     <p:spTree>
       <p:nvGrpSpPr>
-        <p:cNvPr id="97" name="Shape 97"/>
+        <p:cNvPr id="1" name="Shape 97"/>
         <p:cNvGrpSpPr/>
         <p:nvPr/>
       </p:nvGrpSpPr>
@@ -1106,20 +1739,26 @@
       <p:sp>
         <p:nvSpPr>
           <p:cNvPr id="98" name="Google Shape;98;g2df0765d50a_0_24:notes"/>
-          <p:cNvSpPr/>
+          <p:cNvSpPr>
+            <a:spLocks noGrp="1" noRot="1" noChangeAspect="1"/>
+          </p:cNvSpPr>
           <p:nvPr>
-            <p:ph idx="2" type="sldImg"/>
+            <p:ph type="sldImg" idx="2"/>
           </p:nvPr>
         </p:nvSpPr>
         <p:spPr>
           <a:xfrm>
-            <a:off x="381300" y="685800"/>
+            <a:off x="381000" y="685800"/>
             <a:ext cx="6096000" cy="3429000"/>
           </a:xfrm>
           <a:custGeom>
-            <a:rect b="b" l="l" r="r" t="t"/>
+            <a:avLst/>
+            <a:gdLst/>
+            <a:ahLst/>
+            <a:cxnLst/>
+            <a:rect l="l" t="t" r="r" b="b"/>
             <a:pathLst>
-              <a:path extrusionOk="0" h="120000" w="120000">
+              <a:path w="120000" h="120000" extrusionOk="0">
                 <a:moveTo>
                   <a:pt x="0" y="0"/>
                 </a:moveTo>
@@ -1141,9 +1780,11 @@
       <p:sp>
         <p:nvSpPr>
           <p:cNvPr id="99" name="Google Shape;99;g2df0765d50a_0_24:notes"/>
-          <p:cNvSpPr txBox="1"/>
+          <p:cNvSpPr txBox="1">
+            <a:spLocks noGrp="1"/>
+          </p:cNvSpPr>
           <p:nvPr>
-            <p:ph idx="1" type="body"/>
+            <p:ph type="body" idx="1"/>
           </p:nvPr>
         </p:nvSpPr>
         <p:spPr>
@@ -1156,12 +1797,12 @@
           </a:prstGeom>
         </p:spPr>
         <p:txBody>
-          <a:bodyPr anchorCtr="0" anchor="t" bIns="91425" lIns="91425" spcFirstLastPara="1" rIns="91425" wrap="square" tIns="91425">
+          <a:bodyPr spcFirstLastPara="1" wrap="square" lIns="91425" tIns="91425" rIns="91425" bIns="91425" anchor="t" anchorCtr="0">
             <a:noAutofit/>
           </a:bodyPr>
           <a:lstStyle/>
           <a:p>
-            <a:pPr indent="0" lvl="0" marL="0" rtl="0" algn="l">
+            <a:pPr marL="0" lvl="0" indent="0" algn="l" rtl="0">
               <a:spcBef>
                 <a:spcPts val="0"/>
               </a:spcBef>
@@ -1170,9 +1811,6 @@
               </a:spcAft>
               <a:buNone/>
             </a:pPr>
-            <a:r>
-              <a:t/>
-            </a:r>
             <a:endParaRPr/>
           </a:p>
         </p:txBody>
@@ -1186,11 +1824,11 @@
 </file>
 
 <file path=ppt/slideLayouts/slideLayout1.xml><?xml version="1.0" encoding="utf-8"?>
-<p:sldLayout xmlns:a="http://schemas.openxmlformats.org/drawingml/2006/main" xmlns:r="http://schemas.openxmlformats.org/officeDocument/2006/relationships" xmlns:mc="http://schemas.openxmlformats.org/markup-compatibility/2006" xmlns:mv="urn:schemas-microsoft-com:mac:vml" xmlns:p="http://schemas.openxmlformats.org/presentationml/2006/main" xmlns:c="http://schemas.openxmlformats.org/drawingml/2006/chart" xmlns:dgm="http://schemas.openxmlformats.org/drawingml/2006/diagram" xmlns:o="urn:schemas-microsoft-com:office:office" xmlns:v="urn:schemas-microsoft-com:vml" xmlns:pvml="urn:schemas-microsoft-com:office:powerpoint" xmlns:com="http://schemas.openxmlformats.org/drawingml/2006/compatibility" xmlns:p14="http://schemas.microsoft.com/office/powerpoint/2010/main" xmlns:p15="http://schemas.microsoft.com/office/powerpoint/2012/main" xmlns:ahyp="http://schemas.microsoft.com/office/drawing/2018/hyperlinkcolor" matchingName="Title slide" type="title">
+<p:sldLayout xmlns:a="http://schemas.openxmlformats.org/drawingml/2006/main" xmlns:r="http://schemas.openxmlformats.org/officeDocument/2006/relationships" xmlns:p="http://schemas.openxmlformats.org/presentationml/2006/main" matchingName="Title slide" type="title">
   <p:cSld name="TITLE">
     <p:spTree>
       <p:nvGrpSpPr>
-        <p:cNvPr id="9" name="Shape 9"/>
+        <p:cNvPr id="1" name="Shape 9"/>
         <p:cNvGrpSpPr/>
         <p:nvPr/>
       </p:nvGrpSpPr>
@@ -1205,7 +1843,9 @@
       <p:sp>
         <p:nvSpPr>
           <p:cNvPr id="10" name="Google Shape;10;p2"/>
-          <p:cNvSpPr txBox="1"/>
+          <p:cNvSpPr txBox="1">
+            <a:spLocks noGrp="1"/>
+          </p:cNvSpPr>
           <p:nvPr>
             <p:ph type="ctrTitle"/>
           </p:nvPr>
@@ -1220,7 +1860,7 @@
           </a:prstGeom>
         </p:spPr>
         <p:txBody>
-          <a:bodyPr anchorCtr="0" anchor="b" bIns="91425" lIns="91425" spcFirstLastPara="1" rIns="91425" wrap="square" tIns="91425">
+          <a:bodyPr spcFirstLastPara="1" wrap="square" lIns="91425" tIns="91425" rIns="91425" bIns="91425" anchor="b" anchorCtr="0">
             <a:normAutofit/>
           </a:bodyPr>
           <a:lstStyle>
@@ -1324,15 +1964,19 @@
               <a:defRPr sz="5200"/>
             </a:lvl9pPr>
           </a:lstStyle>
-          <a:p/>
+          <a:p>
+            <a:endParaRPr/>
+          </a:p>
         </p:txBody>
       </p:sp>
       <p:sp>
         <p:nvSpPr>
           <p:cNvPr id="11" name="Google Shape;11;p2"/>
-          <p:cNvSpPr txBox="1"/>
+          <p:cNvSpPr txBox="1">
+            <a:spLocks noGrp="1"/>
+          </p:cNvSpPr>
           <p:nvPr>
-            <p:ph idx="1" type="subTitle"/>
+            <p:ph type="subTitle" idx="1"/>
           </p:nvPr>
         </p:nvSpPr>
         <p:spPr>
@@ -1345,7 +1989,7 @@
           </a:prstGeom>
         </p:spPr>
         <p:txBody>
-          <a:bodyPr anchorCtr="0" anchor="t" bIns="91425" lIns="91425" spcFirstLastPara="1" rIns="91425" wrap="square" tIns="91425">
+          <a:bodyPr spcFirstLastPara="1" wrap="square" lIns="91425" tIns="91425" rIns="91425" bIns="91425" anchor="t" anchorCtr="0">
             <a:normAutofit/>
           </a:bodyPr>
           <a:lstStyle>
@@ -1476,15 +2120,19 @@
               <a:defRPr sz="2800"/>
             </a:lvl9pPr>
           </a:lstStyle>
-          <a:p/>
+          <a:p>
+            <a:endParaRPr/>
+          </a:p>
         </p:txBody>
       </p:sp>
       <p:sp>
         <p:nvSpPr>
           <p:cNvPr id="12" name="Google Shape;12;p2"/>
-          <p:cNvSpPr txBox="1"/>
+          <p:cNvSpPr txBox="1">
+            <a:spLocks noGrp="1"/>
+          </p:cNvSpPr>
           <p:nvPr>
-            <p:ph idx="12" type="sldNum"/>
+            <p:ph type="sldNum" idx="12"/>
           </p:nvPr>
         </p:nvSpPr>
         <p:spPr>
@@ -1497,7 +2145,7 @@
           </a:prstGeom>
         </p:spPr>
         <p:txBody>
-          <a:bodyPr anchorCtr="0" anchor="ctr" bIns="91425" lIns="91425" spcFirstLastPara="1" rIns="91425" wrap="square" tIns="91425">
+          <a:bodyPr spcFirstLastPara="1" wrap="square" lIns="91425" tIns="91425" rIns="91425" bIns="91425" anchor="ctr" anchorCtr="0">
             <a:normAutofit/>
           </a:bodyPr>
           <a:lstStyle>
@@ -1539,7 +2187,7 @@
             </a:lvl9pPr>
           </a:lstStyle>
           <a:p>
-            <a:pPr indent="0" lvl="0" marL="0" rtl="0" algn="r">
+            <a:pPr marL="0" lvl="0" indent="0" algn="r" rtl="0">
               <a:spcBef>
                 <a:spcPts val="0"/>
               </a:spcBef>
@@ -1565,11 +2213,11 @@
 </file>
 
 <file path=ppt/slideLayouts/slideLayout10.xml><?xml version="1.0" encoding="utf-8"?>
-<p:sldLayout xmlns:a="http://schemas.openxmlformats.org/drawingml/2006/main" xmlns:r="http://schemas.openxmlformats.org/officeDocument/2006/relationships" xmlns:mc="http://schemas.openxmlformats.org/markup-compatibility/2006" xmlns:mv="urn:schemas-microsoft-com:mac:vml" xmlns:p="http://schemas.openxmlformats.org/presentationml/2006/main" xmlns:c="http://schemas.openxmlformats.org/drawingml/2006/chart" xmlns:dgm="http://schemas.openxmlformats.org/drawingml/2006/diagram" xmlns:o="urn:schemas-microsoft-com:office:office" xmlns:v="urn:schemas-microsoft-com:vml" xmlns:pvml="urn:schemas-microsoft-com:office:powerpoint" xmlns:com="http://schemas.openxmlformats.org/drawingml/2006/compatibility" xmlns:p14="http://schemas.microsoft.com/office/powerpoint/2010/main" xmlns:p15="http://schemas.microsoft.com/office/powerpoint/2012/main" xmlns:ahyp="http://schemas.microsoft.com/office/drawing/2018/hyperlinkcolor" matchingName="Big number">
+<p:sldLayout xmlns:a="http://schemas.openxmlformats.org/drawingml/2006/main" xmlns:r="http://schemas.openxmlformats.org/officeDocument/2006/relationships" xmlns:p="http://schemas.openxmlformats.org/presentationml/2006/main" matchingName="Big number">
   <p:cSld name="BIG_NUMBER">
     <p:spTree>
       <p:nvGrpSpPr>
-        <p:cNvPr id="44" name="Shape 44"/>
+        <p:cNvPr id="1" name="Shape 44"/>
         <p:cNvGrpSpPr/>
         <p:nvPr/>
       </p:nvGrpSpPr>
@@ -1584,9 +2232,11 @@
       <p:sp>
         <p:nvSpPr>
           <p:cNvPr id="45" name="Google Shape;45;p11"/>
-          <p:cNvSpPr txBox="1"/>
+          <p:cNvSpPr txBox="1">
+            <a:spLocks noGrp="1"/>
+          </p:cNvSpPr>
           <p:nvPr>
-            <p:ph hasCustomPrompt="1" type="title"/>
+            <p:ph type="title" hasCustomPrompt="1"/>
           </p:nvPr>
         </p:nvSpPr>
         <p:spPr>
@@ -1599,7 +2249,7 @@
           </a:prstGeom>
         </p:spPr>
         <p:txBody>
-          <a:bodyPr anchorCtr="0" anchor="b" bIns="91425" lIns="91425" spcFirstLastPara="1" rIns="91425" wrap="square" tIns="91425">
+          <a:bodyPr spcFirstLastPara="1" wrap="square" lIns="91425" tIns="91425" rIns="91425" bIns="91425" anchor="b" anchorCtr="0">
             <a:normAutofit/>
           </a:bodyPr>
           <a:lstStyle>
@@ -1713,9 +2363,11 @@
       <p:sp>
         <p:nvSpPr>
           <p:cNvPr id="46" name="Google Shape;46;p11"/>
-          <p:cNvSpPr txBox="1"/>
+          <p:cNvSpPr txBox="1">
+            <a:spLocks noGrp="1"/>
+          </p:cNvSpPr>
           <p:nvPr>
-            <p:ph idx="1" type="body"/>
+            <p:ph type="body" idx="1"/>
           </p:nvPr>
         </p:nvSpPr>
         <p:spPr>
@@ -1728,11 +2380,11 @@
           </a:prstGeom>
         </p:spPr>
         <p:txBody>
-          <a:bodyPr anchorCtr="0" anchor="t" bIns="91425" lIns="91425" spcFirstLastPara="1" rIns="91425" wrap="square" tIns="91425">
+          <a:bodyPr spcFirstLastPara="1" wrap="square" lIns="91425" tIns="91425" rIns="91425" bIns="91425" anchor="t" anchorCtr="0">
             <a:normAutofit/>
           </a:bodyPr>
           <a:lstStyle>
-            <a:lvl1pPr indent="-342900" lvl="0" marL="457200" algn="ctr">
+            <a:lvl1pPr marL="457200" lvl="0" indent="-342900" algn="ctr">
               <a:spcBef>
                 <a:spcPts val="0"/>
               </a:spcBef>
@@ -1743,7 +2395,7 @@
               <a:buChar char="●"/>
               <a:defRPr/>
             </a:lvl1pPr>
-            <a:lvl2pPr indent="-317500" lvl="1" marL="914400" algn="ctr">
+            <a:lvl2pPr marL="914400" lvl="1" indent="-317500" algn="ctr">
               <a:spcBef>
                 <a:spcPts val="0"/>
               </a:spcBef>
@@ -1754,7 +2406,7 @@
               <a:buChar char="○"/>
               <a:defRPr/>
             </a:lvl2pPr>
-            <a:lvl3pPr indent="-317500" lvl="2" marL="1371600" algn="ctr">
+            <a:lvl3pPr marL="1371600" lvl="2" indent="-317500" algn="ctr">
               <a:spcBef>
                 <a:spcPts val="0"/>
               </a:spcBef>
@@ -1765,7 +2417,7 @@
               <a:buChar char="■"/>
               <a:defRPr/>
             </a:lvl3pPr>
-            <a:lvl4pPr indent="-317500" lvl="3" marL="1828800" algn="ctr">
+            <a:lvl4pPr marL="1828800" lvl="3" indent="-317500" algn="ctr">
               <a:spcBef>
                 <a:spcPts val="0"/>
               </a:spcBef>
@@ -1776,7 +2428,7 @@
               <a:buChar char="●"/>
               <a:defRPr/>
             </a:lvl4pPr>
-            <a:lvl5pPr indent="-317500" lvl="4" marL="2286000" algn="ctr">
+            <a:lvl5pPr marL="2286000" lvl="4" indent="-317500" algn="ctr">
               <a:spcBef>
                 <a:spcPts val="0"/>
               </a:spcBef>
@@ -1787,7 +2439,7 @@
               <a:buChar char="○"/>
               <a:defRPr/>
             </a:lvl5pPr>
-            <a:lvl6pPr indent="-317500" lvl="5" marL="2743200" algn="ctr">
+            <a:lvl6pPr marL="2743200" lvl="5" indent="-317500" algn="ctr">
               <a:spcBef>
                 <a:spcPts val="0"/>
               </a:spcBef>
@@ -1798,7 +2450,7 @@
               <a:buChar char="■"/>
               <a:defRPr/>
             </a:lvl6pPr>
-            <a:lvl7pPr indent="-317500" lvl="6" marL="3200400" algn="ctr">
+            <a:lvl7pPr marL="3200400" lvl="6" indent="-317500" algn="ctr">
               <a:spcBef>
                 <a:spcPts val="0"/>
               </a:spcBef>
@@ -1809,7 +2461,7 @@
               <a:buChar char="●"/>
               <a:defRPr/>
             </a:lvl7pPr>
-            <a:lvl8pPr indent="-317500" lvl="7" marL="3657600" algn="ctr">
+            <a:lvl8pPr marL="3657600" lvl="7" indent="-317500" algn="ctr">
               <a:spcBef>
                 <a:spcPts val="0"/>
               </a:spcBef>
@@ -1820,7 +2472,7 @@
               <a:buChar char="○"/>
               <a:defRPr/>
             </a:lvl8pPr>
-            <a:lvl9pPr indent="-317500" lvl="8" marL="4114800" algn="ctr">
+            <a:lvl9pPr marL="4114800" lvl="8" indent="-317500" algn="ctr">
               <a:spcBef>
                 <a:spcPts val="0"/>
               </a:spcBef>
@@ -1832,15 +2484,19 @@
               <a:defRPr/>
             </a:lvl9pPr>
           </a:lstStyle>
-          <a:p/>
+          <a:p>
+            <a:endParaRPr/>
+          </a:p>
         </p:txBody>
       </p:sp>
       <p:sp>
         <p:nvSpPr>
           <p:cNvPr id="47" name="Google Shape;47;p11"/>
-          <p:cNvSpPr txBox="1"/>
+          <p:cNvSpPr txBox="1">
+            <a:spLocks noGrp="1"/>
+          </p:cNvSpPr>
           <p:nvPr>
-            <p:ph idx="12" type="sldNum"/>
+            <p:ph type="sldNum" idx="12"/>
           </p:nvPr>
         </p:nvSpPr>
         <p:spPr>
@@ -1853,7 +2509,7 @@
           </a:prstGeom>
         </p:spPr>
         <p:txBody>
-          <a:bodyPr anchorCtr="0" anchor="ctr" bIns="91425" lIns="91425" spcFirstLastPara="1" rIns="91425" wrap="square" tIns="91425">
+          <a:bodyPr spcFirstLastPara="1" wrap="square" lIns="91425" tIns="91425" rIns="91425" bIns="91425" anchor="ctr" anchorCtr="0">
             <a:normAutofit/>
           </a:bodyPr>
           <a:lstStyle>
@@ -1895,7 +2551,7 @@
             </a:lvl9pPr>
           </a:lstStyle>
           <a:p>
-            <a:pPr indent="0" lvl="0" marL="0" rtl="0" algn="r">
+            <a:pPr marL="0" lvl="0" indent="0" algn="r" rtl="0">
               <a:spcBef>
                 <a:spcPts val="0"/>
               </a:spcBef>
@@ -1921,11 +2577,11 @@
 </file>
 
 <file path=ppt/slideLayouts/slideLayout11.xml><?xml version="1.0" encoding="utf-8"?>
-<p:sldLayout xmlns:a="http://schemas.openxmlformats.org/drawingml/2006/main" xmlns:r="http://schemas.openxmlformats.org/officeDocument/2006/relationships" xmlns:mc="http://schemas.openxmlformats.org/markup-compatibility/2006" xmlns:mv="urn:schemas-microsoft-com:mac:vml" xmlns:p="http://schemas.openxmlformats.org/presentationml/2006/main" xmlns:c="http://schemas.openxmlformats.org/drawingml/2006/chart" xmlns:dgm="http://schemas.openxmlformats.org/drawingml/2006/diagram" xmlns:o="urn:schemas-microsoft-com:office:office" xmlns:v="urn:schemas-microsoft-com:vml" xmlns:pvml="urn:schemas-microsoft-com:office:powerpoint" xmlns:com="http://schemas.openxmlformats.org/drawingml/2006/compatibility" xmlns:p14="http://schemas.microsoft.com/office/powerpoint/2010/main" xmlns:p15="http://schemas.microsoft.com/office/powerpoint/2012/main" xmlns:ahyp="http://schemas.microsoft.com/office/drawing/2018/hyperlinkcolor" matchingName="Blank" type="blank">
+<p:sldLayout xmlns:a="http://schemas.openxmlformats.org/drawingml/2006/main" xmlns:r="http://schemas.openxmlformats.org/officeDocument/2006/relationships" xmlns:p="http://schemas.openxmlformats.org/presentationml/2006/main" matchingName="Blank" type="blank">
   <p:cSld name="BLANK">
     <p:spTree>
       <p:nvGrpSpPr>
-        <p:cNvPr id="48" name="Shape 48"/>
+        <p:cNvPr id="1" name="Shape 48"/>
         <p:cNvGrpSpPr/>
         <p:nvPr/>
       </p:nvGrpSpPr>
@@ -1940,9 +2596,11 @@
       <p:sp>
         <p:nvSpPr>
           <p:cNvPr id="49" name="Google Shape;49;p12"/>
-          <p:cNvSpPr txBox="1"/>
+          <p:cNvSpPr txBox="1">
+            <a:spLocks noGrp="1"/>
+          </p:cNvSpPr>
           <p:nvPr>
-            <p:ph idx="12" type="sldNum"/>
+            <p:ph type="sldNum" idx="12"/>
           </p:nvPr>
         </p:nvSpPr>
         <p:spPr>
@@ -1955,7 +2613,7 @@
           </a:prstGeom>
         </p:spPr>
         <p:txBody>
-          <a:bodyPr anchorCtr="0" anchor="ctr" bIns="91425" lIns="91425" spcFirstLastPara="1" rIns="91425" wrap="square" tIns="91425">
+          <a:bodyPr spcFirstLastPara="1" wrap="square" lIns="91425" tIns="91425" rIns="91425" bIns="91425" anchor="ctr" anchorCtr="0">
             <a:normAutofit/>
           </a:bodyPr>
           <a:lstStyle>
@@ -1997,7 +2655,7 @@
             </a:lvl9pPr>
           </a:lstStyle>
           <a:p>
-            <a:pPr indent="0" lvl="0" marL="0" rtl="0" algn="r">
+            <a:pPr marL="0" lvl="0" indent="0" algn="r" rtl="0">
               <a:spcBef>
                 <a:spcPts val="0"/>
               </a:spcBef>
@@ -2023,11 +2681,11 @@
 </file>
 
 <file path=ppt/slideLayouts/slideLayout2.xml><?xml version="1.0" encoding="utf-8"?>
-<p:sldLayout xmlns:a="http://schemas.openxmlformats.org/drawingml/2006/main" xmlns:r="http://schemas.openxmlformats.org/officeDocument/2006/relationships" xmlns:mc="http://schemas.openxmlformats.org/markup-compatibility/2006" xmlns:mv="urn:schemas-microsoft-com:mac:vml" xmlns:p="http://schemas.openxmlformats.org/presentationml/2006/main" xmlns:c="http://schemas.openxmlformats.org/drawingml/2006/chart" xmlns:dgm="http://schemas.openxmlformats.org/drawingml/2006/diagram" xmlns:o="urn:schemas-microsoft-com:office:office" xmlns:v="urn:schemas-microsoft-com:vml" xmlns:pvml="urn:schemas-microsoft-com:office:powerpoint" xmlns:com="http://schemas.openxmlformats.org/drawingml/2006/compatibility" xmlns:p14="http://schemas.microsoft.com/office/powerpoint/2010/main" xmlns:p15="http://schemas.microsoft.com/office/powerpoint/2012/main" xmlns:ahyp="http://schemas.microsoft.com/office/drawing/2018/hyperlinkcolor" matchingName="Section header" type="secHead">
+<p:sldLayout xmlns:a="http://schemas.openxmlformats.org/drawingml/2006/main" xmlns:r="http://schemas.openxmlformats.org/officeDocument/2006/relationships" xmlns:p="http://schemas.openxmlformats.org/presentationml/2006/main" matchingName="Section header" type="secHead">
   <p:cSld name="SECTION_HEADER">
     <p:spTree>
       <p:nvGrpSpPr>
-        <p:cNvPr id="13" name="Shape 13"/>
+        <p:cNvPr id="1" name="Shape 13"/>
         <p:cNvGrpSpPr/>
         <p:nvPr/>
       </p:nvGrpSpPr>
@@ -2042,7 +2700,9 @@
       <p:sp>
         <p:nvSpPr>
           <p:cNvPr id="14" name="Google Shape;14;p3"/>
-          <p:cNvSpPr txBox="1"/>
+          <p:cNvSpPr txBox="1">
+            <a:spLocks noGrp="1"/>
+          </p:cNvSpPr>
           <p:nvPr>
             <p:ph type="title"/>
           </p:nvPr>
@@ -2057,7 +2717,7 @@
           </a:prstGeom>
         </p:spPr>
         <p:txBody>
-          <a:bodyPr anchorCtr="0" anchor="ctr" bIns="91425" lIns="91425" spcFirstLastPara="1" rIns="91425" wrap="square" tIns="91425">
+          <a:bodyPr spcFirstLastPara="1" wrap="square" lIns="91425" tIns="91425" rIns="91425" bIns="91425" anchor="ctr" anchorCtr="0">
             <a:normAutofit/>
           </a:bodyPr>
           <a:lstStyle>
@@ -2161,15 +2821,19 @@
               <a:defRPr sz="3600"/>
             </a:lvl9pPr>
           </a:lstStyle>
-          <a:p/>
+          <a:p>
+            <a:endParaRPr/>
+          </a:p>
         </p:txBody>
       </p:sp>
       <p:sp>
         <p:nvSpPr>
           <p:cNvPr id="15" name="Google Shape;15;p3"/>
-          <p:cNvSpPr txBox="1"/>
+          <p:cNvSpPr txBox="1">
+            <a:spLocks noGrp="1"/>
+          </p:cNvSpPr>
           <p:nvPr>
-            <p:ph idx="12" type="sldNum"/>
+            <p:ph type="sldNum" idx="12"/>
           </p:nvPr>
         </p:nvSpPr>
         <p:spPr>
@@ -2182,7 +2846,7 @@
           </a:prstGeom>
         </p:spPr>
         <p:txBody>
-          <a:bodyPr anchorCtr="0" anchor="ctr" bIns="91425" lIns="91425" spcFirstLastPara="1" rIns="91425" wrap="square" tIns="91425">
+          <a:bodyPr spcFirstLastPara="1" wrap="square" lIns="91425" tIns="91425" rIns="91425" bIns="91425" anchor="ctr" anchorCtr="0">
             <a:normAutofit/>
           </a:bodyPr>
           <a:lstStyle>
@@ -2224,7 +2888,7 @@
             </a:lvl9pPr>
           </a:lstStyle>
           <a:p>
-            <a:pPr indent="0" lvl="0" marL="0" rtl="0" algn="r">
+            <a:pPr marL="0" lvl="0" indent="0" algn="r" rtl="0">
               <a:spcBef>
                 <a:spcPts val="0"/>
               </a:spcBef>
@@ -2250,11 +2914,11 @@
 </file>
 
 <file path=ppt/slideLayouts/slideLayout3.xml><?xml version="1.0" encoding="utf-8"?>
-<p:sldLayout xmlns:a="http://schemas.openxmlformats.org/drawingml/2006/main" xmlns:r="http://schemas.openxmlformats.org/officeDocument/2006/relationships" xmlns:mc="http://schemas.openxmlformats.org/markup-compatibility/2006" xmlns:mv="urn:schemas-microsoft-com:mac:vml" xmlns:p="http://schemas.openxmlformats.org/presentationml/2006/main" xmlns:c="http://schemas.openxmlformats.org/drawingml/2006/chart" xmlns:dgm="http://schemas.openxmlformats.org/drawingml/2006/diagram" xmlns:o="urn:schemas-microsoft-com:office:office" xmlns:v="urn:schemas-microsoft-com:vml" xmlns:pvml="urn:schemas-microsoft-com:office:powerpoint" xmlns:com="http://schemas.openxmlformats.org/drawingml/2006/compatibility" xmlns:p14="http://schemas.microsoft.com/office/powerpoint/2010/main" xmlns:p15="http://schemas.microsoft.com/office/powerpoint/2012/main" xmlns:ahyp="http://schemas.microsoft.com/office/drawing/2018/hyperlinkcolor" matchingName="Title and body" type="tx">
+<p:sldLayout xmlns:a="http://schemas.openxmlformats.org/drawingml/2006/main" xmlns:r="http://schemas.openxmlformats.org/officeDocument/2006/relationships" xmlns:p="http://schemas.openxmlformats.org/presentationml/2006/main" matchingName="Title and body" type="tx">
   <p:cSld name="TITLE_AND_BODY">
     <p:spTree>
       <p:nvGrpSpPr>
-        <p:cNvPr id="16" name="Shape 16"/>
+        <p:cNvPr id="1" name="Shape 16"/>
         <p:cNvGrpSpPr/>
         <p:nvPr/>
       </p:nvGrpSpPr>
@@ -2269,7 +2933,9 @@
       <p:sp>
         <p:nvSpPr>
           <p:cNvPr id="17" name="Google Shape;17;p4"/>
-          <p:cNvSpPr txBox="1"/>
+          <p:cNvSpPr txBox="1">
+            <a:spLocks noGrp="1"/>
+          </p:cNvSpPr>
           <p:nvPr>
             <p:ph type="title"/>
           </p:nvPr>
@@ -2284,7 +2950,7 @@
           </a:prstGeom>
         </p:spPr>
         <p:txBody>
-          <a:bodyPr anchorCtr="0" anchor="t" bIns="91425" lIns="91425" spcFirstLastPara="1" rIns="91425" wrap="square" tIns="91425">
+          <a:bodyPr spcFirstLastPara="1" wrap="square" lIns="91425" tIns="91425" rIns="91425" bIns="91425" anchor="t" anchorCtr="0">
             <a:normAutofit/>
           </a:bodyPr>
           <a:lstStyle>
@@ -2388,15 +3054,19 @@
               <a:defRPr/>
             </a:lvl9pPr>
           </a:lstStyle>
-          <a:p/>
+          <a:p>
+            <a:endParaRPr/>
+          </a:p>
         </p:txBody>
       </p:sp>
       <p:sp>
         <p:nvSpPr>
           <p:cNvPr id="18" name="Google Shape;18;p4"/>
-          <p:cNvSpPr txBox="1"/>
+          <p:cNvSpPr txBox="1">
+            <a:spLocks noGrp="1"/>
+          </p:cNvSpPr>
           <p:nvPr>
-            <p:ph idx="1" type="body"/>
+            <p:ph type="body" idx="1"/>
           </p:nvPr>
         </p:nvSpPr>
         <p:spPr>
@@ -2409,11 +3079,11 @@
           </a:prstGeom>
         </p:spPr>
         <p:txBody>
-          <a:bodyPr anchorCtr="0" anchor="t" bIns="91425" lIns="91425" spcFirstLastPara="1" rIns="91425" wrap="square" tIns="91425">
+          <a:bodyPr spcFirstLastPara="1" wrap="square" lIns="91425" tIns="91425" rIns="91425" bIns="91425" anchor="t" anchorCtr="0">
             <a:normAutofit/>
           </a:bodyPr>
           <a:lstStyle>
-            <a:lvl1pPr indent="-342900" lvl="0" marL="457200">
+            <a:lvl1pPr marL="457200" lvl="0" indent="-342900">
               <a:spcBef>
                 <a:spcPts val="0"/>
               </a:spcBef>
@@ -2424,7 +3094,7 @@
               <a:buChar char="●"/>
               <a:defRPr/>
             </a:lvl1pPr>
-            <a:lvl2pPr indent="-317500" lvl="1" marL="914400">
+            <a:lvl2pPr marL="914400" lvl="1" indent="-317500">
               <a:spcBef>
                 <a:spcPts val="0"/>
               </a:spcBef>
@@ -2435,7 +3105,7 @@
               <a:buChar char="○"/>
               <a:defRPr/>
             </a:lvl2pPr>
-            <a:lvl3pPr indent="-317500" lvl="2" marL="1371600">
+            <a:lvl3pPr marL="1371600" lvl="2" indent="-317500">
               <a:spcBef>
                 <a:spcPts val="0"/>
               </a:spcBef>
@@ -2446,7 +3116,7 @@
               <a:buChar char="■"/>
               <a:defRPr/>
             </a:lvl3pPr>
-            <a:lvl4pPr indent="-317500" lvl="3" marL="1828800">
+            <a:lvl4pPr marL="1828800" lvl="3" indent="-317500">
               <a:spcBef>
                 <a:spcPts val="0"/>
               </a:spcBef>
@@ -2457,7 +3127,7 @@
               <a:buChar char="●"/>
               <a:defRPr/>
             </a:lvl4pPr>
-            <a:lvl5pPr indent="-317500" lvl="4" marL="2286000">
+            <a:lvl5pPr marL="2286000" lvl="4" indent="-317500">
               <a:spcBef>
                 <a:spcPts val="0"/>
               </a:spcBef>
@@ -2468,7 +3138,7 @@
               <a:buChar char="○"/>
               <a:defRPr/>
             </a:lvl5pPr>
-            <a:lvl6pPr indent="-317500" lvl="5" marL="2743200">
+            <a:lvl6pPr marL="2743200" lvl="5" indent="-317500">
               <a:spcBef>
                 <a:spcPts val="0"/>
               </a:spcBef>
@@ -2479,7 +3149,7 @@
               <a:buChar char="■"/>
               <a:defRPr/>
             </a:lvl6pPr>
-            <a:lvl7pPr indent="-317500" lvl="6" marL="3200400">
+            <a:lvl7pPr marL="3200400" lvl="6" indent="-317500">
               <a:spcBef>
                 <a:spcPts val="0"/>
               </a:spcBef>
@@ -2490,7 +3160,7 @@
               <a:buChar char="●"/>
               <a:defRPr/>
             </a:lvl7pPr>
-            <a:lvl8pPr indent="-317500" lvl="7" marL="3657600">
+            <a:lvl8pPr marL="3657600" lvl="7" indent="-317500">
               <a:spcBef>
                 <a:spcPts val="0"/>
               </a:spcBef>
@@ -2501,7 +3171,7 @@
               <a:buChar char="○"/>
               <a:defRPr/>
             </a:lvl8pPr>
-            <a:lvl9pPr indent="-317500" lvl="8" marL="4114800">
+            <a:lvl9pPr marL="4114800" lvl="8" indent="-317500">
               <a:spcBef>
                 <a:spcPts val="0"/>
               </a:spcBef>
@@ -2513,15 +3183,19 @@
               <a:defRPr/>
             </a:lvl9pPr>
           </a:lstStyle>
-          <a:p/>
+          <a:p>
+            <a:endParaRPr/>
+          </a:p>
         </p:txBody>
       </p:sp>
       <p:sp>
         <p:nvSpPr>
           <p:cNvPr id="19" name="Google Shape;19;p4"/>
-          <p:cNvSpPr txBox="1"/>
+          <p:cNvSpPr txBox="1">
+            <a:spLocks noGrp="1"/>
+          </p:cNvSpPr>
           <p:nvPr>
-            <p:ph idx="12" type="sldNum"/>
+            <p:ph type="sldNum" idx="12"/>
           </p:nvPr>
         </p:nvSpPr>
         <p:spPr>
@@ -2534,7 +3208,7 @@
           </a:prstGeom>
         </p:spPr>
         <p:txBody>
-          <a:bodyPr anchorCtr="0" anchor="ctr" bIns="91425" lIns="91425" spcFirstLastPara="1" rIns="91425" wrap="square" tIns="91425">
+          <a:bodyPr spcFirstLastPara="1" wrap="square" lIns="91425" tIns="91425" rIns="91425" bIns="91425" anchor="ctr" anchorCtr="0">
             <a:normAutofit/>
           </a:bodyPr>
           <a:lstStyle>
@@ -2576,7 +3250,7 @@
             </a:lvl9pPr>
           </a:lstStyle>
           <a:p>
-            <a:pPr indent="0" lvl="0" marL="0" rtl="0" algn="r">
+            <a:pPr marL="0" lvl="0" indent="0" algn="r" rtl="0">
               <a:spcBef>
                 <a:spcPts val="0"/>
               </a:spcBef>
@@ -2602,11 +3276,11 @@
 </file>
 
 <file path=ppt/slideLayouts/slideLayout4.xml><?xml version="1.0" encoding="utf-8"?>
-<p:sldLayout xmlns:a="http://schemas.openxmlformats.org/drawingml/2006/main" xmlns:r="http://schemas.openxmlformats.org/officeDocument/2006/relationships" xmlns:mc="http://schemas.openxmlformats.org/markup-compatibility/2006" xmlns:mv="urn:schemas-microsoft-com:mac:vml" xmlns:p="http://schemas.openxmlformats.org/presentationml/2006/main" xmlns:c="http://schemas.openxmlformats.org/drawingml/2006/chart" xmlns:dgm="http://schemas.openxmlformats.org/drawingml/2006/diagram" xmlns:o="urn:schemas-microsoft-com:office:office" xmlns:v="urn:schemas-microsoft-com:vml" xmlns:pvml="urn:schemas-microsoft-com:office:powerpoint" xmlns:com="http://schemas.openxmlformats.org/drawingml/2006/compatibility" xmlns:p14="http://schemas.microsoft.com/office/powerpoint/2010/main" xmlns:p15="http://schemas.microsoft.com/office/powerpoint/2012/main" xmlns:ahyp="http://schemas.microsoft.com/office/drawing/2018/hyperlinkcolor" matchingName="Title and two columns" type="twoColTx">
+<p:sldLayout xmlns:a="http://schemas.openxmlformats.org/drawingml/2006/main" xmlns:r="http://schemas.openxmlformats.org/officeDocument/2006/relationships" xmlns:p="http://schemas.openxmlformats.org/presentationml/2006/main" matchingName="Title and two columns" type="twoColTx">
   <p:cSld name="TITLE_AND_TWO_COLUMNS">
     <p:spTree>
       <p:nvGrpSpPr>
-        <p:cNvPr id="20" name="Shape 20"/>
+        <p:cNvPr id="1" name="Shape 20"/>
         <p:cNvGrpSpPr/>
         <p:nvPr/>
       </p:nvGrpSpPr>
@@ -2621,7 +3295,9 @@
       <p:sp>
         <p:nvSpPr>
           <p:cNvPr id="21" name="Google Shape;21;p5"/>
-          <p:cNvSpPr txBox="1"/>
+          <p:cNvSpPr txBox="1">
+            <a:spLocks noGrp="1"/>
+          </p:cNvSpPr>
           <p:nvPr>
             <p:ph type="title"/>
           </p:nvPr>
@@ -2636,7 +3312,7 @@
           </a:prstGeom>
         </p:spPr>
         <p:txBody>
-          <a:bodyPr anchorCtr="0" anchor="t" bIns="91425" lIns="91425" spcFirstLastPara="1" rIns="91425" wrap="square" tIns="91425">
+          <a:bodyPr spcFirstLastPara="1" wrap="square" lIns="91425" tIns="91425" rIns="91425" bIns="91425" anchor="t" anchorCtr="0">
             <a:normAutofit/>
           </a:bodyPr>
           <a:lstStyle>
@@ -2740,15 +3416,19 @@
               <a:defRPr/>
             </a:lvl9pPr>
           </a:lstStyle>
-          <a:p/>
+          <a:p>
+            <a:endParaRPr/>
+          </a:p>
         </p:txBody>
       </p:sp>
       <p:sp>
         <p:nvSpPr>
           <p:cNvPr id="22" name="Google Shape;22;p5"/>
-          <p:cNvSpPr txBox="1"/>
+          <p:cNvSpPr txBox="1">
+            <a:spLocks noGrp="1"/>
+          </p:cNvSpPr>
           <p:nvPr>
-            <p:ph idx="1" type="body"/>
+            <p:ph type="body" idx="1"/>
           </p:nvPr>
         </p:nvSpPr>
         <p:spPr>
@@ -2761,11 +3441,11 @@
           </a:prstGeom>
         </p:spPr>
         <p:txBody>
-          <a:bodyPr anchorCtr="0" anchor="t" bIns="91425" lIns="91425" spcFirstLastPara="1" rIns="91425" wrap="square" tIns="91425">
+          <a:bodyPr spcFirstLastPara="1" wrap="square" lIns="91425" tIns="91425" rIns="91425" bIns="91425" anchor="t" anchorCtr="0">
             <a:normAutofit/>
           </a:bodyPr>
           <a:lstStyle>
-            <a:lvl1pPr indent="-317500" lvl="0" marL="457200">
+            <a:lvl1pPr marL="457200" lvl="0" indent="-317500">
               <a:spcBef>
                 <a:spcPts val="0"/>
               </a:spcBef>
@@ -2776,7 +3456,7 @@
               <a:buChar char="●"/>
               <a:defRPr sz="1400"/>
             </a:lvl1pPr>
-            <a:lvl2pPr indent="-304800" lvl="1" marL="914400">
+            <a:lvl2pPr marL="914400" lvl="1" indent="-304800">
               <a:spcBef>
                 <a:spcPts val="0"/>
               </a:spcBef>
@@ -2787,7 +3467,7 @@
               <a:buChar char="○"/>
               <a:defRPr sz="1200"/>
             </a:lvl2pPr>
-            <a:lvl3pPr indent="-304800" lvl="2" marL="1371600">
+            <a:lvl3pPr marL="1371600" lvl="2" indent="-304800">
               <a:spcBef>
                 <a:spcPts val="0"/>
               </a:spcBef>
@@ -2798,7 +3478,7 @@
               <a:buChar char="■"/>
               <a:defRPr sz="1200"/>
             </a:lvl3pPr>
-            <a:lvl4pPr indent="-304800" lvl="3" marL="1828800">
+            <a:lvl4pPr marL="1828800" lvl="3" indent="-304800">
               <a:spcBef>
                 <a:spcPts val="0"/>
               </a:spcBef>
@@ -2809,7 +3489,7 @@
               <a:buChar char="●"/>
               <a:defRPr sz="1200"/>
             </a:lvl4pPr>
-            <a:lvl5pPr indent="-304800" lvl="4" marL="2286000">
+            <a:lvl5pPr marL="2286000" lvl="4" indent="-304800">
               <a:spcBef>
                 <a:spcPts val="0"/>
               </a:spcBef>
@@ -2820,7 +3500,7 @@
               <a:buChar char="○"/>
               <a:defRPr sz="1200"/>
             </a:lvl5pPr>
-            <a:lvl6pPr indent="-304800" lvl="5" marL="2743200">
+            <a:lvl6pPr marL="2743200" lvl="5" indent="-304800">
               <a:spcBef>
                 <a:spcPts val="0"/>
               </a:spcBef>
@@ -2831,7 +3511,7 @@
               <a:buChar char="■"/>
               <a:defRPr sz="1200"/>
             </a:lvl6pPr>
-            <a:lvl7pPr indent="-304800" lvl="6" marL="3200400">
+            <a:lvl7pPr marL="3200400" lvl="6" indent="-304800">
               <a:spcBef>
                 <a:spcPts val="0"/>
               </a:spcBef>
@@ -2842,7 +3522,7 @@
               <a:buChar char="●"/>
               <a:defRPr sz="1200"/>
             </a:lvl7pPr>
-            <a:lvl8pPr indent="-304800" lvl="7" marL="3657600">
+            <a:lvl8pPr marL="3657600" lvl="7" indent="-304800">
               <a:spcBef>
                 <a:spcPts val="0"/>
               </a:spcBef>
@@ -2853,7 +3533,7 @@
               <a:buChar char="○"/>
               <a:defRPr sz="1200"/>
             </a:lvl8pPr>
-            <a:lvl9pPr indent="-304800" lvl="8" marL="4114800">
+            <a:lvl9pPr marL="4114800" lvl="8" indent="-304800">
               <a:spcBef>
                 <a:spcPts val="0"/>
               </a:spcBef>
@@ -2865,15 +3545,19 @@
               <a:defRPr sz="1200"/>
             </a:lvl9pPr>
           </a:lstStyle>
-          <a:p/>
+          <a:p>
+            <a:endParaRPr/>
+          </a:p>
         </p:txBody>
       </p:sp>
       <p:sp>
         <p:nvSpPr>
           <p:cNvPr id="23" name="Google Shape;23;p5"/>
-          <p:cNvSpPr txBox="1"/>
+          <p:cNvSpPr txBox="1">
+            <a:spLocks noGrp="1"/>
+          </p:cNvSpPr>
           <p:nvPr>
-            <p:ph idx="2" type="body"/>
+            <p:ph type="body" idx="2"/>
           </p:nvPr>
         </p:nvSpPr>
         <p:spPr>
@@ -2886,11 +3570,11 @@
           </a:prstGeom>
         </p:spPr>
         <p:txBody>
-          <a:bodyPr anchorCtr="0" anchor="t" bIns="91425" lIns="91425" spcFirstLastPara="1" rIns="91425" wrap="square" tIns="91425">
+          <a:bodyPr spcFirstLastPara="1" wrap="square" lIns="91425" tIns="91425" rIns="91425" bIns="91425" anchor="t" anchorCtr="0">
             <a:normAutofit/>
           </a:bodyPr>
           <a:lstStyle>
-            <a:lvl1pPr indent="-317500" lvl="0" marL="457200">
+            <a:lvl1pPr marL="457200" lvl="0" indent="-317500">
               <a:spcBef>
                 <a:spcPts val="0"/>
               </a:spcBef>
@@ -2901,7 +3585,7 @@
               <a:buChar char="●"/>
               <a:defRPr sz="1400"/>
             </a:lvl1pPr>
-            <a:lvl2pPr indent="-304800" lvl="1" marL="914400">
+            <a:lvl2pPr marL="914400" lvl="1" indent="-304800">
               <a:spcBef>
                 <a:spcPts val="0"/>
               </a:spcBef>
@@ -2912,7 +3596,7 @@
               <a:buChar char="○"/>
               <a:defRPr sz="1200"/>
             </a:lvl2pPr>
-            <a:lvl3pPr indent="-304800" lvl="2" marL="1371600">
+            <a:lvl3pPr marL="1371600" lvl="2" indent="-304800">
               <a:spcBef>
                 <a:spcPts val="0"/>
               </a:spcBef>
@@ -2923,7 +3607,7 @@
               <a:buChar char="■"/>
               <a:defRPr sz="1200"/>
             </a:lvl3pPr>
-            <a:lvl4pPr indent="-304800" lvl="3" marL="1828800">
+            <a:lvl4pPr marL="1828800" lvl="3" indent="-304800">
               <a:spcBef>
                 <a:spcPts val="0"/>
               </a:spcBef>
@@ -2934,7 +3618,7 @@
               <a:buChar char="●"/>
               <a:defRPr sz="1200"/>
             </a:lvl4pPr>
-            <a:lvl5pPr indent="-304800" lvl="4" marL="2286000">
+            <a:lvl5pPr marL="2286000" lvl="4" indent="-304800">
               <a:spcBef>
                 <a:spcPts val="0"/>
               </a:spcBef>
@@ -2945,7 +3629,7 @@
               <a:buChar char="○"/>
               <a:defRPr sz="1200"/>
             </a:lvl5pPr>
-            <a:lvl6pPr indent="-304800" lvl="5" marL="2743200">
+            <a:lvl6pPr marL="2743200" lvl="5" indent="-304800">
               <a:spcBef>
                 <a:spcPts val="0"/>
               </a:spcBef>
@@ -2956,7 +3640,7 @@
               <a:buChar char="■"/>
               <a:defRPr sz="1200"/>
             </a:lvl6pPr>
-            <a:lvl7pPr indent="-304800" lvl="6" marL="3200400">
+            <a:lvl7pPr marL="3200400" lvl="6" indent="-304800">
               <a:spcBef>
                 <a:spcPts val="0"/>
               </a:spcBef>
@@ -2967,7 +3651,7 @@
               <a:buChar char="●"/>
               <a:defRPr sz="1200"/>
             </a:lvl7pPr>
-            <a:lvl8pPr indent="-304800" lvl="7" marL="3657600">
+            <a:lvl8pPr marL="3657600" lvl="7" indent="-304800">
               <a:spcBef>
                 <a:spcPts val="0"/>
               </a:spcBef>
@@ -2978,7 +3662,7 @@
               <a:buChar char="○"/>
               <a:defRPr sz="1200"/>
             </a:lvl8pPr>
-            <a:lvl9pPr indent="-304800" lvl="8" marL="4114800">
+            <a:lvl9pPr marL="4114800" lvl="8" indent="-304800">
               <a:spcBef>
                 <a:spcPts val="0"/>
               </a:spcBef>
@@ -2990,15 +3674,19 @@
               <a:defRPr sz="1200"/>
             </a:lvl9pPr>
           </a:lstStyle>
-          <a:p/>
+          <a:p>
+            <a:endParaRPr/>
+          </a:p>
         </p:txBody>
       </p:sp>
       <p:sp>
         <p:nvSpPr>
           <p:cNvPr id="24" name="Google Shape;24;p5"/>
-          <p:cNvSpPr txBox="1"/>
+          <p:cNvSpPr txBox="1">
+            <a:spLocks noGrp="1"/>
+          </p:cNvSpPr>
           <p:nvPr>
-            <p:ph idx="12" type="sldNum"/>
+            <p:ph type="sldNum" idx="12"/>
           </p:nvPr>
         </p:nvSpPr>
         <p:spPr>
@@ -3011,7 +3699,7 @@
           </a:prstGeom>
         </p:spPr>
         <p:txBody>
-          <a:bodyPr anchorCtr="0" anchor="ctr" bIns="91425" lIns="91425" spcFirstLastPara="1" rIns="91425" wrap="square" tIns="91425">
+          <a:bodyPr spcFirstLastPara="1" wrap="square" lIns="91425" tIns="91425" rIns="91425" bIns="91425" anchor="ctr" anchorCtr="0">
             <a:normAutofit/>
           </a:bodyPr>
           <a:lstStyle>
@@ -3053,7 +3741,7 @@
             </a:lvl9pPr>
           </a:lstStyle>
           <a:p>
-            <a:pPr indent="0" lvl="0" marL="0" rtl="0" algn="r">
+            <a:pPr marL="0" lvl="0" indent="0" algn="r" rtl="0">
               <a:spcBef>
                 <a:spcPts val="0"/>
               </a:spcBef>
@@ -3079,11 +3767,11 @@
 </file>
 
 <file path=ppt/slideLayouts/slideLayout5.xml><?xml version="1.0" encoding="utf-8"?>
-<p:sldLayout xmlns:a="http://schemas.openxmlformats.org/drawingml/2006/main" xmlns:r="http://schemas.openxmlformats.org/officeDocument/2006/relationships" xmlns:mc="http://schemas.openxmlformats.org/markup-compatibility/2006" xmlns:mv="urn:schemas-microsoft-com:mac:vml" xmlns:p="http://schemas.openxmlformats.org/presentationml/2006/main" xmlns:c="http://schemas.openxmlformats.org/drawingml/2006/chart" xmlns:dgm="http://schemas.openxmlformats.org/drawingml/2006/diagram" xmlns:o="urn:schemas-microsoft-com:office:office" xmlns:v="urn:schemas-microsoft-com:vml" xmlns:pvml="urn:schemas-microsoft-com:office:powerpoint" xmlns:com="http://schemas.openxmlformats.org/drawingml/2006/compatibility" xmlns:p14="http://schemas.microsoft.com/office/powerpoint/2010/main" xmlns:p15="http://schemas.microsoft.com/office/powerpoint/2012/main" xmlns:ahyp="http://schemas.microsoft.com/office/drawing/2018/hyperlinkcolor" matchingName="Title only" type="titleOnly">
+<p:sldLayout xmlns:a="http://schemas.openxmlformats.org/drawingml/2006/main" xmlns:r="http://schemas.openxmlformats.org/officeDocument/2006/relationships" xmlns:p="http://schemas.openxmlformats.org/presentationml/2006/main" matchingName="Title only" type="titleOnly">
   <p:cSld name="TITLE_ONLY">
     <p:spTree>
       <p:nvGrpSpPr>
-        <p:cNvPr id="25" name="Shape 25"/>
+        <p:cNvPr id="1" name="Shape 25"/>
         <p:cNvGrpSpPr/>
         <p:nvPr/>
       </p:nvGrpSpPr>
@@ -3098,7 +3786,9 @@
       <p:sp>
         <p:nvSpPr>
           <p:cNvPr id="26" name="Google Shape;26;p6"/>
-          <p:cNvSpPr txBox="1"/>
+          <p:cNvSpPr txBox="1">
+            <a:spLocks noGrp="1"/>
+          </p:cNvSpPr>
           <p:nvPr>
             <p:ph type="title"/>
           </p:nvPr>
@@ -3113,7 +3803,7 @@
           </a:prstGeom>
         </p:spPr>
         <p:txBody>
-          <a:bodyPr anchorCtr="0" anchor="t" bIns="91425" lIns="91425" spcFirstLastPara="1" rIns="91425" wrap="square" tIns="91425">
+          <a:bodyPr spcFirstLastPara="1" wrap="square" lIns="91425" tIns="91425" rIns="91425" bIns="91425" anchor="t" anchorCtr="0">
             <a:normAutofit/>
           </a:bodyPr>
           <a:lstStyle>
@@ -3217,15 +3907,19 @@
               <a:defRPr/>
             </a:lvl9pPr>
           </a:lstStyle>
-          <a:p/>
+          <a:p>
+            <a:endParaRPr/>
+          </a:p>
         </p:txBody>
       </p:sp>
       <p:sp>
         <p:nvSpPr>
           <p:cNvPr id="27" name="Google Shape;27;p6"/>
-          <p:cNvSpPr txBox="1"/>
+          <p:cNvSpPr txBox="1">
+            <a:spLocks noGrp="1"/>
+          </p:cNvSpPr>
           <p:nvPr>
-            <p:ph idx="12" type="sldNum"/>
+            <p:ph type="sldNum" idx="12"/>
           </p:nvPr>
         </p:nvSpPr>
         <p:spPr>
@@ -3238,7 +3932,7 @@
           </a:prstGeom>
         </p:spPr>
         <p:txBody>
-          <a:bodyPr anchorCtr="0" anchor="ctr" bIns="91425" lIns="91425" spcFirstLastPara="1" rIns="91425" wrap="square" tIns="91425">
+          <a:bodyPr spcFirstLastPara="1" wrap="square" lIns="91425" tIns="91425" rIns="91425" bIns="91425" anchor="ctr" anchorCtr="0">
             <a:normAutofit/>
           </a:bodyPr>
           <a:lstStyle>
@@ -3280,7 +3974,7 @@
             </a:lvl9pPr>
           </a:lstStyle>
           <a:p>
-            <a:pPr indent="0" lvl="0" marL="0" rtl="0" algn="r">
+            <a:pPr marL="0" lvl="0" indent="0" algn="r" rtl="0">
               <a:spcBef>
                 <a:spcPts val="0"/>
               </a:spcBef>
@@ -3306,11 +4000,11 @@
 </file>
 
 <file path=ppt/slideLayouts/slideLayout6.xml><?xml version="1.0" encoding="utf-8"?>
-<p:sldLayout xmlns:a="http://schemas.openxmlformats.org/drawingml/2006/main" xmlns:r="http://schemas.openxmlformats.org/officeDocument/2006/relationships" xmlns:mc="http://schemas.openxmlformats.org/markup-compatibility/2006" xmlns:mv="urn:schemas-microsoft-com:mac:vml" xmlns:p="http://schemas.openxmlformats.org/presentationml/2006/main" xmlns:c="http://schemas.openxmlformats.org/drawingml/2006/chart" xmlns:dgm="http://schemas.openxmlformats.org/drawingml/2006/diagram" xmlns:o="urn:schemas-microsoft-com:office:office" xmlns:v="urn:schemas-microsoft-com:vml" xmlns:pvml="urn:schemas-microsoft-com:office:powerpoint" xmlns:com="http://schemas.openxmlformats.org/drawingml/2006/compatibility" xmlns:p14="http://schemas.microsoft.com/office/powerpoint/2010/main" xmlns:p15="http://schemas.microsoft.com/office/powerpoint/2012/main" xmlns:ahyp="http://schemas.microsoft.com/office/drawing/2018/hyperlinkcolor" matchingName="One column text">
+<p:sldLayout xmlns:a="http://schemas.openxmlformats.org/drawingml/2006/main" xmlns:r="http://schemas.openxmlformats.org/officeDocument/2006/relationships" xmlns:p="http://schemas.openxmlformats.org/presentationml/2006/main" matchingName="One column text">
   <p:cSld name="ONE_COLUMN_TEXT">
     <p:spTree>
       <p:nvGrpSpPr>
-        <p:cNvPr id="28" name="Shape 28"/>
+        <p:cNvPr id="1" name="Shape 28"/>
         <p:cNvGrpSpPr/>
         <p:nvPr/>
       </p:nvGrpSpPr>
@@ -3325,7 +4019,9 @@
       <p:sp>
         <p:nvSpPr>
           <p:cNvPr id="29" name="Google Shape;29;p7"/>
-          <p:cNvSpPr txBox="1"/>
+          <p:cNvSpPr txBox="1">
+            <a:spLocks noGrp="1"/>
+          </p:cNvSpPr>
           <p:nvPr>
             <p:ph type="title"/>
           </p:nvPr>
@@ -3340,7 +4036,7 @@
           </a:prstGeom>
         </p:spPr>
         <p:txBody>
-          <a:bodyPr anchorCtr="0" anchor="b" bIns="91425" lIns="91425" spcFirstLastPara="1" rIns="91425" wrap="square" tIns="91425">
+          <a:bodyPr spcFirstLastPara="1" wrap="square" lIns="91425" tIns="91425" rIns="91425" bIns="91425" anchor="b" anchorCtr="0">
             <a:normAutofit/>
           </a:bodyPr>
           <a:lstStyle>
@@ -3444,15 +4140,19 @@
               <a:defRPr sz="2400"/>
             </a:lvl9pPr>
           </a:lstStyle>
-          <a:p/>
+          <a:p>
+            <a:endParaRPr/>
+          </a:p>
         </p:txBody>
       </p:sp>
       <p:sp>
         <p:nvSpPr>
           <p:cNvPr id="30" name="Google Shape;30;p7"/>
-          <p:cNvSpPr txBox="1"/>
+          <p:cNvSpPr txBox="1">
+            <a:spLocks noGrp="1"/>
+          </p:cNvSpPr>
           <p:nvPr>
-            <p:ph idx="1" type="body"/>
+            <p:ph type="body" idx="1"/>
           </p:nvPr>
         </p:nvSpPr>
         <p:spPr>
@@ -3465,11 +4165,11 @@
           </a:prstGeom>
         </p:spPr>
         <p:txBody>
-          <a:bodyPr anchorCtr="0" anchor="t" bIns="91425" lIns="91425" spcFirstLastPara="1" rIns="91425" wrap="square" tIns="91425">
+          <a:bodyPr spcFirstLastPara="1" wrap="square" lIns="91425" tIns="91425" rIns="91425" bIns="91425" anchor="t" anchorCtr="0">
             <a:normAutofit/>
           </a:bodyPr>
           <a:lstStyle>
-            <a:lvl1pPr indent="-304800" lvl="0" marL="457200">
+            <a:lvl1pPr marL="457200" lvl="0" indent="-304800">
               <a:spcBef>
                 <a:spcPts val="0"/>
               </a:spcBef>
@@ -3480,7 +4180,7 @@
               <a:buChar char="●"/>
               <a:defRPr sz="1200"/>
             </a:lvl1pPr>
-            <a:lvl2pPr indent="-304800" lvl="1" marL="914400">
+            <a:lvl2pPr marL="914400" lvl="1" indent="-304800">
               <a:spcBef>
                 <a:spcPts val="0"/>
               </a:spcBef>
@@ -3491,7 +4191,7 @@
               <a:buChar char="○"/>
               <a:defRPr sz="1200"/>
             </a:lvl2pPr>
-            <a:lvl3pPr indent="-304800" lvl="2" marL="1371600">
+            <a:lvl3pPr marL="1371600" lvl="2" indent="-304800">
               <a:spcBef>
                 <a:spcPts val="0"/>
               </a:spcBef>
@@ -3502,7 +4202,7 @@
               <a:buChar char="■"/>
               <a:defRPr sz="1200"/>
             </a:lvl3pPr>
-            <a:lvl4pPr indent="-304800" lvl="3" marL="1828800">
+            <a:lvl4pPr marL="1828800" lvl="3" indent="-304800">
               <a:spcBef>
                 <a:spcPts val="0"/>
               </a:spcBef>
@@ -3513,7 +4213,7 @@
               <a:buChar char="●"/>
               <a:defRPr sz="1200"/>
             </a:lvl4pPr>
-            <a:lvl5pPr indent="-304800" lvl="4" marL="2286000">
+            <a:lvl5pPr marL="2286000" lvl="4" indent="-304800">
               <a:spcBef>
                 <a:spcPts val="0"/>
               </a:spcBef>
@@ -3524,7 +4224,7 @@
               <a:buChar char="○"/>
               <a:defRPr sz="1200"/>
             </a:lvl5pPr>
-            <a:lvl6pPr indent="-304800" lvl="5" marL="2743200">
+            <a:lvl6pPr marL="2743200" lvl="5" indent="-304800">
               <a:spcBef>
                 <a:spcPts val="0"/>
               </a:spcBef>
@@ -3535,7 +4235,7 @@
               <a:buChar char="■"/>
               <a:defRPr sz="1200"/>
             </a:lvl6pPr>
-            <a:lvl7pPr indent="-304800" lvl="6" marL="3200400">
+            <a:lvl7pPr marL="3200400" lvl="6" indent="-304800">
               <a:spcBef>
                 <a:spcPts val="0"/>
               </a:spcBef>
@@ -3546,7 +4246,7 @@
               <a:buChar char="●"/>
               <a:defRPr sz="1200"/>
             </a:lvl7pPr>
-            <a:lvl8pPr indent="-304800" lvl="7" marL="3657600">
+            <a:lvl8pPr marL="3657600" lvl="7" indent="-304800">
               <a:spcBef>
                 <a:spcPts val="0"/>
               </a:spcBef>
@@ -3557,7 +4257,7 @@
               <a:buChar char="○"/>
               <a:defRPr sz="1200"/>
             </a:lvl8pPr>
-            <a:lvl9pPr indent="-304800" lvl="8" marL="4114800">
+            <a:lvl9pPr marL="4114800" lvl="8" indent="-304800">
               <a:spcBef>
                 <a:spcPts val="0"/>
               </a:spcBef>
@@ -3569,15 +4269,19 @@
               <a:defRPr sz="1200"/>
             </a:lvl9pPr>
           </a:lstStyle>
-          <a:p/>
+          <a:p>
+            <a:endParaRPr/>
+          </a:p>
         </p:txBody>
       </p:sp>
       <p:sp>
         <p:nvSpPr>
           <p:cNvPr id="31" name="Google Shape;31;p7"/>
-          <p:cNvSpPr txBox="1"/>
+          <p:cNvSpPr txBox="1">
+            <a:spLocks noGrp="1"/>
+          </p:cNvSpPr>
           <p:nvPr>
-            <p:ph idx="12" type="sldNum"/>
+            <p:ph type="sldNum" idx="12"/>
           </p:nvPr>
         </p:nvSpPr>
         <p:spPr>
@@ -3590,7 +4294,7 @@
           </a:prstGeom>
         </p:spPr>
         <p:txBody>
-          <a:bodyPr anchorCtr="0" anchor="ctr" bIns="91425" lIns="91425" spcFirstLastPara="1" rIns="91425" wrap="square" tIns="91425">
+          <a:bodyPr spcFirstLastPara="1" wrap="square" lIns="91425" tIns="91425" rIns="91425" bIns="91425" anchor="ctr" anchorCtr="0">
             <a:normAutofit/>
           </a:bodyPr>
           <a:lstStyle>
@@ -3632,7 +4336,7 @@
             </a:lvl9pPr>
           </a:lstStyle>
           <a:p>
-            <a:pPr indent="0" lvl="0" marL="0" rtl="0" algn="r">
+            <a:pPr marL="0" lvl="0" indent="0" algn="r" rtl="0">
               <a:spcBef>
                 <a:spcPts val="0"/>
               </a:spcBef>
@@ -3658,11 +4362,11 @@
 </file>
 
 <file path=ppt/slideLayouts/slideLayout7.xml><?xml version="1.0" encoding="utf-8"?>
-<p:sldLayout xmlns:a="http://schemas.openxmlformats.org/drawingml/2006/main" xmlns:r="http://schemas.openxmlformats.org/officeDocument/2006/relationships" xmlns:mc="http://schemas.openxmlformats.org/markup-compatibility/2006" xmlns:mv="urn:schemas-microsoft-com:mac:vml" xmlns:p="http://schemas.openxmlformats.org/presentationml/2006/main" xmlns:c="http://schemas.openxmlformats.org/drawingml/2006/chart" xmlns:dgm="http://schemas.openxmlformats.org/drawingml/2006/diagram" xmlns:o="urn:schemas-microsoft-com:office:office" xmlns:v="urn:schemas-microsoft-com:vml" xmlns:pvml="urn:schemas-microsoft-com:office:powerpoint" xmlns:com="http://schemas.openxmlformats.org/drawingml/2006/compatibility" xmlns:p14="http://schemas.microsoft.com/office/powerpoint/2010/main" xmlns:p15="http://schemas.microsoft.com/office/powerpoint/2012/main" xmlns:ahyp="http://schemas.microsoft.com/office/drawing/2018/hyperlinkcolor" matchingName="Main point">
+<p:sldLayout xmlns:a="http://schemas.openxmlformats.org/drawingml/2006/main" xmlns:r="http://schemas.openxmlformats.org/officeDocument/2006/relationships" xmlns:p="http://schemas.openxmlformats.org/presentationml/2006/main" matchingName="Main point">
   <p:cSld name="MAIN_POINT">
     <p:spTree>
       <p:nvGrpSpPr>
-        <p:cNvPr id="32" name="Shape 32"/>
+        <p:cNvPr id="1" name="Shape 32"/>
         <p:cNvGrpSpPr/>
         <p:nvPr/>
       </p:nvGrpSpPr>
@@ -3677,7 +4381,9 @@
       <p:sp>
         <p:nvSpPr>
           <p:cNvPr id="33" name="Google Shape;33;p8"/>
-          <p:cNvSpPr txBox="1"/>
+          <p:cNvSpPr txBox="1">
+            <a:spLocks noGrp="1"/>
+          </p:cNvSpPr>
           <p:nvPr>
             <p:ph type="title"/>
           </p:nvPr>
@@ -3692,7 +4398,7 @@
           </a:prstGeom>
         </p:spPr>
         <p:txBody>
-          <a:bodyPr anchorCtr="0" anchor="ctr" bIns="91425" lIns="91425" spcFirstLastPara="1" rIns="91425" wrap="square" tIns="91425">
+          <a:bodyPr spcFirstLastPara="1" wrap="square" lIns="91425" tIns="91425" rIns="91425" bIns="91425" anchor="ctr" anchorCtr="0">
             <a:normAutofit/>
           </a:bodyPr>
           <a:lstStyle>
@@ -3796,15 +4502,19 @@
               <a:defRPr sz="4800"/>
             </a:lvl9pPr>
           </a:lstStyle>
-          <a:p/>
+          <a:p>
+            <a:endParaRPr/>
+          </a:p>
         </p:txBody>
       </p:sp>
       <p:sp>
         <p:nvSpPr>
           <p:cNvPr id="34" name="Google Shape;34;p8"/>
-          <p:cNvSpPr txBox="1"/>
+          <p:cNvSpPr txBox="1">
+            <a:spLocks noGrp="1"/>
+          </p:cNvSpPr>
           <p:nvPr>
-            <p:ph idx="12" type="sldNum"/>
+            <p:ph type="sldNum" idx="12"/>
           </p:nvPr>
         </p:nvSpPr>
         <p:spPr>
@@ -3817,7 +4527,7 @@
           </a:prstGeom>
         </p:spPr>
         <p:txBody>
-          <a:bodyPr anchorCtr="0" anchor="ctr" bIns="91425" lIns="91425" spcFirstLastPara="1" rIns="91425" wrap="square" tIns="91425">
+          <a:bodyPr spcFirstLastPara="1" wrap="square" lIns="91425" tIns="91425" rIns="91425" bIns="91425" anchor="ctr" anchorCtr="0">
             <a:normAutofit/>
           </a:bodyPr>
           <a:lstStyle>
@@ -3859,7 +4569,7 @@
             </a:lvl9pPr>
           </a:lstStyle>
           <a:p>
-            <a:pPr indent="0" lvl="0" marL="0" rtl="0" algn="r">
+            <a:pPr marL="0" lvl="0" indent="0" algn="r" rtl="0">
               <a:spcBef>
                 <a:spcPts val="0"/>
               </a:spcBef>
@@ -3885,11 +4595,11 @@
 </file>
 
 <file path=ppt/slideLayouts/slideLayout8.xml><?xml version="1.0" encoding="utf-8"?>
-<p:sldLayout xmlns:a="http://schemas.openxmlformats.org/drawingml/2006/main" xmlns:r="http://schemas.openxmlformats.org/officeDocument/2006/relationships" xmlns:mc="http://schemas.openxmlformats.org/markup-compatibility/2006" xmlns:mv="urn:schemas-microsoft-com:mac:vml" xmlns:p="http://schemas.openxmlformats.org/presentationml/2006/main" xmlns:c="http://schemas.openxmlformats.org/drawingml/2006/chart" xmlns:dgm="http://schemas.openxmlformats.org/drawingml/2006/diagram" xmlns:o="urn:schemas-microsoft-com:office:office" xmlns:v="urn:schemas-microsoft-com:vml" xmlns:pvml="urn:schemas-microsoft-com:office:powerpoint" xmlns:com="http://schemas.openxmlformats.org/drawingml/2006/compatibility" xmlns:p14="http://schemas.microsoft.com/office/powerpoint/2010/main" xmlns:p15="http://schemas.microsoft.com/office/powerpoint/2012/main" xmlns:ahyp="http://schemas.microsoft.com/office/drawing/2018/hyperlinkcolor" matchingName="Section title and description">
+<p:sldLayout xmlns:a="http://schemas.openxmlformats.org/drawingml/2006/main" xmlns:r="http://schemas.openxmlformats.org/officeDocument/2006/relationships" xmlns:p="http://schemas.openxmlformats.org/presentationml/2006/main" matchingName="Section title and description">
   <p:cSld name="SECTION_TITLE_AND_DESCRIPTION">
     <p:spTree>
       <p:nvGrpSpPr>
-        <p:cNvPr id="35" name="Shape 35"/>
+        <p:cNvPr id="1" name="Shape 35"/>
         <p:cNvGrpSpPr/>
         <p:nvPr/>
       </p:nvGrpSpPr>
@@ -3923,12 +4633,12 @@
           </a:ln>
         </p:spPr>
         <p:txBody>
-          <a:bodyPr anchorCtr="0" anchor="ctr" bIns="91425" lIns="91425" spcFirstLastPara="1" rIns="91425" wrap="square" tIns="91425">
+          <a:bodyPr spcFirstLastPara="1" wrap="square" lIns="91425" tIns="91425" rIns="91425" bIns="91425" anchor="ctr" anchorCtr="0">
             <a:noAutofit/>
           </a:bodyPr>
           <a:lstStyle/>
           <a:p>
-            <a:pPr indent="0" lvl="0" marL="0" rtl="0" algn="l">
+            <a:pPr marL="0" lvl="0" indent="0" algn="l" rtl="0">
               <a:spcBef>
                 <a:spcPts val="0"/>
               </a:spcBef>
@@ -3937,9 +4647,6 @@
               </a:spcAft>
               <a:buNone/>
             </a:pPr>
-            <a:r>
-              <a:t/>
-            </a:r>
             <a:endParaRPr/>
           </a:p>
         </p:txBody>
@@ -3947,7 +4654,9 @@
       <p:sp>
         <p:nvSpPr>
           <p:cNvPr id="37" name="Google Shape;37;p9"/>
-          <p:cNvSpPr txBox="1"/>
+          <p:cNvSpPr txBox="1">
+            <a:spLocks noGrp="1"/>
+          </p:cNvSpPr>
           <p:nvPr>
             <p:ph type="title"/>
           </p:nvPr>
@@ -3962,7 +4671,7 @@
           </a:prstGeom>
         </p:spPr>
         <p:txBody>
-          <a:bodyPr anchorCtr="0" anchor="b" bIns="91425" lIns="91425" spcFirstLastPara="1" rIns="91425" wrap="square" tIns="91425">
+          <a:bodyPr spcFirstLastPara="1" wrap="square" lIns="91425" tIns="91425" rIns="91425" bIns="91425" anchor="b" anchorCtr="0">
             <a:normAutofit/>
           </a:bodyPr>
           <a:lstStyle>
@@ -4066,15 +4775,19 @@
               <a:defRPr sz="4200"/>
             </a:lvl9pPr>
           </a:lstStyle>
-          <a:p/>
+          <a:p>
+            <a:endParaRPr/>
+          </a:p>
         </p:txBody>
       </p:sp>
       <p:sp>
         <p:nvSpPr>
           <p:cNvPr id="38" name="Google Shape;38;p9"/>
-          <p:cNvSpPr txBox="1"/>
+          <p:cNvSpPr txBox="1">
+            <a:spLocks noGrp="1"/>
+          </p:cNvSpPr>
           <p:nvPr>
-            <p:ph idx="1" type="subTitle"/>
+            <p:ph type="subTitle" idx="1"/>
           </p:nvPr>
         </p:nvSpPr>
         <p:spPr>
@@ -4087,7 +4800,7 @@
           </a:prstGeom>
         </p:spPr>
         <p:txBody>
-          <a:bodyPr anchorCtr="0" anchor="t" bIns="91425" lIns="91425" spcFirstLastPara="1" rIns="91425" wrap="square" tIns="91425">
+          <a:bodyPr spcFirstLastPara="1" wrap="square" lIns="91425" tIns="91425" rIns="91425" bIns="91425" anchor="t" anchorCtr="0">
             <a:normAutofit/>
           </a:bodyPr>
           <a:lstStyle>
@@ -4218,15 +4931,19 @@
               <a:defRPr sz="2100"/>
             </a:lvl9pPr>
           </a:lstStyle>
-          <a:p/>
+          <a:p>
+            <a:endParaRPr/>
+          </a:p>
         </p:txBody>
       </p:sp>
       <p:sp>
         <p:nvSpPr>
           <p:cNvPr id="39" name="Google Shape;39;p9"/>
-          <p:cNvSpPr txBox="1"/>
+          <p:cNvSpPr txBox="1">
+            <a:spLocks noGrp="1"/>
+          </p:cNvSpPr>
           <p:nvPr>
-            <p:ph idx="2" type="body"/>
+            <p:ph type="body" idx="2"/>
           </p:nvPr>
         </p:nvSpPr>
         <p:spPr>
@@ -4239,11 +4956,11 @@
           </a:prstGeom>
         </p:spPr>
         <p:txBody>
-          <a:bodyPr anchorCtr="0" anchor="ctr" bIns="91425" lIns="91425" spcFirstLastPara="1" rIns="91425" wrap="square" tIns="91425">
+          <a:bodyPr spcFirstLastPara="1" wrap="square" lIns="91425" tIns="91425" rIns="91425" bIns="91425" anchor="ctr" anchorCtr="0">
             <a:normAutofit/>
           </a:bodyPr>
           <a:lstStyle>
-            <a:lvl1pPr indent="-342900" lvl="0" marL="457200">
+            <a:lvl1pPr marL="457200" lvl="0" indent="-342900">
               <a:spcBef>
                 <a:spcPts val="0"/>
               </a:spcBef>
@@ -4254,7 +4971,7 @@
               <a:buChar char="●"/>
               <a:defRPr/>
             </a:lvl1pPr>
-            <a:lvl2pPr indent="-317500" lvl="1" marL="914400">
+            <a:lvl2pPr marL="914400" lvl="1" indent="-317500">
               <a:spcBef>
                 <a:spcPts val="0"/>
               </a:spcBef>
@@ -4265,7 +4982,7 @@
               <a:buChar char="○"/>
               <a:defRPr/>
             </a:lvl2pPr>
-            <a:lvl3pPr indent="-317500" lvl="2" marL="1371600">
+            <a:lvl3pPr marL="1371600" lvl="2" indent="-317500">
               <a:spcBef>
                 <a:spcPts val="0"/>
               </a:spcBef>
@@ -4276,7 +4993,7 @@
               <a:buChar char="■"/>
               <a:defRPr/>
             </a:lvl3pPr>
-            <a:lvl4pPr indent="-317500" lvl="3" marL="1828800">
+            <a:lvl4pPr marL="1828800" lvl="3" indent="-317500">
               <a:spcBef>
                 <a:spcPts val="0"/>
               </a:spcBef>
@@ -4287,7 +5004,7 @@
               <a:buChar char="●"/>
               <a:defRPr/>
             </a:lvl4pPr>
-            <a:lvl5pPr indent="-317500" lvl="4" marL="2286000">
+            <a:lvl5pPr marL="2286000" lvl="4" indent="-317500">
               <a:spcBef>
                 <a:spcPts val="0"/>
               </a:spcBef>
@@ -4298,7 +5015,7 @@
               <a:buChar char="○"/>
               <a:defRPr/>
             </a:lvl5pPr>
-            <a:lvl6pPr indent="-317500" lvl="5" marL="2743200">
+            <a:lvl6pPr marL="2743200" lvl="5" indent="-317500">
               <a:spcBef>
                 <a:spcPts val="0"/>
               </a:spcBef>
@@ -4309,7 +5026,7 @@
               <a:buChar char="■"/>
               <a:defRPr/>
             </a:lvl6pPr>
-            <a:lvl7pPr indent="-317500" lvl="6" marL="3200400">
+            <a:lvl7pPr marL="3200400" lvl="6" indent="-317500">
               <a:spcBef>
                 <a:spcPts val="0"/>
               </a:spcBef>
@@ -4320,7 +5037,7 @@
               <a:buChar char="●"/>
               <a:defRPr/>
             </a:lvl7pPr>
-            <a:lvl8pPr indent="-317500" lvl="7" marL="3657600">
+            <a:lvl8pPr marL="3657600" lvl="7" indent="-317500">
               <a:spcBef>
                 <a:spcPts val="0"/>
               </a:spcBef>
@@ -4331,7 +5048,7 @@
               <a:buChar char="○"/>
               <a:defRPr/>
             </a:lvl8pPr>
-            <a:lvl9pPr indent="-317500" lvl="8" marL="4114800">
+            <a:lvl9pPr marL="4114800" lvl="8" indent="-317500">
               <a:spcBef>
                 <a:spcPts val="0"/>
               </a:spcBef>
@@ -4343,15 +5060,19 @@
               <a:defRPr/>
             </a:lvl9pPr>
           </a:lstStyle>
-          <a:p/>
+          <a:p>
+            <a:endParaRPr/>
+          </a:p>
         </p:txBody>
       </p:sp>
       <p:sp>
         <p:nvSpPr>
           <p:cNvPr id="40" name="Google Shape;40;p9"/>
-          <p:cNvSpPr txBox="1"/>
+          <p:cNvSpPr txBox="1">
+            <a:spLocks noGrp="1"/>
+          </p:cNvSpPr>
           <p:nvPr>
-            <p:ph idx="12" type="sldNum"/>
+            <p:ph type="sldNum" idx="12"/>
           </p:nvPr>
         </p:nvSpPr>
         <p:spPr>
@@ -4364,7 +5085,7 @@
           </a:prstGeom>
         </p:spPr>
         <p:txBody>
-          <a:bodyPr anchorCtr="0" anchor="ctr" bIns="91425" lIns="91425" spcFirstLastPara="1" rIns="91425" wrap="square" tIns="91425">
+          <a:bodyPr spcFirstLastPara="1" wrap="square" lIns="91425" tIns="91425" rIns="91425" bIns="91425" anchor="ctr" anchorCtr="0">
             <a:normAutofit/>
           </a:bodyPr>
           <a:lstStyle>
@@ -4406,7 +5127,7 @@
             </a:lvl9pPr>
           </a:lstStyle>
           <a:p>
-            <a:pPr indent="0" lvl="0" marL="0" rtl="0" algn="r">
+            <a:pPr marL="0" lvl="0" indent="0" algn="r" rtl="0">
               <a:spcBef>
                 <a:spcPts val="0"/>
               </a:spcBef>
@@ -4432,11 +5153,11 @@
 </file>
 
 <file path=ppt/slideLayouts/slideLayout9.xml><?xml version="1.0" encoding="utf-8"?>
-<p:sldLayout xmlns:a="http://schemas.openxmlformats.org/drawingml/2006/main" xmlns:r="http://schemas.openxmlformats.org/officeDocument/2006/relationships" xmlns:mc="http://schemas.openxmlformats.org/markup-compatibility/2006" xmlns:mv="urn:schemas-microsoft-com:mac:vml" xmlns:p="http://schemas.openxmlformats.org/presentationml/2006/main" xmlns:c="http://schemas.openxmlformats.org/drawingml/2006/chart" xmlns:dgm="http://schemas.openxmlformats.org/drawingml/2006/diagram" xmlns:o="urn:schemas-microsoft-com:office:office" xmlns:v="urn:schemas-microsoft-com:vml" xmlns:pvml="urn:schemas-microsoft-com:office:powerpoint" xmlns:com="http://schemas.openxmlformats.org/drawingml/2006/compatibility" xmlns:p14="http://schemas.microsoft.com/office/powerpoint/2010/main" xmlns:p15="http://schemas.microsoft.com/office/powerpoint/2012/main" xmlns:ahyp="http://schemas.microsoft.com/office/drawing/2018/hyperlinkcolor" matchingName="Caption">
+<p:sldLayout xmlns:a="http://schemas.openxmlformats.org/drawingml/2006/main" xmlns:r="http://schemas.openxmlformats.org/officeDocument/2006/relationships" xmlns:p="http://schemas.openxmlformats.org/presentationml/2006/main" matchingName="Caption">
   <p:cSld name="CAPTION_ONLY">
     <p:spTree>
       <p:nvGrpSpPr>
-        <p:cNvPr id="41" name="Shape 41"/>
+        <p:cNvPr id="1" name="Shape 41"/>
         <p:cNvGrpSpPr/>
         <p:nvPr/>
       </p:nvGrpSpPr>
@@ -4451,9 +5172,11 @@
       <p:sp>
         <p:nvSpPr>
           <p:cNvPr id="42" name="Google Shape;42;p10"/>
-          <p:cNvSpPr txBox="1"/>
+          <p:cNvSpPr txBox="1">
+            <a:spLocks noGrp="1"/>
+          </p:cNvSpPr>
           <p:nvPr>
-            <p:ph idx="1" type="body"/>
+            <p:ph type="body" idx="1"/>
           </p:nvPr>
         </p:nvSpPr>
         <p:spPr>
@@ -4466,11 +5189,11 @@
           </a:prstGeom>
         </p:spPr>
         <p:txBody>
-          <a:bodyPr anchorCtr="0" anchor="ctr" bIns="91425" lIns="91425" spcFirstLastPara="1" rIns="91425" wrap="square" tIns="91425">
+          <a:bodyPr spcFirstLastPara="1" wrap="square" lIns="91425" tIns="91425" rIns="91425" bIns="91425" anchor="ctr" anchorCtr="0">
             <a:normAutofit/>
           </a:bodyPr>
           <a:lstStyle>
-            <a:lvl1pPr indent="-228600" lvl="0" marL="457200">
+            <a:lvl1pPr marL="457200" lvl="0" indent="-228600">
               <a:lnSpc>
                 <a:spcPct val="100000"/>
               </a:lnSpc>
@@ -4485,15 +5208,19 @@
               <a:defRPr/>
             </a:lvl1pPr>
           </a:lstStyle>
-          <a:p/>
+          <a:p>
+            <a:endParaRPr/>
+          </a:p>
         </p:txBody>
       </p:sp>
       <p:sp>
         <p:nvSpPr>
           <p:cNvPr id="43" name="Google Shape;43;p10"/>
-          <p:cNvSpPr txBox="1"/>
+          <p:cNvSpPr txBox="1">
+            <a:spLocks noGrp="1"/>
+          </p:cNvSpPr>
           <p:nvPr>
-            <p:ph idx="12" type="sldNum"/>
+            <p:ph type="sldNum" idx="12"/>
           </p:nvPr>
         </p:nvSpPr>
         <p:spPr>
@@ -4506,7 +5233,7 @@
           </a:prstGeom>
         </p:spPr>
         <p:txBody>
-          <a:bodyPr anchorCtr="0" anchor="ctr" bIns="91425" lIns="91425" spcFirstLastPara="1" rIns="91425" wrap="square" tIns="91425">
+          <a:bodyPr spcFirstLastPara="1" wrap="square" lIns="91425" tIns="91425" rIns="91425" bIns="91425" anchor="ctr" anchorCtr="0">
             <a:normAutofit/>
           </a:bodyPr>
           <a:lstStyle>
@@ -4548,7 +5275,7 @@
             </a:lvl9pPr>
           </a:lstStyle>
           <a:p>
-            <a:pPr indent="0" lvl="0" marL="0" rtl="0" algn="r">
+            <a:pPr marL="0" lvl="0" indent="0" algn="r" rtl="0">
               <a:spcBef>
                 <a:spcPts val="0"/>
               </a:spcBef>
@@ -4574,18 +5301,19 @@
 </file>
 
 <file path=ppt/slideMasters/slideMaster1.xml><?xml version="1.0" encoding="utf-8"?>
-<p:sldMaster xmlns:a="http://schemas.openxmlformats.org/drawingml/2006/main" xmlns:r="http://schemas.openxmlformats.org/officeDocument/2006/relationships" xmlns:mc="http://schemas.openxmlformats.org/markup-compatibility/2006" xmlns:mv="urn:schemas-microsoft-com:mac:vml" xmlns:p="http://schemas.openxmlformats.org/presentationml/2006/main" xmlns:c="http://schemas.openxmlformats.org/drawingml/2006/chart" xmlns:dgm="http://schemas.openxmlformats.org/drawingml/2006/diagram" xmlns:o="urn:schemas-microsoft-com:office:office" xmlns:v="urn:schemas-microsoft-com:vml" xmlns:pvml="urn:schemas-microsoft-com:office:powerpoint" xmlns:com="http://schemas.openxmlformats.org/drawingml/2006/compatibility" xmlns:p14="http://schemas.microsoft.com/office/powerpoint/2010/main" xmlns:p15="http://schemas.microsoft.com/office/powerpoint/2012/main" xmlns:ahyp="http://schemas.microsoft.com/office/drawing/2018/hyperlinkcolor">
+<p:sldMaster xmlns:a="http://schemas.openxmlformats.org/drawingml/2006/main" xmlns:r="http://schemas.openxmlformats.org/officeDocument/2006/relationships" xmlns:p="http://schemas.openxmlformats.org/presentationml/2006/main">
   <p:cSld name="simple-light-2">
     <p:bg>
       <p:bgPr>
         <a:solidFill>
           <a:schemeClr val="lt1"/>
         </a:solidFill>
+        <a:effectLst/>
       </p:bgPr>
     </p:bg>
     <p:spTree>
       <p:nvGrpSpPr>
-        <p:cNvPr id="5" name="Shape 5"/>
+        <p:cNvPr id="1" name="Shape 5"/>
         <p:cNvGrpSpPr/>
         <p:nvPr/>
       </p:nvGrpSpPr>
@@ -4600,7 +5328,9 @@
       <p:sp>
         <p:nvSpPr>
           <p:cNvPr id="6" name="Google Shape;6;p1"/>
-          <p:cNvSpPr txBox="1"/>
+          <p:cNvSpPr txBox="1">
+            <a:spLocks noGrp="1"/>
+          </p:cNvSpPr>
           <p:nvPr>
             <p:ph type="title"/>
           </p:nvPr>
@@ -4619,7 +5349,7 @@
           </a:ln>
         </p:spPr>
         <p:txBody>
-          <a:bodyPr anchorCtr="0" anchor="t" bIns="91425" lIns="91425" spcFirstLastPara="1" rIns="91425" wrap="square" tIns="91425">
+          <a:bodyPr spcFirstLastPara="1" wrap="square" lIns="91425" tIns="91425" rIns="91425" bIns="91425" anchor="t" anchorCtr="0">
             <a:normAutofit/>
           </a:bodyPr>
           <a:lstStyle>
@@ -4786,15 +5516,19 @@
               </a:defRPr>
             </a:lvl9pPr>
           </a:lstStyle>
-          <a:p/>
+          <a:p>
+            <a:endParaRPr/>
+          </a:p>
         </p:txBody>
       </p:sp>
       <p:sp>
         <p:nvSpPr>
           <p:cNvPr id="7" name="Google Shape;7;p1"/>
-          <p:cNvSpPr txBox="1"/>
+          <p:cNvSpPr txBox="1">
+            <a:spLocks noGrp="1"/>
+          </p:cNvSpPr>
           <p:nvPr>
-            <p:ph idx="1" type="body"/>
+            <p:ph type="body" idx="1"/>
           </p:nvPr>
         </p:nvSpPr>
         <p:spPr>
@@ -4811,11 +5545,11 @@
           </a:ln>
         </p:spPr>
         <p:txBody>
-          <a:bodyPr anchorCtr="0" anchor="t" bIns="91425" lIns="91425" spcFirstLastPara="1" rIns="91425" wrap="square" tIns="91425">
+          <a:bodyPr spcFirstLastPara="1" wrap="square" lIns="91425" tIns="91425" rIns="91425" bIns="91425" anchor="t" anchorCtr="0">
             <a:normAutofit/>
           </a:bodyPr>
           <a:lstStyle>
-            <a:lvl1pPr indent="-342900" lvl="0" marL="457200">
+            <a:lvl1pPr marL="457200" lvl="0" indent="-342900">
               <a:lnSpc>
                 <a:spcPct val="115000"/>
               </a:lnSpc>
@@ -4836,7 +5570,7 @@
                 </a:solidFill>
               </a:defRPr>
             </a:lvl1pPr>
-            <a:lvl2pPr indent="-317500" lvl="1" marL="914400">
+            <a:lvl2pPr marL="914400" lvl="1" indent="-317500">
               <a:lnSpc>
                 <a:spcPct val="115000"/>
               </a:lnSpc>
@@ -4857,7 +5591,7 @@
                 </a:solidFill>
               </a:defRPr>
             </a:lvl2pPr>
-            <a:lvl3pPr indent="-317500" lvl="2" marL="1371600">
+            <a:lvl3pPr marL="1371600" lvl="2" indent="-317500">
               <a:lnSpc>
                 <a:spcPct val="115000"/>
               </a:lnSpc>
@@ -4878,7 +5612,7 @@
                 </a:solidFill>
               </a:defRPr>
             </a:lvl3pPr>
-            <a:lvl4pPr indent="-317500" lvl="3" marL="1828800">
+            <a:lvl4pPr marL="1828800" lvl="3" indent="-317500">
               <a:lnSpc>
                 <a:spcPct val="115000"/>
               </a:lnSpc>
@@ -4899,7 +5633,7 @@
                 </a:solidFill>
               </a:defRPr>
             </a:lvl4pPr>
-            <a:lvl5pPr indent="-317500" lvl="4" marL="2286000">
+            <a:lvl5pPr marL="2286000" lvl="4" indent="-317500">
               <a:lnSpc>
                 <a:spcPct val="115000"/>
               </a:lnSpc>
@@ -4920,7 +5654,7 @@
                 </a:solidFill>
               </a:defRPr>
             </a:lvl5pPr>
-            <a:lvl6pPr indent="-317500" lvl="5" marL="2743200">
+            <a:lvl6pPr marL="2743200" lvl="5" indent="-317500">
               <a:lnSpc>
                 <a:spcPct val="115000"/>
               </a:lnSpc>
@@ -4941,7 +5675,7 @@
                 </a:solidFill>
               </a:defRPr>
             </a:lvl6pPr>
-            <a:lvl7pPr indent="-317500" lvl="6" marL="3200400">
+            <a:lvl7pPr marL="3200400" lvl="6" indent="-317500">
               <a:lnSpc>
                 <a:spcPct val="115000"/>
               </a:lnSpc>
@@ -4962,7 +5696,7 @@
                 </a:solidFill>
               </a:defRPr>
             </a:lvl7pPr>
-            <a:lvl8pPr indent="-317500" lvl="7" marL="3657600">
+            <a:lvl8pPr marL="3657600" lvl="7" indent="-317500">
               <a:lnSpc>
                 <a:spcPct val="115000"/>
               </a:lnSpc>
@@ -4983,7 +5717,7 @@
                 </a:solidFill>
               </a:defRPr>
             </a:lvl8pPr>
-            <a:lvl9pPr indent="-317500" lvl="8" marL="4114800">
+            <a:lvl9pPr marL="4114800" lvl="8" indent="-317500">
               <a:lnSpc>
                 <a:spcPct val="115000"/>
               </a:lnSpc>
@@ -5005,15 +5739,19 @@
               </a:defRPr>
             </a:lvl9pPr>
           </a:lstStyle>
-          <a:p/>
+          <a:p>
+            <a:endParaRPr/>
+          </a:p>
         </p:txBody>
       </p:sp>
       <p:sp>
         <p:nvSpPr>
           <p:cNvPr id="8" name="Google Shape;8;p1"/>
-          <p:cNvSpPr txBox="1"/>
+          <p:cNvSpPr txBox="1">
+            <a:spLocks noGrp="1"/>
+          </p:cNvSpPr>
           <p:nvPr>
-            <p:ph idx="12" type="sldNum"/>
+            <p:ph type="sldNum" idx="12"/>
           </p:nvPr>
         </p:nvSpPr>
         <p:spPr>
@@ -5030,7 +5768,7 @@
           </a:ln>
         </p:spPr>
         <p:txBody>
-          <a:bodyPr anchorCtr="0" anchor="ctr" bIns="91425" lIns="91425" spcFirstLastPara="1" rIns="91425" wrap="square" tIns="91425">
+          <a:bodyPr spcFirstLastPara="1" wrap="square" lIns="91425" tIns="91425" rIns="91425" bIns="91425" anchor="ctr" anchorCtr="0">
             <a:normAutofit/>
           </a:bodyPr>
           <a:lstStyle>
@@ -5108,7 +5846,7 @@
             </a:lvl9pPr>
           </a:lstStyle>
           <a:p>
-            <a:pPr indent="0" lvl="0" marL="0" rtl="0" algn="r">
+            <a:pPr marL="0" lvl="0" indent="0" algn="r" rtl="0">
               <a:spcBef>
                 <a:spcPts val="0"/>
               </a:spcBef>
@@ -5127,7 +5865,7 @@
       </p:sp>
     </p:spTree>
   </p:cSld>
-  <p:clrMap accent1="accent1" accent2="accent2" accent3="accent3" accent4="accent4" accent5="accent5" accent6="accent6" bg1="lt1" bg2="dk2" tx1="dk1" tx2="lt2" folHlink="folHlink" hlink="hlink"/>
+  <p:clrMap bg1="lt1" tx1="dk1" bg2="dk2" tx2="lt2" accent1="accent1" accent2="accent2" accent3="accent3" accent4="accent4" accent5="accent5" accent6="accent6" hlink="hlink" folHlink="folHlink"/>
   <p:sldLayoutIdLst>
     <p:sldLayoutId id="2147483648" r:id="rId1"/>
     <p:sldLayoutId id="2147483649" r:id="rId2"/>
@@ -5141,10 +5879,10 @@
     <p:sldLayoutId id="2147483657" r:id="rId10"/>
     <p:sldLayoutId id="2147483658" r:id="rId11"/>
   </p:sldLayoutIdLst>
-  <p:hf dt="0" ftr="0" hdr="0" sldNum="0"/>
+  <p:hf sldNum="0" hdr="0" ftr="0" dt="0"/>
   <p:txStyles>
     <p:titleStyle>
-      <a:defPPr lvl="0" marR="0" rtl="0" algn="l">
+      <a:defPPr marR="0" lvl="0" algn="l" rtl="0">
         <a:lnSpc>
           <a:spcPct val="100000"/>
         </a:lnSpc>
@@ -5155,7 +5893,7 @@
           <a:spcPts val="0"/>
         </a:spcAft>
       </a:defPPr>
-      <a:lvl1pPr lvl="0" marR="0" rtl="0" algn="l">
+      <a:lvl1pPr marR="0" lvl="0" algn="l" rtl="0">
         <a:lnSpc>
           <a:spcPct val="100000"/>
         </a:lnSpc>
@@ -5169,7 +5907,7 @@
           <a:srgbClr val="000000"/>
         </a:buClr>
         <a:buFont typeface="Arial"/>
-        <a:defRPr b="0" i="0" sz="1400" u="none" cap="none" strike="noStrike">
+        <a:defRPr sz="1400" b="0" i="0" u="none" strike="noStrike" cap="none">
           <a:solidFill>
             <a:srgbClr val="000000"/>
           </a:solidFill>
@@ -5179,7 +5917,7 @@
           <a:sym typeface="Arial"/>
         </a:defRPr>
       </a:lvl1pPr>
-      <a:lvl2pPr lvl="1" marR="0" rtl="0" algn="l">
+      <a:lvl2pPr marR="0" lvl="1" algn="l" rtl="0">
         <a:lnSpc>
           <a:spcPct val="100000"/>
         </a:lnSpc>
@@ -5193,7 +5931,7 @@
           <a:srgbClr val="000000"/>
         </a:buClr>
         <a:buFont typeface="Arial"/>
-        <a:defRPr b="0" i="0" sz="1400" u="none" cap="none" strike="noStrike">
+        <a:defRPr sz="1400" b="0" i="0" u="none" strike="noStrike" cap="none">
           <a:solidFill>
             <a:srgbClr val="000000"/>
           </a:solidFill>
@@ -5203,7 +5941,7 @@
           <a:sym typeface="Arial"/>
         </a:defRPr>
       </a:lvl2pPr>
-      <a:lvl3pPr lvl="2" marR="0" rtl="0" algn="l">
+      <a:lvl3pPr marR="0" lvl="2" algn="l" rtl="0">
         <a:lnSpc>
           <a:spcPct val="100000"/>
         </a:lnSpc>
@@ -5217,7 +5955,7 @@
           <a:srgbClr val="000000"/>
         </a:buClr>
         <a:buFont typeface="Arial"/>
-        <a:defRPr b="0" i="0" sz="1400" u="none" cap="none" strike="noStrike">
+        <a:defRPr sz="1400" b="0" i="0" u="none" strike="noStrike" cap="none">
           <a:solidFill>
             <a:srgbClr val="000000"/>
           </a:solidFill>
@@ -5227,7 +5965,7 @@
           <a:sym typeface="Arial"/>
         </a:defRPr>
       </a:lvl3pPr>
-      <a:lvl4pPr lvl="3" marR="0" rtl="0" algn="l">
+      <a:lvl4pPr marR="0" lvl="3" algn="l" rtl="0">
         <a:lnSpc>
           <a:spcPct val="100000"/>
         </a:lnSpc>
@@ -5241,7 +5979,7 @@
           <a:srgbClr val="000000"/>
         </a:buClr>
         <a:buFont typeface="Arial"/>
-        <a:defRPr b="0" i="0" sz="1400" u="none" cap="none" strike="noStrike">
+        <a:defRPr sz="1400" b="0" i="0" u="none" strike="noStrike" cap="none">
           <a:solidFill>
             <a:srgbClr val="000000"/>
           </a:solidFill>
@@ -5251,7 +5989,7 @@
           <a:sym typeface="Arial"/>
         </a:defRPr>
       </a:lvl4pPr>
-      <a:lvl5pPr lvl="4" marR="0" rtl="0" algn="l">
+      <a:lvl5pPr marR="0" lvl="4" algn="l" rtl="0">
         <a:lnSpc>
           <a:spcPct val="100000"/>
         </a:lnSpc>
@@ -5265,7 +6003,7 @@
           <a:srgbClr val="000000"/>
         </a:buClr>
         <a:buFont typeface="Arial"/>
-        <a:defRPr b="0" i="0" sz="1400" u="none" cap="none" strike="noStrike">
+        <a:defRPr sz="1400" b="0" i="0" u="none" strike="noStrike" cap="none">
           <a:solidFill>
             <a:srgbClr val="000000"/>
           </a:solidFill>
@@ -5275,7 +6013,7 @@
           <a:sym typeface="Arial"/>
         </a:defRPr>
       </a:lvl5pPr>
-      <a:lvl6pPr lvl="5" marR="0" rtl="0" algn="l">
+      <a:lvl6pPr marR="0" lvl="5" algn="l" rtl="0">
         <a:lnSpc>
           <a:spcPct val="100000"/>
         </a:lnSpc>
@@ -5289,7 +6027,7 @@
           <a:srgbClr val="000000"/>
         </a:buClr>
         <a:buFont typeface="Arial"/>
-        <a:defRPr b="0" i="0" sz="1400" u="none" cap="none" strike="noStrike">
+        <a:defRPr sz="1400" b="0" i="0" u="none" strike="noStrike" cap="none">
           <a:solidFill>
             <a:srgbClr val="000000"/>
           </a:solidFill>
@@ -5299,7 +6037,7 @@
           <a:sym typeface="Arial"/>
         </a:defRPr>
       </a:lvl6pPr>
-      <a:lvl7pPr lvl="6" marR="0" rtl="0" algn="l">
+      <a:lvl7pPr marR="0" lvl="6" algn="l" rtl="0">
         <a:lnSpc>
           <a:spcPct val="100000"/>
         </a:lnSpc>
@@ -5313,7 +6051,7 @@
           <a:srgbClr val="000000"/>
         </a:buClr>
         <a:buFont typeface="Arial"/>
-        <a:defRPr b="0" i="0" sz="1400" u="none" cap="none" strike="noStrike">
+        <a:defRPr sz="1400" b="0" i="0" u="none" strike="noStrike" cap="none">
           <a:solidFill>
             <a:srgbClr val="000000"/>
           </a:solidFill>
@@ -5323,7 +6061,7 @@
           <a:sym typeface="Arial"/>
         </a:defRPr>
       </a:lvl7pPr>
-      <a:lvl8pPr lvl="7" marR="0" rtl="0" algn="l">
+      <a:lvl8pPr marR="0" lvl="7" algn="l" rtl="0">
         <a:lnSpc>
           <a:spcPct val="100000"/>
         </a:lnSpc>
@@ -5337,7 +6075,7 @@
           <a:srgbClr val="000000"/>
         </a:buClr>
         <a:buFont typeface="Arial"/>
-        <a:defRPr b="0" i="0" sz="1400" u="none" cap="none" strike="noStrike">
+        <a:defRPr sz="1400" b="0" i="0" u="none" strike="noStrike" cap="none">
           <a:solidFill>
             <a:srgbClr val="000000"/>
           </a:solidFill>
@@ -5347,7 +6085,7 @@
           <a:sym typeface="Arial"/>
         </a:defRPr>
       </a:lvl8pPr>
-      <a:lvl9pPr lvl="8" marR="0" rtl="0" algn="l">
+      <a:lvl9pPr marR="0" lvl="8" algn="l" rtl="0">
         <a:lnSpc>
           <a:spcPct val="100000"/>
         </a:lnSpc>
@@ -5361,7 +6099,7 @@
           <a:srgbClr val="000000"/>
         </a:buClr>
         <a:buFont typeface="Arial"/>
-        <a:defRPr b="0" i="0" sz="1400" u="none" cap="none" strike="noStrike">
+        <a:defRPr sz="1400" b="0" i="0" u="none" strike="noStrike" cap="none">
           <a:solidFill>
             <a:srgbClr val="000000"/>
           </a:solidFill>
@@ -5373,7 +6111,7 @@
       </a:lvl9pPr>
     </p:titleStyle>
     <p:bodyStyle>
-      <a:defPPr lvl="0" marR="0" rtl="0" algn="l">
+      <a:defPPr marR="0" lvl="0" algn="l" rtl="0">
         <a:lnSpc>
           <a:spcPct val="100000"/>
         </a:lnSpc>
@@ -5384,7 +6122,7 @@
           <a:spcPts val="0"/>
         </a:spcAft>
       </a:defPPr>
-      <a:lvl1pPr lvl="0" marR="0" rtl="0" algn="l">
+      <a:lvl1pPr marR="0" lvl="0" algn="l" rtl="0">
         <a:lnSpc>
           <a:spcPct val="100000"/>
         </a:lnSpc>
@@ -5398,7 +6136,7 @@
           <a:srgbClr val="000000"/>
         </a:buClr>
         <a:buFont typeface="Arial"/>
-        <a:defRPr b="0" i="0" sz="1400" u="none" cap="none" strike="noStrike">
+        <a:defRPr sz="1400" b="0" i="0" u="none" strike="noStrike" cap="none">
           <a:solidFill>
             <a:srgbClr val="000000"/>
           </a:solidFill>
@@ -5408,7 +6146,7 @@
           <a:sym typeface="Arial"/>
         </a:defRPr>
       </a:lvl1pPr>
-      <a:lvl2pPr lvl="1" marR="0" rtl="0" algn="l">
+      <a:lvl2pPr marR="0" lvl="1" algn="l" rtl="0">
         <a:lnSpc>
           <a:spcPct val="100000"/>
         </a:lnSpc>
@@ -5422,7 +6160,7 @@
           <a:srgbClr val="000000"/>
         </a:buClr>
         <a:buFont typeface="Arial"/>
-        <a:defRPr b="0" i="0" sz="1400" u="none" cap="none" strike="noStrike">
+        <a:defRPr sz="1400" b="0" i="0" u="none" strike="noStrike" cap="none">
           <a:solidFill>
             <a:srgbClr val="000000"/>
           </a:solidFill>
@@ -5432,7 +6170,7 @@
           <a:sym typeface="Arial"/>
         </a:defRPr>
       </a:lvl2pPr>
-      <a:lvl3pPr lvl="2" marR="0" rtl="0" algn="l">
+      <a:lvl3pPr marR="0" lvl="2" algn="l" rtl="0">
         <a:lnSpc>
           <a:spcPct val="100000"/>
         </a:lnSpc>
@@ -5446,7 +6184,7 @@
           <a:srgbClr val="000000"/>
         </a:buClr>
         <a:buFont typeface="Arial"/>
-        <a:defRPr b="0" i="0" sz="1400" u="none" cap="none" strike="noStrike">
+        <a:defRPr sz="1400" b="0" i="0" u="none" strike="noStrike" cap="none">
           <a:solidFill>
             <a:srgbClr val="000000"/>
           </a:solidFill>
@@ -5456,7 +6194,7 @@
           <a:sym typeface="Arial"/>
         </a:defRPr>
       </a:lvl3pPr>
-      <a:lvl4pPr lvl="3" marR="0" rtl="0" algn="l">
+      <a:lvl4pPr marR="0" lvl="3" algn="l" rtl="0">
         <a:lnSpc>
           <a:spcPct val="100000"/>
         </a:lnSpc>
@@ -5470,7 +6208,7 @@
           <a:srgbClr val="000000"/>
         </a:buClr>
         <a:buFont typeface="Arial"/>
-        <a:defRPr b="0" i="0" sz="1400" u="none" cap="none" strike="noStrike">
+        <a:defRPr sz="1400" b="0" i="0" u="none" strike="noStrike" cap="none">
           <a:solidFill>
             <a:srgbClr val="000000"/>
           </a:solidFill>
@@ -5480,7 +6218,7 @@
           <a:sym typeface="Arial"/>
         </a:defRPr>
       </a:lvl4pPr>
-      <a:lvl5pPr lvl="4" marR="0" rtl="0" algn="l">
+      <a:lvl5pPr marR="0" lvl="4" algn="l" rtl="0">
         <a:lnSpc>
           <a:spcPct val="100000"/>
         </a:lnSpc>
@@ -5494,7 +6232,7 @@
           <a:srgbClr val="000000"/>
         </a:buClr>
         <a:buFont typeface="Arial"/>
-        <a:defRPr b="0" i="0" sz="1400" u="none" cap="none" strike="noStrike">
+        <a:defRPr sz="1400" b="0" i="0" u="none" strike="noStrike" cap="none">
           <a:solidFill>
             <a:srgbClr val="000000"/>
           </a:solidFill>
@@ -5504,7 +6242,7 @@
           <a:sym typeface="Arial"/>
         </a:defRPr>
       </a:lvl5pPr>
-      <a:lvl6pPr lvl="5" marR="0" rtl="0" algn="l">
+      <a:lvl6pPr marR="0" lvl="5" algn="l" rtl="0">
         <a:lnSpc>
           <a:spcPct val="100000"/>
         </a:lnSpc>
@@ -5518,7 +6256,7 @@
           <a:srgbClr val="000000"/>
         </a:buClr>
         <a:buFont typeface="Arial"/>
-        <a:defRPr b="0" i="0" sz="1400" u="none" cap="none" strike="noStrike">
+        <a:defRPr sz="1400" b="0" i="0" u="none" strike="noStrike" cap="none">
           <a:solidFill>
             <a:srgbClr val="000000"/>
           </a:solidFill>
@@ -5528,7 +6266,7 @@
           <a:sym typeface="Arial"/>
         </a:defRPr>
       </a:lvl6pPr>
-      <a:lvl7pPr lvl="6" marR="0" rtl="0" algn="l">
+      <a:lvl7pPr marR="0" lvl="6" algn="l" rtl="0">
         <a:lnSpc>
           <a:spcPct val="100000"/>
         </a:lnSpc>
@@ -5542,7 +6280,7 @@
           <a:srgbClr val="000000"/>
         </a:buClr>
         <a:buFont typeface="Arial"/>
-        <a:defRPr b="0" i="0" sz="1400" u="none" cap="none" strike="noStrike">
+        <a:defRPr sz="1400" b="0" i="0" u="none" strike="noStrike" cap="none">
           <a:solidFill>
             <a:srgbClr val="000000"/>
           </a:solidFill>
@@ -5552,7 +6290,7 @@
           <a:sym typeface="Arial"/>
         </a:defRPr>
       </a:lvl7pPr>
-      <a:lvl8pPr lvl="7" marR="0" rtl="0" algn="l">
+      <a:lvl8pPr marR="0" lvl="7" algn="l" rtl="0">
         <a:lnSpc>
           <a:spcPct val="100000"/>
         </a:lnSpc>
@@ -5566,7 +6304,7 @@
           <a:srgbClr val="000000"/>
         </a:buClr>
         <a:buFont typeface="Arial"/>
-        <a:defRPr b="0" i="0" sz="1400" u="none" cap="none" strike="noStrike">
+        <a:defRPr sz="1400" b="0" i="0" u="none" strike="noStrike" cap="none">
           <a:solidFill>
             <a:srgbClr val="000000"/>
           </a:solidFill>
@@ -5576,7 +6314,7 @@
           <a:sym typeface="Arial"/>
         </a:defRPr>
       </a:lvl8pPr>
-      <a:lvl9pPr lvl="8" marR="0" rtl="0" algn="l">
+      <a:lvl9pPr marR="0" lvl="8" algn="l" rtl="0">
         <a:lnSpc>
           <a:spcPct val="100000"/>
         </a:lnSpc>
@@ -5590,7 +6328,7 @@
           <a:srgbClr val="000000"/>
         </a:buClr>
         <a:buFont typeface="Arial"/>
-        <a:defRPr b="0" i="0" sz="1400" u="none" cap="none" strike="noStrike">
+        <a:defRPr sz="1400" b="0" i="0" u="none" strike="noStrike" cap="none">
           <a:solidFill>
             <a:srgbClr val="000000"/>
           </a:solidFill>
@@ -5602,7 +6340,7 @@
       </a:lvl9pPr>
     </p:bodyStyle>
     <p:otherStyle>
-      <a:defPPr lvl="0" marR="0" rtl="0" algn="l">
+      <a:defPPr marR="0" lvl="0" algn="l" rtl="0">
         <a:lnSpc>
           <a:spcPct val="100000"/>
         </a:lnSpc>
@@ -5613,7 +6351,7 @@
           <a:spcPts val="0"/>
         </a:spcAft>
       </a:defPPr>
-      <a:lvl1pPr lvl="0" marR="0" rtl="0" algn="l">
+      <a:lvl1pPr marR="0" lvl="0" algn="l" rtl="0">
         <a:lnSpc>
           <a:spcPct val="100000"/>
         </a:lnSpc>
@@ -5627,7 +6365,7 @@
           <a:srgbClr val="000000"/>
         </a:buClr>
         <a:buFont typeface="Arial"/>
-        <a:defRPr b="0" i="0" sz="1400" u="none" cap="none" strike="noStrike">
+        <a:defRPr sz="1400" b="0" i="0" u="none" strike="noStrike" cap="none">
           <a:solidFill>
             <a:srgbClr val="000000"/>
           </a:solidFill>
@@ -5637,7 +6375,7 @@
           <a:sym typeface="Arial"/>
         </a:defRPr>
       </a:lvl1pPr>
-      <a:lvl2pPr lvl="1" marR="0" rtl="0" algn="l">
+      <a:lvl2pPr marR="0" lvl="1" algn="l" rtl="0">
         <a:lnSpc>
           <a:spcPct val="100000"/>
         </a:lnSpc>
@@ -5651,7 +6389,7 @@
           <a:srgbClr val="000000"/>
         </a:buClr>
         <a:buFont typeface="Arial"/>
-        <a:defRPr b="0" i="0" sz="1400" u="none" cap="none" strike="noStrike">
+        <a:defRPr sz="1400" b="0" i="0" u="none" strike="noStrike" cap="none">
           <a:solidFill>
             <a:srgbClr val="000000"/>
           </a:solidFill>
@@ -5661,7 +6399,7 @@
           <a:sym typeface="Arial"/>
         </a:defRPr>
       </a:lvl2pPr>
-      <a:lvl3pPr lvl="2" marR="0" rtl="0" algn="l">
+      <a:lvl3pPr marR="0" lvl="2" algn="l" rtl="0">
         <a:lnSpc>
           <a:spcPct val="100000"/>
         </a:lnSpc>
@@ -5675,7 +6413,7 @@
           <a:srgbClr val="000000"/>
         </a:buClr>
         <a:buFont typeface="Arial"/>
-        <a:defRPr b="0" i="0" sz="1400" u="none" cap="none" strike="noStrike">
+        <a:defRPr sz="1400" b="0" i="0" u="none" strike="noStrike" cap="none">
           <a:solidFill>
             <a:srgbClr val="000000"/>
           </a:solidFill>
@@ -5685,7 +6423,7 @@
           <a:sym typeface="Arial"/>
         </a:defRPr>
       </a:lvl3pPr>
-      <a:lvl4pPr lvl="3" marR="0" rtl="0" algn="l">
+      <a:lvl4pPr marR="0" lvl="3" algn="l" rtl="0">
         <a:lnSpc>
           <a:spcPct val="100000"/>
         </a:lnSpc>
@@ -5699,7 +6437,7 @@
           <a:srgbClr val="000000"/>
         </a:buClr>
         <a:buFont typeface="Arial"/>
-        <a:defRPr b="0" i="0" sz="1400" u="none" cap="none" strike="noStrike">
+        <a:defRPr sz="1400" b="0" i="0" u="none" strike="noStrike" cap="none">
           <a:solidFill>
             <a:srgbClr val="000000"/>
           </a:solidFill>
@@ -5709,7 +6447,7 @@
           <a:sym typeface="Arial"/>
         </a:defRPr>
       </a:lvl4pPr>
-      <a:lvl5pPr lvl="4" marR="0" rtl="0" algn="l">
+      <a:lvl5pPr marR="0" lvl="4" algn="l" rtl="0">
         <a:lnSpc>
           <a:spcPct val="100000"/>
         </a:lnSpc>
@@ -5723,7 +6461,7 @@
           <a:srgbClr val="000000"/>
         </a:buClr>
         <a:buFont typeface="Arial"/>
-        <a:defRPr b="0" i="0" sz="1400" u="none" cap="none" strike="noStrike">
+        <a:defRPr sz="1400" b="0" i="0" u="none" strike="noStrike" cap="none">
           <a:solidFill>
             <a:srgbClr val="000000"/>
           </a:solidFill>
@@ -5733,7 +6471,7 @@
           <a:sym typeface="Arial"/>
         </a:defRPr>
       </a:lvl5pPr>
-      <a:lvl6pPr lvl="5" marR="0" rtl="0" algn="l">
+      <a:lvl6pPr marR="0" lvl="5" algn="l" rtl="0">
         <a:lnSpc>
           <a:spcPct val="100000"/>
         </a:lnSpc>
@@ -5747,7 +6485,7 @@
           <a:srgbClr val="000000"/>
         </a:buClr>
         <a:buFont typeface="Arial"/>
-        <a:defRPr b="0" i="0" sz="1400" u="none" cap="none" strike="noStrike">
+        <a:defRPr sz="1400" b="0" i="0" u="none" strike="noStrike" cap="none">
           <a:solidFill>
             <a:srgbClr val="000000"/>
           </a:solidFill>
@@ -5757,7 +6495,7 @@
           <a:sym typeface="Arial"/>
         </a:defRPr>
       </a:lvl6pPr>
-      <a:lvl7pPr lvl="6" marR="0" rtl="0" algn="l">
+      <a:lvl7pPr marR="0" lvl="6" algn="l" rtl="0">
         <a:lnSpc>
           <a:spcPct val="100000"/>
         </a:lnSpc>
@@ -5771,7 +6509,7 @@
           <a:srgbClr val="000000"/>
         </a:buClr>
         <a:buFont typeface="Arial"/>
-        <a:defRPr b="0" i="0" sz="1400" u="none" cap="none" strike="noStrike">
+        <a:defRPr sz="1400" b="0" i="0" u="none" strike="noStrike" cap="none">
           <a:solidFill>
             <a:srgbClr val="000000"/>
           </a:solidFill>
@@ -5781,7 +6519,7 @@
           <a:sym typeface="Arial"/>
         </a:defRPr>
       </a:lvl7pPr>
-      <a:lvl8pPr lvl="7" marR="0" rtl="0" algn="l">
+      <a:lvl8pPr marR="0" lvl="7" algn="l" rtl="0">
         <a:lnSpc>
           <a:spcPct val="100000"/>
         </a:lnSpc>
@@ -5795,7 +6533,7 @@
           <a:srgbClr val="000000"/>
         </a:buClr>
         <a:buFont typeface="Arial"/>
-        <a:defRPr b="0" i="0" sz="1400" u="none" cap="none" strike="noStrike">
+        <a:defRPr sz="1400" b="0" i="0" u="none" strike="noStrike" cap="none">
           <a:solidFill>
             <a:srgbClr val="000000"/>
           </a:solidFill>
@@ -5805,7 +6543,7 @@
           <a:sym typeface="Arial"/>
         </a:defRPr>
       </a:lvl8pPr>
-      <a:lvl9pPr lvl="8" marR="0" rtl="0" algn="l">
+      <a:lvl9pPr marR="0" lvl="8" algn="l" rtl="0">
         <a:lnSpc>
           <a:spcPct val="100000"/>
         </a:lnSpc>
@@ -5819,7 +6557,7 @@
           <a:srgbClr val="000000"/>
         </a:buClr>
         <a:buFont typeface="Arial"/>
-        <a:defRPr b="0" i="0" sz="1400" u="none" cap="none" strike="noStrike">
+        <a:defRPr sz="1400" b="0" i="0" u="none" strike="noStrike" cap="none">
           <a:solidFill>
             <a:srgbClr val="000000"/>
           </a:solidFill>
@@ -5835,11 +6573,11 @@
 </file>
 
 <file path=ppt/slides/slide1.xml><?xml version="1.0" encoding="utf-8"?>
-<p:sld xmlns:a="http://schemas.openxmlformats.org/drawingml/2006/main" xmlns:r="http://schemas.openxmlformats.org/officeDocument/2006/relationships" xmlns:mc="http://schemas.openxmlformats.org/markup-compatibility/2006" xmlns:mv="urn:schemas-microsoft-com:mac:vml" xmlns:p="http://schemas.openxmlformats.org/presentationml/2006/main" xmlns:c="http://schemas.openxmlformats.org/drawingml/2006/chart" xmlns:dgm="http://schemas.openxmlformats.org/drawingml/2006/diagram" xmlns:o="urn:schemas-microsoft-com:office:office" xmlns:v="urn:schemas-microsoft-com:vml" xmlns:pvml="urn:schemas-microsoft-com:office:powerpoint" xmlns:com="http://schemas.openxmlformats.org/drawingml/2006/compatibility" xmlns:p14="http://schemas.microsoft.com/office/powerpoint/2010/main" xmlns:p15="http://schemas.microsoft.com/office/powerpoint/2012/main" xmlns:ahyp="http://schemas.microsoft.com/office/drawing/2018/hyperlinkcolor">
+<p:sld xmlns:a="http://schemas.openxmlformats.org/drawingml/2006/main" xmlns:r="http://schemas.openxmlformats.org/officeDocument/2006/relationships" xmlns:p="http://schemas.openxmlformats.org/presentationml/2006/main">
   <p:cSld>
     <p:spTree>
       <p:nvGrpSpPr>
-        <p:cNvPr id="53" name="Shape 53"/>
+        <p:cNvPr id="1" name="Shape 53"/>
         <p:cNvGrpSpPr/>
         <p:nvPr/>
       </p:nvGrpSpPr>
@@ -5861,7 +6599,7 @@
           <a:blip r:embed="rId3">
             <a:alphaModFix/>
           </a:blip>
-          <a:srcRect b="0" l="0" r="0" t="0"/>
+          <a:srcRect/>
           <a:stretch/>
         </p:blipFill>
         <p:spPr>
@@ -5898,12 +6636,12 @@
           </a:ln>
         </p:spPr>
         <p:txBody>
-          <a:bodyPr anchorCtr="0" anchor="t" bIns="91425" lIns="91425" spcFirstLastPara="1" rIns="91425" wrap="square" tIns="91425">
+          <a:bodyPr spcFirstLastPara="1" wrap="square" lIns="91425" tIns="91425" rIns="91425" bIns="91425" anchor="t" anchorCtr="0">
             <a:noAutofit/>
           </a:bodyPr>
           <a:lstStyle/>
           <a:p>
-            <a:pPr indent="0" lvl="0" marL="0" rtl="0" algn="ctr">
+            <a:pPr marL="0" lvl="0" indent="0" algn="ctr" rtl="0">
               <a:spcBef>
                 <a:spcPts val="0"/>
               </a:spcBef>
@@ -5935,7 +6673,7 @@
             </a:endParaRPr>
           </a:p>
           <a:p>
-            <a:pPr indent="0" lvl="0" marL="0" rtl="0" algn="ctr">
+            <a:pPr marL="0" lvl="0" indent="0" algn="ctr" rtl="0">
               <a:spcBef>
                 <a:spcPts val="0"/>
               </a:spcBef>
@@ -5967,7 +6705,7 @@
             </a:endParaRPr>
           </a:p>
           <a:p>
-            <a:pPr indent="0" lvl="0" marL="0" rtl="0" algn="ctr">
+            <a:pPr marL="0" lvl="0" indent="0" algn="ctr" rtl="0">
               <a:spcBef>
                 <a:spcPts val="0"/>
               </a:spcBef>
@@ -5976,9 +6714,6 @@
               </a:spcAft>
               <a:buNone/>
             </a:pPr>
-            <a:r>
-              <a:t/>
-            </a:r>
             <a:endParaRPr sz="2400">
               <a:solidFill>
                 <a:schemeClr val="lt1"/>
@@ -5990,7 +6725,7 @@
             </a:endParaRPr>
           </a:p>
           <a:p>
-            <a:pPr indent="0" lvl="0" marL="0" rtl="0" algn="ctr">
+            <a:pPr marL="0" lvl="0" indent="0" algn="ctr" rtl="0">
               <a:spcBef>
                 <a:spcPts val="0"/>
               </a:spcBef>
@@ -5999,9 +6734,6 @@
               </a:spcAft>
               <a:buNone/>
             </a:pPr>
-            <a:r>
-              <a:t/>
-            </a:r>
             <a:endParaRPr sz="2400">
               <a:solidFill>
                 <a:schemeClr val="lt1"/>
@@ -6013,7 +6745,7 @@
             </a:endParaRPr>
           </a:p>
           <a:p>
-            <a:pPr indent="0" lvl="0" marL="0" rtl="0" algn="ctr">
+            <a:pPr marL="0" lvl="0" indent="0" algn="ctr" rtl="0">
               <a:spcBef>
                 <a:spcPts val="0"/>
               </a:spcBef>
@@ -6022,9 +6754,6 @@
               </a:spcAft>
               <a:buNone/>
             </a:pPr>
-            <a:r>
-              <a:t/>
-            </a:r>
             <a:endParaRPr sz="2400">
               <a:solidFill>
                 <a:schemeClr val="lt1"/>
@@ -6036,7 +6765,7 @@
             </a:endParaRPr>
           </a:p>
           <a:p>
-            <a:pPr indent="0" lvl="0" marL="0" rtl="0" algn="ctr">
+            <a:pPr marL="0" lvl="0" indent="0" algn="ctr" rtl="0">
               <a:spcBef>
                 <a:spcPts val="0"/>
               </a:spcBef>
@@ -6045,9 +6774,6 @@
               </a:spcAft>
               <a:buNone/>
             </a:pPr>
-            <a:r>
-              <a:t/>
-            </a:r>
             <a:endParaRPr sz="2400">
               <a:solidFill>
                 <a:schemeClr val="lt1"/>
@@ -6097,18 +6823,19 @@
 </file>
 
 <file path=ppt/slides/slide2.xml><?xml version="1.0" encoding="utf-8"?>
-<p:sld xmlns:a="http://schemas.openxmlformats.org/drawingml/2006/main" xmlns:r="http://schemas.openxmlformats.org/officeDocument/2006/relationships" xmlns:mc="http://schemas.openxmlformats.org/markup-compatibility/2006" xmlns:mv="urn:schemas-microsoft-com:mac:vml" xmlns:p="http://schemas.openxmlformats.org/presentationml/2006/main" xmlns:c="http://schemas.openxmlformats.org/drawingml/2006/chart" xmlns:dgm="http://schemas.openxmlformats.org/drawingml/2006/diagram" xmlns:o="urn:schemas-microsoft-com:office:office" xmlns:v="urn:schemas-microsoft-com:vml" xmlns:pvml="urn:schemas-microsoft-com:office:powerpoint" xmlns:com="http://schemas.openxmlformats.org/drawingml/2006/compatibility" xmlns:p14="http://schemas.microsoft.com/office/powerpoint/2010/main" xmlns:p15="http://schemas.microsoft.com/office/powerpoint/2012/main" xmlns:ahyp="http://schemas.microsoft.com/office/drawing/2018/hyperlinkcolor">
+<p:sld xmlns:a="http://schemas.openxmlformats.org/drawingml/2006/main" xmlns:r="http://schemas.openxmlformats.org/officeDocument/2006/relationships" xmlns:p="http://schemas.openxmlformats.org/presentationml/2006/main">
   <p:cSld>
     <p:bg>
       <p:bgPr>
         <a:solidFill>
           <a:srgbClr val="434343"/>
         </a:solidFill>
+        <a:effectLst/>
       </p:bgPr>
     </p:bg>
     <p:spTree>
       <p:nvGrpSpPr>
-        <p:cNvPr id="60" name="Shape 60"/>
+        <p:cNvPr id="1" name="Shape 60"/>
         <p:cNvGrpSpPr/>
         <p:nvPr/>
       </p:nvGrpSpPr>
@@ -6140,12 +6867,12 @@
           </a:ln>
         </p:spPr>
         <p:txBody>
-          <a:bodyPr anchorCtr="0" anchor="t" bIns="91425" lIns="91425" spcFirstLastPara="1" rIns="91425" wrap="square" tIns="91425">
+          <a:bodyPr spcFirstLastPara="1" wrap="square" lIns="91425" tIns="91425" rIns="91425" bIns="91425" anchor="t" anchorCtr="0">
             <a:noAutofit/>
           </a:bodyPr>
           <a:lstStyle/>
           <a:p>
-            <a:pPr indent="0" lvl="0" marL="0" rtl="0" algn="ctr">
+            <a:pPr marL="0" lvl="0" indent="0" algn="ctr" rtl="0">
               <a:spcBef>
                 <a:spcPts val="0"/>
               </a:spcBef>
@@ -6155,7 +6882,7 @@
               <a:buNone/>
             </a:pPr>
             <a:r>
-              <a:rPr i="1" lang="en" sz="1800">
+              <a:rPr lang="en" sz="1800" i="1">
                 <a:solidFill>
                   <a:schemeClr val="dk1"/>
                 </a:solidFill>
@@ -6170,7 +6897,7 @@
               <a:t>ALL </a:t>
             </a:r>
             <a:r>
-              <a:rPr b="1" i="1" lang="en" sz="1800">
+              <a:rPr lang="en" sz="1800" b="1" i="1">
                 <a:solidFill>
                   <a:schemeClr val="dk1"/>
                 </a:solidFill>
@@ -6185,7 +6912,7 @@
               <a:t>PYTHON </a:t>
             </a:r>
             <a:r>
-              <a:rPr i="1" lang="en" sz="1800">
+              <a:rPr lang="en" sz="1800" i="1">
                 <a:solidFill>
                   <a:schemeClr val="dk1"/>
                 </a:solidFill>
@@ -6199,7 +6926,7 @@
               </a:rPr>
               <a:t>PACKAGES UTILIZED:</a:t>
             </a:r>
-            <a:endParaRPr i="1" sz="1800">
+            <a:endParaRPr sz="1800" i="1">
               <a:solidFill>
                 <a:schemeClr val="dk1"/>
               </a:solidFill>
@@ -6231,14 +6958,14 @@
             <a:avLst/>
           </a:prstGeom>
           <a:noFill/>
-          <a:ln cap="flat" cmpd="sng" w="9525">
+          <a:ln w="9525" cap="flat" cmpd="sng">
             <a:solidFill>
               <a:schemeClr val="dk2"/>
             </a:solidFill>
             <a:prstDash val="solid"/>
             <a:round/>
-            <a:headEnd len="med" w="med" type="none"/>
-            <a:tailEnd len="med" w="med" type="none"/>
+            <a:headEnd type="none" w="med" len="med"/>
+            <a:tailEnd type="none" w="med" len="med"/>
           </a:ln>
         </p:spPr>
       </p:cxnSp>
@@ -6262,12 +6989,12 @@
           </a:ln>
         </p:spPr>
         <p:txBody>
-          <a:bodyPr anchorCtr="0" anchor="t" bIns="91425" lIns="91425" spcFirstLastPara="1" rIns="91425" wrap="square" tIns="91425">
+          <a:bodyPr spcFirstLastPara="1" wrap="square" lIns="91425" tIns="91425" rIns="91425" bIns="91425" anchor="t" anchorCtr="0">
             <a:noAutofit/>
           </a:bodyPr>
           <a:lstStyle/>
           <a:p>
-            <a:pPr indent="0" lvl="0" marL="0" rtl="0" algn="l">
+            <a:pPr marL="0" lvl="0" indent="0" algn="l" rtl="0">
               <a:spcBef>
                 <a:spcPts val="0"/>
               </a:spcBef>
@@ -6277,7 +7004,7 @@
               <a:buNone/>
             </a:pPr>
             <a:r>
-              <a:rPr b="1" lang="en" sz="2000">
+              <a:rPr lang="en" sz="2000" b="1" dirty="0">
                 <a:solidFill>
                   <a:srgbClr val="FFFF00"/>
                 </a:solidFill>
@@ -6286,10 +7013,10 @@
                 <a:cs typeface="Times New Roman"/>
                 <a:sym typeface="Times New Roman"/>
               </a:rPr>
-              <a:t>Ephem</a:t>
+              <a:t>Skyfield</a:t>
             </a:r>
             <a:r>
-              <a:rPr i="1" lang="en" sz="2000">
+              <a:rPr lang="en" sz="2000" i="1" dirty="0">
                 <a:solidFill>
                   <a:srgbClr val="FFFF00"/>
                 </a:solidFill>
@@ -6301,7 +7028,7 @@
               <a:t> </a:t>
             </a:r>
             <a:r>
-              <a:rPr lang="en" sz="1800">
+              <a:rPr lang="en" sz="1800" dirty="0">
                 <a:solidFill>
                   <a:srgbClr val="FFFF00"/>
                 </a:solidFill>
@@ -6313,7 +7040,7 @@
               <a:t>- </a:t>
             </a:r>
             <a:r>
-              <a:rPr lang="en" sz="1100">
+              <a:rPr lang="en-US" sz="1100" dirty="0" err="1">
                 <a:solidFill>
                   <a:srgbClr val="FFFF00"/>
                 </a:solidFill>
@@ -6322,9 +7049,21 @@
                 <a:cs typeface="Times New Roman"/>
                 <a:sym typeface="Times New Roman"/>
               </a:rPr>
-              <a:t>PyEphem provides ephem Python package for performing high-precision astronomy computations</a:t>
+              <a:t>Skyfield</a:t>
             </a:r>
-            <a:endParaRPr sz="1100">
+            <a:r>
+              <a:rPr lang="en-US" sz="1100" dirty="0">
+                <a:solidFill>
+                  <a:srgbClr val="FFFF00"/>
+                </a:solidFill>
+                <a:latin typeface="Times New Roman"/>
+                <a:ea typeface="Times New Roman"/>
+                <a:cs typeface="Times New Roman"/>
+                <a:sym typeface="Times New Roman"/>
+              </a:rPr>
+              <a:t> is a pure-Python astronomy package that is compatible with both Python 2 and 3 and makes it easy to generate high precision research-grade positions for planets and Earth satellites.</a:t>
+            </a:r>
+            <a:endParaRPr sz="1100" dirty="0">
               <a:solidFill>
                 <a:srgbClr val="FFFF00"/>
               </a:solidFill>
@@ -6336,34 +7075,6 @@
           </a:p>
         </p:txBody>
       </p:sp>
-      <p:pic>
-        <p:nvPicPr>
-          <p:cNvPr id="64" name="Google Shape;64;p14"/>
-          <p:cNvPicPr preferRelativeResize="0"/>
-          <p:nvPr/>
-        </p:nvPicPr>
-        <p:blipFill>
-          <a:blip r:embed="rId3">
-            <a:alphaModFix/>
-          </a:blip>
-          <a:stretch>
-            <a:fillRect/>
-          </a:stretch>
-        </p:blipFill>
-        <p:spPr>
-          <a:xfrm>
-            <a:off x="1237413" y="888350"/>
-            <a:ext cx="1445487" cy="641700"/>
-          </a:xfrm>
-          <a:prstGeom prst="rect">
-            <a:avLst/>
-          </a:prstGeom>
-          <a:noFill/>
-          <a:ln>
-            <a:noFill/>
-          </a:ln>
-        </p:spPr>
-      </p:pic>
       <p:sp>
         <p:nvSpPr>
           <p:cNvPr id="65" name="Google Shape;65;p14"/>
@@ -6384,12 +7095,12 @@
           </a:ln>
         </p:spPr>
         <p:txBody>
-          <a:bodyPr anchorCtr="0" anchor="t" bIns="91425" lIns="91425" spcFirstLastPara="1" rIns="91425" wrap="square" tIns="91425">
+          <a:bodyPr spcFirstLastPara="1" wrap="square" lIns="91425" tIns="91425" rIns="91425" bIns="91425" anchor="t" anchorCtr="0">
             <a:noAutofit/>
           </a:bodyPr>
           <a:lstStyle/>
           <a:p>
-            <a:pPr indent="0" lvl="0" marL="0" rtl="0" algn="l">
+            <a:pPr marL="0" lvl="0" indent="0" algn="l" rtl="0">
               <a:spcBef>
                 <a:spcPts val="0"/>
               </a:spcBef>
@@ -6399,7 +7110,7 @@
               <a:buNone/>
             </a:pPr>
             <a:r>
-              <a:rPr b="1" lang="en" sz="2000">
+              <a:rPr lang="en" sz="2000" b="1" dirty="0">
                 <a:solidFill>
                   <a:srgbClr val="FFFF00"/>
                 </a:solidFill>
@@ -6411,7 +7122,7 @@
               <a:t>Pandas </a:t>
             </a:r>
             <a:r>
-              <a:rPr lang="en" sz="1800">
+              <a:rPr lang="en" sz="1800" dirty="0">
                 <a:solidFill>
                   <a:srgbClr val="FFFF00"/>
                 </a:solidFill>
@@ -6419,7 +7130,7 @@
               <a:t>- </a:t>
             </a:r>
             <a:r>
-              <a:rPr lang="en" sz="1100">
+              <a:rPr lang="en" sz="1100" dirty="0">
                 <a:solidFill>
                   <a:srgbClr val="FFFF00"/>
                 </a:solidFill>
@@ -6430,7 +7141,7 @@
               </a:rPr>
               <a:t>Python package that provides fast, flexible, and expressive data structures designed to make working with “relational” or “labeled” data both east and intuitive</a:t>
             </a:r>
-            <a:endParaRPr sz="1100">
+            <a:endParaRPr sz="1100" dirty="0">
               <a:solidFill>
                 <a:srgbClr val="FFFF00"/>
               </a:solidFill>
@@ -6449,7 +7160,7 @@
           <p:nvPr/>
         </p:nvPicPr>
         <p:blipFill>
-          <a:blip r:embed="rId4">
+          <a:blip r:embed="rId3">
             <a:alphaModFix/>
           </a:blip>
           <a:stretch>
@@ -6490,12 +7201,12 @@
           </a:ln>
         </p:spPr>
         <p:txBody>
-          <a:bodyPr anchorCtr="0" anchor="t" bIns="91425" lIns="91425" spcFirstLastPara="1" rIns="91425" wrap="square" tIns="91425">
+          <a:bodyPr spcFirstLastPara="1" wrap="square" lIns="91425" tIns="91425" rIns="91425" bIns="91425" anchor="t" anchorCtr="0">
             <a:noAutofit/>
           </a:bodyPr>
           <a:lstStyle/>
           <a:p>
-            <a:pPr indent="0" lvl="0" marL="0" rtl="0" algn="l">
+            <a:pPr marL="0" lvl="0" indent="0" algn="l" rtl="0">
               <a:spcBef>
                 <a:spcPts val="0"/>
               </a:spcBef>
@@ -6510,7 +7221,7 @@
               <a:buNone/>
             </a:pPr>
             <a:r>
-              <a:rPr b="1" lang="en" sz="2000">
+              <a:rPr lang="en" sz="2000" b="1">
                 <a:solidFill>
                   <a:srgbClr val="FFFF00"/>
                 </a:solidFill>
@@ -6522,7 +7233,7 @@
               <a:t>Math</a:t>
             </a:r>
             <a:r>
-              <a:rPr i="1" lang="en" sz="1800">
+              <a:rPr lang="en" sz="1800" i="1">
                 <a:solidFill>
                   <a:srgbClr val="FFFF00"/>
                 </a:solidFill>
@@ -6581,12 +7292,12 @@
           </a:ln>
         </p:spPr>
         <p:txBody>
-          <a:bodyPr anchorCtr="0" anchor="t" bIns="91425" lIns="91425" spcFirstLastPara="1" rIns="91425" wrap="square" tIns="91425">
+          <a:bodyPr spcFirstLastPara="1" wrap="square" lIns="91425" tIns="91425" rIns="91425" bIns="91425" anchor="t" anchorCtr="0">
             <a:noAutofit/>
           </a:bodyPr>
           <a:lstStyle/>
           <a:p>
-            <a:pPr indent="0" lvl="0" marL="0" rtl="0" algn="l">
+            <a:pPr marL="0" lvl="0" indent="0" algn="l" rtl="0">
               <a:spcBef>
                 <a:spcPts val="0"/>
               </a:spcBef>
@@ -6596,7 +7307,7 @@
               <a:buNone/>
             </a:pPr>
             <a:r>
-              <a:rPr b="1" lang="en" sz="2000">
+              <a:rPr lang="en" sz="2000" b="1">
                 <a:solidFill>
                   <a:srgbClr val="FFFF00"/>
                 </a:solidFill>
@@ -6608,7 +7319,7 @@
               <a:t>Datetime</a:t>
             </a:r>
             <a:r>
-              <a:rPr i="1" lang="en" sz="1800">
+              <a:rPr lang="en" sz="1800" i="1">
                 <a:solidFill>
                   <a:srgbClr val="FFFF00"/>
                 </a:solidFill>
@@ -6675,12 +7386,12 @@
           </a:ln>
         </p:spPr>
         <p:txBody>
-          <a:bodyPr anchorCtr="0" anchor="t" bIns="91425" lIns="91425" spcFirstLastPara="1" rIns="91425" wrap="square" tIns="91425">
+          <a:bodyPr spcFirstLastPara="1" wrap="square" lIns="91425" tIns="91425" rIns="91425" bIns="91425" anchor="t" anchorCtr="0">
             <a:noAutofit/>
           </a:bodyPr>
           <a:lstStyle/>
           <a:p>
-            <a:pPr indent="0" lvl="0" marL="0" rtl="0" algn="l">
+            <a:pPr marL="0" lvl="0" indent="0" algn="l" rtl="0">
               <a:spcBef>
                 <a:spcPts val="0"/>
               </a:spcBef>
@@ -6690,7 +7401,7 @@
               <a:buNone/>
             </a:pPr>
             <a:r>
-              <a:rPr b="1" lang="en" sz="2000">
+              <a:rPr lang="en" sz="2000" b="1">
                 <a:solidFill>
                   <a:srgbClr val="FFFF00"/>
                 </a:solidFill>
@@ -6732,7 +7443,7 @@
           <p:nvPr/>
         </p:nvPicPr>
         <p:blipFill>
-          <a:blip r:embed="rId5">
+          <a:blip r:embed="rId4">
             <a:alphaModFix/>
           </a:blip>
           <a:stretch>
@@ -6773,12 +7484,12 @@
           </a:ln>
         </p:spPr>
         <p:txBody>
-          <a:bodyPr anchorCtr="0" anchor="t" bIns="91425" lIns="91425" spcFirstLastPara="1" rIns="91425" wrap="square" tIns="91425">
+          <a:bodyPr spcFirstLastPara="1" wrap="square" lIns="91425" tIns="91425" rIns="91425" bIns="91425" anchor="t" anchorCtr="0">
             <a:noAutofit/>
           </a:bodyPr>
           <a:lstStyle/>
           <a:p>
-            <a:pPr indent="0" lvl="0" marL="0" rtl="0" algn="l">
+            <a:pPr marL="0" lvl="0" indent="0" algn="l" rtl="0">
               <a:spcBef>
                 <a:spcPts val="0"/>
               </a:spcBef>
@@ -6788,7 +7499,7 @@
               <a:buNone/>
             </a:pPr>
             <a:r>
-              <a:rPr b="1" lang="en" sz="2000">
+              <a:rPr lang="en" sz="2000" b="1">
                 <a:solidFill>
                   <a:srgbClr val="FFFF00"/>
                 </a:solidFill>
@@ -6830,7 +7541,7 @@
           <p:nvPr/>
         </p:nvPicPr>
         <p:blipFill>
-          <a:blip r:embed="rId6">
+          <a:blip r:embed="rId5">
             <a:alphaModFix/>
           </a:blip>
           <a:stretch>
@@ -6871,12 +7582,12 @@
           </a:ln>
         </p:spPr>
         <p:txBody>
-          <a:bodyPr anchorCtr="0" anchor="t" bIns="91425" lIns="91425" spcFirstLastPara="1" rIns="91425" wrap="square" tIns="91425">
+          <a:bodyPr spcFirstLastPara="1" wrap="square" lIns="91425" tIns="91425" rIns="91425" bIns="91425" anchor="t" anchorCtr="0">
             <a:noAutofit/>
           </a:bodyPr>
           <a:lstStyle/>
           <a:p>
-            <a:pPr indent="0" lvl="0" marL="0" rtl="0" algn="l">
+            <a:pPr marL="0" lvl="0" indent="0" algn="l" rtl="0">
               <a:spcBef>
                 <a:spcPts val="0"/>
               </a:spcBef>
@@ -6886,7 +7597,7 @@
               <a:buNone/>
             </a:pPr>
             <a:r>
-              <a:rPr b="1" lang="en" sz="2000">
+              <a:rPr lang="en" sz="2000" b="1">
                 <a:solidFill>
                   <a:srgbClr val="FFFF00"/>
                 </a:solidFill>
@@ -6895,19 +7606,7 @@
                 <a:cs typeface="Times New Roman"/>
                 <a:sym typeface="Times New Roman"/>
               </a:rPr>
-              <a:t>t</a:t>
-            </a:r>
-            <a:r>
-              <a:rPr b="1" lang="en" sz="2000">
-                <a:solidFill>
-                  <a:srgbClr val="FFFF00"/>
-                </a:solidFill>
-                <a:latin typeface="Times New Roman"/>
-                <a:ea typeface="Times New Roman"/>
-                <a:cs typeface="Times New Roman"/>
-                <a:sym typeface="Times New Roman"/>
-              </a:rPr>
-              <a:t>qdm </a:t>
+              <a:t>tqdm </a:t>
             </a:r>
             <a:r>
               <a:rPr lang="en" sz="1800">
@@ -6948,7 +7647,7 @@
           <p:nvPr/>
         </p:nvPicPr>
         <p:blipFill>
-          <a:blip r:embed="rId7">
+          <a:blip r:embed="rId6">
             <a:alphaModFix/>
           </a:blip>
           <a:stretch>
@@ -6989,12 +7688,12 @@
           </a:ln>
         </p:spPr>
         <p:txBody>
-          <a:bodyPr anchorCtr="0" anchor="t" bIns="91425" lIns="91425" spcFirstLastPara="1" rIns="91425" wrap="square" tIns="91425">
+          <a:bodyPr spcFirstLastPara="1" wrap="square" lIns="91425" tIns="91425" rIns="91425" bIns="91425" anchor="t" anchorCtr="0">
             <a:noAutofit/>
           </a:bodyPr>
           <a:lstStyle/>
           <a:p>
-            <a:pPr indent="0" lvl="0" marL="0" rtl="0" algn="l">
+            <a:pPr marL="0" lvl="0" indent="0" algn="l" rtl="0">
               <a:spcBef>
                 <a:spcPts val="0"/>
               </a:spcBef>
@@ -7004,7 +7703,7 @@
               <a:buNone/>
             </a:pPr>
             <a:r>
-              <a:rPr b="1" lang="en" sz="2000">
+              <a:rPr lang="en" sz="2000" b="1">
                 <a:solidFill>
                   <a:srgbClr val="FFFF00"/>
                 </a:solidFill>
@@ -7054,7 +7753,7 @@
           <p:nvPr/>
         </p:nvPicPr>
         <p:blipFill>
-          <a:blip r:embed="rId8">
+          <a:blip r:embed="rId7">
             <a:alphaModFix/>
           </a:blip>
           <a:stretch>
@@ -7075,6 +7774,36 @@
           </a:ln>
         </p:spPr>
       </p:pic>
+      <p:pic>
+        <p:nvPicPr>
+          <p:cNvPr id="3" name="Picture 2">
+            <a:extLst>
+              <a:ext uri="{FF2B5EF4-FFF2-40B4-BE49-F238E27FC236}">
+                <a16:creationId xmlns:a16="http://schemas.microsoft.com/office/drawing/2014/main" id="{2E07F0D8-F6C3-6AC8-3B88-04482AD5F2DC}"/>
+              </a:ext>
+            </a:extLst>
+          </p:cNvPr>
+          <p:cNvPicPr>
+            <a:picLocks noChangeAspect="1"/>
+          </p:cNvPicPr>
+          <p:nvPr/>
+        </p:nvPicPr>
+        <p:blipFill>
+          <a:blip r:embed="rId8"/>
+          <a:stretch>
+            <a:fillRect/>
+          </a:stretch>
+        </p:blipFill>
+        <p:spPr>
+          <a:xfrm>
+            <a:off x="1000808" y="1241266"/>
+            <a:ext cx="1918683" cy="371793"/>
+          </a:xfrm>
+          <a:prstGeom prst="rect">
+            <a:avLst/>
+          </a:prstGeom>
+        </p:spPr>
+      </p:pic>
     </p:spTree>
   </p:cSld>
   <p:clrMapOvr>
@@ -7084,18 +7813,394 @@
 </file>
 
 <file path=ppt/slides/slide3.xml><?xml version="1.0" encoding="utf-8"?>
-<p:sld xmlns:a="http://schemas.openxmlformats.org/drawingml/2006/main" xmlns:r="http://schemas.openxmlformats.org/officeDocument/2006/relationships" xmlns:mc="http://schemas.openxmlformats.org/markup-compatibility/2006" xmlns:mv="urn:schemas-microsoft-com:mac:vml" xmlns:p="http://schemas.openxmlformats.org/presentationml/2006/main" xmlns:c="http://schemas.openxmlformats.org/drawingml/2006/chart" xmlns:dgm="http://schemas.openxmlformats.org/drawingml/2006/diagram" xmlns:o="urn:schemas-microsoft-com:office:office" xmlns:v="urn:schemas-microsoft-com:vml" xmlns:pvml="urn:schemas-microsoft-com:office:powerpoint" xmlns:com="http://schemas.openxmlformats.org/drawingml/2006/compatibility" xmlns:p14="http://schemas.microsoft.com/office/powerpoint/2010/main" xmlns:p15="http://schemas.microsoft.com/office/powerpoint/2012/main" xmlns:ahyp="http://schemas.microsoft.com/office/drawing/2018/hyperlinkcolor">
+<p:sld xmlns:a="http://schemas.openxmlformats.org/drawingml/2006/main" xmlns:r="http://schemas.openxmlformats.org/officeDocument/2006/relationships" xmlns:p="http://schemas.openxmlformats.org/presentationml/2006/main">
   <p:cSld>
     <p:bg>
       <p:bgPr>
         <a:solidFill>
           <a:srgbClr val="434343"/>
         </a:solidFill>
+        <a:effectLst/>
       </p:bgPr>
     </p:bg>
     <p:spTree>
       <p:nvGrpSpPr>
-        <p:cNvPr id="80" name="Shape 80"/>
+        <p:cNvPr id="1" name="Shape 60"/>
+        <p:cNvGrpSpPr/>
+        <p:nvPr/>
+      </p:nvGrpSpPr>
+      <p:grpSpPr>
+        <a:xfrm>
+          <a:off x="0" y="0"/>
+          <a:ext cx="0" cy="0"/>
+          <a:chOff x="0" y="0"/>
+          <a:chExt cx="0" cy="0"/>
+        </a:xfrm>
+      </p:grpSpPr>
+      <p:sp>
+        <p:nvSpPr>
+          <p:cNvPr id="61" name="Google Shape;61;p14"/>
+          <p:cNvSpPr txBox="1"/>
+          <p:nvPr/>
+        </p:nvSpPr>
+        <p:spPr>
+          <a:xfrm>
+            <a:off x="2312100" y="84950"/>
+            <a:ext cx="4519800" cy="641700"/>
+          </a:xfrm>
+          <a:prstGeom prst="rect">
+            <a:avLst/>
+          </a:prstGeom>
+          <a:noFill/>
+          <a:ln>
+            <a:noFill/>
+          </a:ln>
+        </p:spPr>
+        <p:txBody>
+          <a:bodyPr spcFirstLastPara="1" wrap="square" lIns="91425" tIns="91425" rIns="91425" bIns="91425" anchor="t" anchorCtr="0">
+            <a:noAutofit/>
+          </a:bodyPr>
+          <a:lstStyle/>
+          <a:p>
+            <a:pPr marL="0" lvl="0" indent="0" algn="ctr" rtl="0">
+              <a:spcBef>
+                <a:spcPts val="0"/>
+              </a:spcBef>
+              <a:spcAft>
+                <a:spcPts val="0"/>
+              </a:spcAft>
+              <a:buNone/>
+            </a:pPr>
+            <a:r>
+              <a:rPr lang="en" sz="1800" i="1" dirty="0">
+                <a:solidFill>
+                  <a:schemeClr val="dk1"/>
+                </a:solidFill>
+                <a:highlight>
+                  <a:schemeClr val="accent6"/>
+                </a:highlight>
+                <a:latin typeface="Times New Roman"/>
+                <a:ea typeface="Times New Roman"/>
+                <a:cs typeface="Times New Roman"/>
+                <a:sym typeface="Times New Roman"/>
+              </a:rPr>
+              <a:t>ALL </a:t>
+            </a:r>
+            <a:r>
+              <a:rPr lang="en" sz="1800" b="1" i="1" dirty="0">
+                <a:solidFill>
+                  <a:schemeClr val="dk1"/>
+                </a:solidFill>
+                <a:highlight>
+                  <a:schemeClr val="accent6"/>
+                </a:highlight>
+                <a:latin typeface="Times New Roman"/>
+                <a:ea typeface="Times New Roman"/>
+                <a:cs typeface="Times New Roman"/>
+                <a:sym typeface="Times New Roman"/>
+              </a:rPr>
+              <a:t>PYTHON </a:t>
+            </a:r>
+            <a:r>
+              <a:rPr lang="en" sz="1800" i="1" dirty="0">
+                <a:solidFill>
+                  <a:schemeClr val="dk1"/>
+                </a:solidFill>
+                <a:highlight>
+                  <a:schemeClr val="accent6"/>
+                </a:highlight>
+                <a:latin typeface="Times New Roman"/>
+                <a:ea typeface="Times New Roman"/>
+                <a:cs typeface="Times New Roman"/>
+                <a:sym typeface="Times New Roman"/>
+              </a:rPr>
+              <a:t>PACKAGES UTILIZED: continued…</a:t>
+            </a:r>
+            <a:endParaRPr sz="1800" i="1" dirty="0">
+              <a:solidFill>
+                <a:schemeClr val="dk1"/>
+              </a:solidFill>
+              <a:highlight>
+                <a:schemeClr val="accent6"/>
+              </a:highlight>
+              <a:latin typeface="Times New Roman"/>
+              <a:ea typeface="Times New Roman"/>
+              <a:cs typeface="Times New Roman"/>
+              <a:sym typeface="Times New Roman"/>
+            </a:endParaRPr>
+          </a:p>
+        </p:txBody>
+      </p:sp>
+      <p:cxnSp>
+        <p:nvCxnSpPr>
+          <p:cNvPr id="62" name="Google Shape;62;p14"/>
+          <p:cNvCxnSpPr>
+            <a:stCxn id="61" idx="2"/>
+          </p:cNvCxnSpPr>
+          <p:nvPr/>
+        </p:nvCxnSpPr>
+        <p:spPr>
+          <a:xfrm>
+            <a:off x="4572000" y="726650"/>
+            <a:ext cx="12900" cy="4293900"/>
+          </a:xfrm>
+          <a:prstGeom prst="straightConnector1">
+            <a:avLst/>
+          </a:prstGeom>
+          <a:noFill/>
+          <a:ln w="9525" cap="flat" cmpd="sng">
+            <a:solidFill>
+              <a:schemeClr val="dk2"/>
+            </a:solidFill>
+            <a:prstDash val="solid"/>
+            <a:round/>
+            <a:headEnd type="none" w="med" len="med"/>
+            <a:tailEnd type="none" w="med" len="med"/>
+          </a:ln>
+        </p:spPr>
+      </p:cxnSp>
+      <p:sp>
+        <p:nvSpPr>
+          <p:cNvPr id="63" name="Google Shape;63;p14"/>
+          <p:cNvSpPr txBox="1"/>
+          <p:nvPr/>
+        </p:nvSpPr>
+        <p:spPr>
+          <a:xfrm>
+            <a:off x="165863" y="279125"/>
+            <a:ext cx="3588600" cy="714000"/>
+          </a:xfrm>
+          <a:prstGeom prst="rect">
+            <a:avLst/>
+          </a:prstGeom>
+          <a:noFill/>
+          <a:ln>
+            <a:noFill/>
+          </a:ln>
+        </p:spPr>
+        <p:txBody>
+          <a:bodyPr spcFirstLastPara="1" wrap="square" lIns="91425" tIns="91425" rIns="91425" bIns="91425" anchor="t" anchorCtr="0">
+            <a:noAutofit/>
+          </a:bodyPr>
+          <a:lstStyle/>
+          <a:p>
+            <a:pPr marL="0" lvl="0" indent="0" algn="l" rtl="0">
+              <a:spcBef>
+                <a:spcPts val="0"/>
+              </a:spcBef>
+              <a:spcAft>
+                <a:spcPts val="0"/>
+              </a:spcAft>
+              <a:buNone/>
+            </a:pPr>
+            <a:r>
+              <a:rPr lang="en" sz="2000" b="1" dirty="0">
+                <a:solidFill>
+                  <a:srgbClr val="FFFF00"/>
+                </a:solidFill>
+                <a:latin typeface="Times New Roman"/>
+                <a:ea typeface="Times New Roman"/>
+                <a:cs typeface="Times New Roman"/>
+                <a:sym typeface="Times New Roman"/>
+              </a:rPr>
+              <a:t>ZoneInfo</a:t>
+            </a:r>
+            <a:r>
+              <a:rPr lang="en" sz="2000" i="1" dirty="0">
+                <a:solidFill>
+                  <a:srgbClr val="FFFF00"/>
+                </a:solidFill>
+                <a:latin typeface="Times New Roman"/>
+                <a:ea typeface="Times New Roman"/>
+                <a:cs typeface="Times New Roman"/>
+                <a:sym typeface="Times New Roman"/>
+              </a:rPr>
+              <a:t> </a:t>
+            </a:r>
+            <a:r>
+              <a:rPr lang="en" sz="1800" dirty="0">
+                <a:solidFill>
+                  <a:srgbClr val="FFFF00"/>
+                </a:solidFill>
+                <a:latin typeface="Times New Roman"/>
+                <a:ea typeface="Times New Roman"/>
+                <a:cs typeface="Times New Roman"/>
+                <a:sym typeface="Times New Roman"/>
+              </a:rPr>
+              <a:t>– </a:t>
+            </a:r>
+            <a:r>
+              <a:rPr lang="en-US" sz="1100" dirty="0">
+                <a:solidFill>
+                  <a:srgbClr val="FFFF00"/>
+                </a:solidFill>
+                <a:latin typeface="Times New Roman"/>
+                <a:ea typeface="Times New Roman"/>
+                <a:cs typeface="Times New Roman"/>
+                <a:sym typeface="Times New Roman"/>
+              </a:rPr>
+              <a:t>built-in Python module provides a concrete time zone implementation to support the IANA time zone database </a:t>
+            </a:r>
+            <a:endParaRPr sz="1100" dirty="0">
+              <a:solidFill>
+                <a:srgbClr val="FFFF00"/>
+              </a:solidFill>
+              <a:latin typeface="Times New Roman"/>
+              <a:ea typeface="Times New Roman"/>
+              <a:cs typeface="Times New Roman"/>
+              <a:sym typeface="Times New Roman"/>
+            </a:endParaRPr>
+          </a:p>
+        </p:txBody>
+      </p:sp>
+      <p:sp>
+        <p:nvSpPr>
+          <p:cNvPr id="67" name="Google Shape;67;p14"/>
+          <p:cNvSpPr txBox="1"/>
+          <p:nvPr/>
+        </p:nvSpPr>
+        <p:spPr>
+          <a:xfrm>
+            <a:off x="165863" y="1090755"/>
+            <a:ext cx="3588600" cy="599100"/>
+          </a:xfrm>
+          <a:prstGeom prst="rect">
+            <a:avLst/>
+          </a:prstGeom>
+          <a:noFill/>
+          <a:ln>
+            <a:noFill/>
+          </a:ln>
+        </p:spPr>
+        <p:txBody>
+          <a:bodyPr spcFirstLastPara="1" wrap="square" lIns="91425" tIns="91425" rIns="91425" bIns="91425" anchor="t" anchorCtr="0">
+            <a:noAutofit/>
+          </a:bodyPr>
+          <a:lstStyle/>
+          <a:p>
+            <a:pPr marL="0" lvl="0" indent="0" algn="l" rtl="0">
+              <a:spcBef>
+                <a:spcPts val="0"/>
+              </a:spcBef>
+              <a:spcAft>
+                <a:spcPts val="0"/>
+              </a:spcAft>
+              <a:buClr>
+                <a:schemeClr val="dk1"/>
+              </a:buClr>
+              <a:buSzPts val="1100"/>
+              <a:buFont typeface="Arial"/>
+              <a:buNone/>
+            </a:pPr>
+            <a:r>
+              <a:rPr lang="en" sz="2000" b="1" dirty="0">
+                <a:solidFill>
+                  <a:srgbClr val="FFFF00"/>
+                </a:solidFill>
+                <a:latin typeface="Times New Roman"/>
+                <a:ea typeface="Times New Roman"/>
+                <a:cs typeface="Times New Roman"/>
+                <a:sym typeface="Times New Roman"/>
+              </a:rPr>
+              <a:t>timezonefinder</a:t>
+            </a:r>
+            <a:r>
+              <a:rPr lang="en" sz="1800" i="1" dirty="0">
+                <a:solidFill>
+                  <a:srgbClr val="FFFF00"/>
+                </a:solidFill>
+              </a:rPr>
+              <a:t> </a:t>
+            </a:r>
+            <a:r>
+              <a:rPr lang="en" sz="1800" dirty="0">
+                <a:solidFill>
+                  <a:srgbClr val="FFFF00"/>
+                </a:solidFill>
+              </a:rPr>
+              <a:t>- </a:t>
+            </a:r>
+            <a:r>
+              <a:rPr lang="en" sz="1100" dirty="0">
+                <a:solidFill>
+                  <a:srgbClr val="FFFF00"/>
+                </a:solidFill>
+                <a:latin typeface="Times New Roman"/>
+                <a:ea typeface="Times New Roman"/>
+                <a:cs typeface="Times New Roman"/>
+                <a:sym typeface="Times New Roman"/>
+              </a:rPr>
+              <a:t>Built-in Python library made to simplify mathematical tasks in Python </a:t>
+            </a:r>
+            <a:endParaRPr sz="1700" dirty="0">
+              <a:solidFill>
+                <a:srgbClr val="FFFF00"/>
+              </a:solidFill>
+              <a:latin typeface="Times New Roman"/>
+              <a:ea typeface="Times New Roman"/>
+              <a:cs typeface="Times New Roman"/>
+              <a:sym typeface="Times New Roman"/>
+            </a:endParaRPr>
+          </a:p>
+        </p:txBody>
+      </p:sp>
+      <p:pic>
+        <p:nvPicPr>
+          <p:cNvPr id="4" name="Picture 3">
+            <a:extLst>
+              <a:ext uri="{FF2B5EF4-FFF2-40B4-BE49-F238E27FC236}">
+                <a16:creationId xmlns:a16="http://schemas.microsoft.com/office/drawing/2014/main" id="{B2D4F95C-84BC-037F-80F3-DC9294687A3E}"/>
+              </a:ext>
+            </a:extLst>
+          </p:cNvPr>
+          <p:cNvPicPr>
+            <a:picLocks noChangeAspect="1"/>
+          </p:cNvPicPr>
+          <p:nvPr/>
+        </p:nvPicPr>
+        <p:blipFill>
+          <a:blip r:embed="rId3"/>
+          <a:stretch>
+            <a:fillRect/>
+          </a:stretch>
+        </p:blipFill>
+        <p:spPr>
+          <a:xfrm>
+            <a:off x="871076" y="1783421"/>
+            <a:ext cx="2176267" cy="363076"/>
+          </a:xfrm>
+          <a:prstGeom prst="rect">
+            <a:avLst/>
+          </a:prstGeom>
+        </p:spPr>
+      </p:pic>
+    </p:spTree>
+    <p:extLst>
+      <p:ext uri="{BB962C8B-B14F-4D97-AF65-F5344CB8AC3E}">
+        <p14:creationId xmlns:p14="http://schemas.microsoft.com/office/powerpoint/2010/main" val="2312968764"/>
+      </p:ext>
+    </p:extLst>
+  </p:cSld>
+  <p:clrMapOvr>
+    <a:masterClrMapping/>
+  </p:clrMapOvr>
+</p:sld>
+</file>
+
+<file path=ppt/slides/slide4.xml><?xml version="1.0" encoding="utf-8"?>
+<p:sld xmlns:a="http://schemas.openxmlformats.org/drawingml/2006/main" xmlns:r="http://schemas.openxmlformats.org/officeDocument/2006/relationships" xmlns:p="http://schemas.openxmlformats.org/presentationml/2006/main">
+  <p:cSld>
+    <p:bg>
+      <p:bgPr>
+        <a:solidFill>
+          <a:srgbClr val="434343"/>
+        </a:solidFill>
+        <a:effectLst/>
+      </p:bgPr>
+    </p:bg>
+    <p:spTree>
+      <p:nvGrpSpPr>
+        <p:cNvPr id="1" name="Shape 80"/>
         <p:cNvGrpSpPr/>
         <p:nvPr/>
       </p:nvGrpSpPr>
@@ -7127,12 +8232,12 @@
           </a:ln>
         </p:spPr>
         <p:txBody>
-          <a:bodyPr anchorCtr="0" anchor="t" bIns="91425" lIns="91425" spcFirstLastPara="1" rIns="91425" wrap="square" tIns="91425">
+          <a:bodyPr spcFirstLastPara="1" wrap="square" lIns="91425" tIns="91425" rIns="91425" bIns="91425" anchor="t" anchorCtr="0">
             <a:noAutofit/>
           </a:bodyPr>
           <a:lstStyle/>
           <a:p>
-            <a:pPr indent="0" lvl="0" marL="0" rtl="0" algn="ctr">
+            <a:pPr marL="0" lvl="0" indent="0" algn="ctr" rtl="0">
               <a:spcBef>
                 <a:spcPts val="0"/>
               </a:spcBef>
@@ -7142,7 +8247,7 @@
               <a:buNone/>
             </a:pPr>
             <a:r>
-              <a:rPr i="1" lang="en" sz="1800">
+              <a:rPr lang="en" sz="1800" i="1">
                 <a:solidFill>
                   <a:schemeClr val="dk1"/>
                 </a:solidFill>
@@ -7156,7 +8261,7 @@
               </a:rPr>
               <a:t>CALCULATING OBSCURATION… </a:t>
             </a:r>
-            <a:endParaRPr i="1" sz="1800">
+            <a:endParaRPr sz="1800" i="1">
               <a:solidFill>
                 <a:schemeClr val="dk1"/>
               </a:solidFill>
@@ -7191,12 +8296,12 @@
           </a:ln>
         </p:spPr>
         <p:txBody>
-          <a:bodyPr anchorCtr="0" anchor="t" bIns="91425" lIns="91425" spcFirstLastPara="1" rIns="91425" wrap="square" tIns="91425">
+          <a:bodyPr spcFirstLastPara="1" wrap="square" lIns="91425" tIns="91425" rIns="91425" bIns="91425" anchor="t" anchorCtr="0">
             <a:spAutoFit/>
           </a:bodyPr>
           <a:lstStyle/>
           <a:p>
-            <a:pPr indent="0" lvl="0" marL="0" rtl="0" algn="l">
+            <a:pPr marL="0" lvl="0" indent="0" algn="l" rtl="0">
               <a:spcBef>
                 <a:spcPts val="0"/>
               </a:spcBef>
@@ -7205,9 +8310,6 @@
               </a:spcAft>
               <a:buNone/>
             </a:pPr>
-            <a:r>
-              <a:t/>
-            </a:r>
             <a:endParaRPr sz="1800">
               <a:solidFill>
                 <a:schemeClr val="dk2"/>
@@ -7236,12 +8338,12 @@
           </a:ln>
         </p:spPr>
         <p:txBody>
-          <a:bodyPr anchorCtr="0" anchor="t" bIns="91425" lIns="91425" spcFirstLastPara="1" rIns="91425" wrap="square" tIns="91425">
+          <a:bodyPr spcFirstLastPara="1" wrap="square" lIns="91425" tIns="91425" rIns="91425" bIns="91425" anchor="t" anchorCtr="0">
             <a:noAutofit/>
           </a:bodyPr>
           <a:lstStyle/>
           <a:p>
-            <a:pPr indent="0" lvl="0" marL="0" rtl="0" algn="ctr">
+            <a:pPr marL="0" lvl="0" indent="0" algn="ctr" rtl="0">
               <a:spcBef>
                 <a:spcPts val="0"/>
               </a:spcBef>
@@ -7251,7 +8353,7 @@
               <a:buNone/>
             </a:pPr>
             <a:r>
-              <a:rPr i="1" lang="en" sz="1800">
+              <a:rPr lang="en" sz="1800" i="1">
                 <a:solidFill>
                   <a:schemeClr val="accent6"/>
                 </a:solidFill>
@@ -7285,7 +8387,7 @@
             </a:endParaRPr>
           </a:p>
           <a:p>
-            <a:pPr indent="0" lvl="0" marL="0" rtl="0" algn="ctr">
+            <a:pPr marL="0" lvl="0" indent="0" algn="ctr" rtl="0">
               <a:spcBef>
                 <a:spcPts val="0"/>
               </a:spcBef>
@@ -7318,7 +8420,7 @@
             </a:endParaRPr>
           </a:p>
           <a:p>
-            <a:pPr indent="0" lvl="0" marL="0" rtl="0" algn="ctr">
+            <a:pPr marL="0" lvl="0" indent="0" algn="ctr" rtl="0">
               <a:spcBef>
                 <a:spcPts val="0"/>
               </a:spcBef>
@@ -7327,9 +8429,6 @@
               </a:spcAft>
               <a:buNone/>
             </a:pPr>
-            <a:r>
-              <a:t/>
-            </a:r>
             <a:endParaRPr sz="1800">
               <a:solidFill>
                 <a:schemeClr val="accent6"/>
@@ -7341,7 +8440,7 @@
             </a:endParaRPr>
           </a:p>
           <a:p>
-            <a:pPr indent="0" lvl="0" marL="0" rtl="0" algn="ctr">
+            <a:pPr marL="0" lvl="0" indent="0" algn="ctr" rtl="0">
               <a:spcBef>
                 <a:spcPts val="0"/>
               </a:spcBef>
@@ -7350,9 +8449,6 @@
               </a:spcAft>
               <a:buNone/>
             </a:pPr>
-            <a:r>
-              <a:t/>
-            </a:r>
             <a:endParaRPr sz="1800">
               <a:solidFill>
                 <a:schemeClr val="accent6"/>
@@ -7364,7 +8460,7 @@
             </a:endParaRPr>
           </a:p>
           <a:p>
-            <a:pPr indent="0" lvl="0" marL="0" rtl="0" algn="l">
+            <a:pPr marL="0" lvl="0" indent="0" algn="l" rtl="0">
               <a:spcBef>
                 <a:spcPts val="0"/>
               </a:spcBef>
@@ -7373,9 +8469,6 @@
               </a:spcAft>
               <a:buNone/>
             </a:pPr>
-            <a:r>
-              <a:t/>
-            </a:r>
             <a:endParaRPr sz="1800">
               <a:solidFill>
                 <a:schemeClr val="accent6"/>
@@ -7408,12 +8501,12 @@
           </a:ln>
         </p:spPr>
         <p:txBody>
-          <a:bodyPr anchorCtr="0" anchor="t" bIns="91425" lIns="91425" spcFirstLastPara="1" rIns="91425" wrap="square" tIns="91425">
+          <a:bodyPr spcFirstLastPara="1" wrap="square" lIns="91425" tIns="91425" rIns="91425" bIns="91425" anchor="t" anchorCtr="0">
             <a:noAutofit/>
           </a:bodyPr>
           <a:lstStyle/>
           <a:p>
-            <a:pPr indent="0" lvl="0" marL="457200" rtl="0" algn="l">
+            <a:pPr marL="457200" lvl="0" indent="0" algn="l" rtl="0">
               <a:spcBef>
                 <a:spcPts val="0"/>
               </a:spcBef>
@@ -7487,30 +8580,30 @@
           </a:xfrm>
           <a:prstGeom prst="rightArrow">
             <a:avLst>
-              <a:gd fmla="val 50000" name="adj1"/>
-              <a:gd fmla="val 50000" name="adj2"/>
+              <a:gd name="adj1" fmla="val 50000"/>
+              <a:gd name="adj2" fmla="val 50000"/>
             </a:avLst>
           </a:prstGeom>
           <a:solidFill>
             <a:schemeClr val="lt2"/>
           </a:solidFill>
-          <a:ln cap="flat" cmpd="sng" w="9525">
+          <a:ln w="9525" cap="flat" cmpd="sng">
             <a:solidFill>
               <a:schemeClr val="dk2"/>
             </a:solidFill>
             <a:prstDash val="solid"/>
             <a:round/>
-            <a:headEnd len="sm" w="sm" type="none"/>
-            <a:tailEnd len="sm" w="sm" type="none"/>
+            <a:headEnd type="none" w="sm" len="sm"/>
+            <a:tailEnd type="none" w="sm" len="sm"/>
           </a:ln>
         </p:spPr>
         <p:txBody>
-          <a:bodyPr anchorCtr="0" anchor="ctr" bIns="91425" lIns="91425" spcFirstLastPara="1" rIns="91425" wrap="square" tIns="91425">
+          <a:bodyPr spcFirstLastPara="1" wrap="square" lIns="91425" tIns="91425" rIns="91425" bIns="91425" anchor="ctr" anchorCtr="0">
             <a:noAutofit/>
           </a:bodyPr>
           <a:lstStyle/>
           <a:p>
-            <a:pPr indent="0" lvl="0" marL="0" rtl="0" algn="ctr">
+            <a:pPr marL="0" lvl="0" indent="0" algn="ctr" rtl="0">
               <a:spcBef>
                 <a:spcPts val="0"/>
               </a:spcBef>
@@ -7519,9 +8612,6 @@
               </a:spcAft>
               <a:buNone/>
             </a:pPr>
-            <a:r>
-              <a:t/>
-            </a:r>
             <a:endParaRPr/>
           </a:p>
         </p:txBody>
@@ -7574,12 +8664,12 @@
           </a:ln>
         </p:spPr>
         <p:txBody>
-          <a:bodyPr anchorCtr="0" anchor="t" bIns="91425" lIns="91425" spcFirstLastPara="1" rIns="91425" wrap="square" tIns="91425">
+          <a:bodyPr spcFirstLastPara="1" wrap="square" lIns="91425" tIns="91425" rIns="91425" bIns="91425" anchor="t" anchorCtr="0">
             <a:noAutofit/>
           </a:bodyPr>
           <a:lstStyle/>
           <a:p>
-            <a:pPr indent="0" lvl="0" marL="457200" rtl="0" algn="l">
+            <a:pPr marL="457200" lvl="0" indent="0" algn="l" rtl="0">
               <a:spcBef>
                 <a:spcPts val="0"/>
               </a:spcBef>
@@ -7625,30 +8715,30 @@
           </a:xfrm>
           <a:prstGeom prst="rightArrow">
             <a:avLst>
-              <a:gd fmla="val 50000" name="adj1"/>
-              <a:gd fmla="val 50000" name="adj2"/>
+              <a:gd name="adj1" fmla="val 50000"/>
+              <a:gd name="adj2" fmla="val 50000"/>
             </a:avLst>
           </a:prstGeom>
           <a:solidFill>
             <a:schemeClr val="lt2"/>
           </a:solidFill>
-          <a:ln cap="flat" cmpd="sng" w="9525">
+          <a:ln w="9525" cap="flat" cmpd="sng">
             <a:solidFill>
               <a:schemeClr val="dk2"/>
             </a:solidFill>
             <a:prstDash val="solid"/>
             <a:round/>
-            <a:headEnd len="sm" w="sm" type="none"/>
-            <a:tailEnd len="sm" w="sm" type="none"/>
+            <a:headEnd type="none" w="sm" len="sm"/>
+            <a:tailEnd type="none" w="sm" len="sm"/>
           </a:ln>
         </p:spPr>
         <p:txBody>
-          <a:bodyPr anchorCtr="0" anchor="ctr" bIns="91425" lIns="91425" spcFirstLastPara="1" rIns="91425" wrap="square" tIns="91425">
+          <a:bodyPr spcFirstLastPara="1" wrap="square" lIns="91425" tIns="91425" rIns="91425" bIns="91425" anchor="ctr" anchorCtr="0">
             <a:noAutofit/>
           </a:bodyPr>
           <a:lstStyle/>
           <a:p>
-            <a:pPr indent="0" lvl="0" marL="0" rtl="0" algn="ctr">
+            <a:pPr marL="0" lvl="0" indent="0" algn="ctr" rtl="0">
               <a:spcBef>
                 <a:spcPts val="0"/>
               </a:spcBef>
@@ -7657,9 +8747,6 @@
               </a:spcAft>
               <a:buNone/>
             </a:pPr>
-            <a:r>
-              <a:t/>
-            </a:r>
             <a:endParaRPr/>
           </a:p>
         </p:txBody>
@@ -7684,12 +8771,12 @@
           </a:ln>
         </p:spPr>
         <p:txBody>
-          <a:bodyPr anchorCtr="0" anchor="t" bIns="91425" lIns="91425" spcFirstLastPara="1" rIns="91425" wrap="square" tIns="91425">
+          <a:bodyPr spcFirstLastPara="1" wrap="square" lIns="91425" tIns="91425" rIns="91425" bIns="91425" anchor="t" anchorCtr="0">
             <a:noAutofit/>
           </a:bodyPr>
           <a:lstStyle/>
           <a:p>
-            <a:pPr indent="0" lvl="0" marL="457200" rtl="0" algn="l">
+            <a:pPr marL="457200" lvl="0" indent="0" algn="l" rtl="0">
               <a:spcBef>
                 <a:spcPts val="0"/>
               </a:spcBef>
@@ -7699,7 +8786,7 @@
               <a:buNone/>
             </a:pPr>
             <a:r>
-              <a:rPr lang="en" sz="1600">
+              <a:rPr lang="en" sz="1600" dirty="0">
                 <a:solidFill>
                   <a:schemeClr val="accent6"/>
                 </a:solidFill>
@@ -7710,7 +8797,7 @@
               </a:rPr>
               <a:t>If the Distance ≥ the Sum of the Sun and Moon’s angular radii, NO obscuration. </a:t>
             </a:r>
-            <a:endParaRPr sz="1600">
+            <a:endParaRPr sz="1600" dirty="0">
               <a:solidFill>
                 <a:schemeClr val="accent6"/>
               </a:solidFill>
@@ -7721,7 +8808,7 @@
             </a:endParaRPr>
           </a:p>
           <a:p>
-            <a:pPr indent="0" lvl="0" marL="457200" rtl="0" algn="l">
+            <a:pPr marL="457200" lvl="0" indent="0" algn="l" rtl="0">
               <a:spcBef>
                 <a:spcPts val="0"/>
               </a:spcBef>
@@ -7731,7 +8818,7 @@
               <a:buNone/>
             </a:pPr>
             <a:r>
-              <a:rPr lang="en" sz="1600">
+              <a:rPr lang="en" sz="1600" dirty="0">
                 <a:solidFill>
                   <a:schemeClr val="accent6"/>
                 </a:solidFill>
@@ -7742,7 +8829,7 @@
               </a:rPr>
               <a:t>If the Distance ≤ the absolute difference of their radii, obscuration OCCURS.</a:t>
             </a:r>
-            <a:endParaRPr sz="1600">
+            <a:endParaRPr sz="1600" dirty="0">
               <a:solidFill>
                 <a:schemeClr val="accent6"/>
               </a:solidFill>
@@ -7762,19 +8849,224 @@
 </p:sld>
 </file>
 
-<file path=ppt/slides/slide4.xml><?xml version="1.0" encoding="utf-8"?>
-<p:sld xmlns:a="http://schemas.openxmlformats.org/drawingml/2006/main" xmlns:r="http://schemas.openxmlformats.org/officeDocument/2006/relationships" xmlns:mc="http://schemas.openxmlformats.org/markup-compatibility/2006" xmlns:mv="urn:schemas-microsoft-com:mac:vml" xmlns:p="http://schemas.openxmlformats.org/presentationml/2006/main" xmlns:c="http://schemas.openxmlformats.org/drawingml/2006/chart" xmlns:dgm="http://schemas.openxmlformats.org/drawingml/2006/diagram" xmlns:o="urn:schemas-microsoft-com:office:office" xmlns:v="urn:schemas-microsoft-com:vml" xmlns:pvml="urn:schemas-microsoft-com:office:powerpoint" xmlns:com="http://schemas.openxmlformats.org/drawingml/2006/compatibility" xmlns:p14="http://schemas.microsoft.com/office/powerpoint/2010/main" xmlns:p15="http://schemas.microsoft.com/office/powerpoint/2012/main" xmlns:ahyp="http://schemas.microsoft.com/office/drawing/2018/hyperlinkcolor">
+<file path=ppt/slides/slide5.xml><?xml version="1.0" encoding="utf-8"?>
+<p:sld xmlns:a="http://schemas.openxmlformats.org/drawingml/2006/main" xmlns:r="http://schemas.openxmlformats.org/officeDocument/2006/relationships" xmlns:p="http://schemas.openxmlformats.org/presentationml/2006/main">
   <p:cSld>
     <p:bg>
       <p:bgPr>
         <a:solidFill>
           <a:srgbClr val="434343"/>
         </a:solidFill>
+        <a:effectLst/>
       </p:bgPr>
     </p:bg>
     <p:spTree>
       <p:nvGrpSpPr>
-        <p:cNvPr id="94" name="Shape 94"/>
+        <p:cNvPr id="1" name="Shape 80"/>
+        <p:cNvGrpSpPr/>
+        <p:nvPr/>
+      </p:nvGrpSpPr>
+      <p:grpSpPr>
+        <a:xfrm>
+          <a:off x="0" y="0"/>
+          <a:ext cx="0" cy="0"/>
+          <a:chOff x="0" y="0"/>
+          <a:chExt cx="0" cy="0"/>
+        </a:xfrm>
+      </p:grpSpPr>
+      <p:sp>
+        <p:nvSpPr>
+          <p:cNvPr id="81" name="Google Shape;81;p15"/>
+          <p:cNvSpPr txBox="1"/>
+          <p:nvPr/>
+        </p:nvSpPr>
+        <p:spPr>
+          <a:xfrm>
+            <a:off x="2312100" y="84950"/>
+            <a:ext cx="4519800" cy="641700"/>
+          </a:xfrm>
+          <a:prstGeom prst="rect">
+            <a:avLst/>
+          </a:prstGeom>
+          <a:noFill/>
+          <a:ln>
+            <a:noFill/>
+          </a:ln>
+        </p:spPr>
+        <p:txBody>
+          <a:bodyPr spcFirstLastPara="1" wrap="square" lIns="91425" tIns="91425" rIns="91425" bIns="91425" anchor="t" anchorCtr="0">
+            <a:noAutofit/>
+          </a:bodyPr>
+          <a:lstStyle/>
+          <a:p>
+            <a:pPr marL="0" lvl="0" indent="0" algn="ctr" rtl="0">
+              <a:spcBef>
+                <a:spcPts val="0"/>
+              </a:spcBef>
+              <a:spcAft>
+                <a:spcPts val="0"/>
+              </a:spcAft>
+              <a:buNone/>
+            </a:pPr>
+            <a:r>
+              <a:rPr lang="en" sz="1800" i="1" dirty="0">
+                <a:solidFill>
+                  <a:schemeClr val="dk1"/>
+                </a:solidFill>
+                <a:highlight>
+                  <a:schemeClr val="accent6"/>
+                </a:highlight>
+                <a:latin typeface="Times New Roman"/>
+                <a:ea typeface="Times New Roman"/>
+                <a:cs typeface="Times New Roman"/>
+                <a:sym typeface="Times New Roman"/>
+              </a:rPr>
+              <a:t>PATH OF ECLIPSE (April 8</a:t>
+            </a:r>
+            <a:r>
+              <a:rPr lang="en" sz="1800" i="1" baseline="30000" dirty="0">
+                <a:solidFill>
+                  <a:schemeClr val="dk1"/>
+                </a:solidFill>
+                <a:highlight>
+                  <a:schemeClr val="accent6"/>
+                </a:highlight>
+                <a:latin typeface="Times New Roman"/>
+                <a:ea typeface="Times New Roman"/>
+                <a:cs typeface="Times New Roman"/>
+                <a:sym typeface="Times New Roman"/>
+              </a:rPr>
+              <a:t>th</a:t>
+            </a:r>
+            <a:r>
+              <a:rPr lang="en" sz="1800" i="1" dirty="0">
+                <a:solidFill>
+                  <a:schemeClr val="dk1"/>
+                </a:solidFill>
+                <a:highlight>
+                  <a:schemeClr val="accent6"/>
+                </a:highlight>
+                <a:latin typeface="Times New Roman"/>
+                <a:ea typeface="Times New Roman"/>
+                <a:cs typeface="Times New Roman"/>
+                <a:sym typeface="Times New Roman"/>
+              </a:rPr>
+              <a:t>, 2024)… </a:t>
+            </a:r>
+            <a:endParaRPr sz="1800" i="1" dirty="0">
+              <a:solidFill>
+                <a:schemeClr val="dk1"/>
+              </a:solidFill>
+              <a:highlight>
+                <a:schemeClr val="accent6"/>
+              </a:highlight>
+              <a:latin typeface="Times New Roman"/>
+              <a:ea typeface="Times New Roman"/>
+              <a:cs typeface="Times New Roman"/>
+              <a:sym typeface="Times New Roman"/>
+            </a:endParaRPr>
+          </a:p>
+        </p:txBody>
+      </p:sp>
+      <p:sp>
+        <p:nvSpPr>
+          <p:cNvPr id="82" name="Google Shape;82;p15"/>
+          <p:cNvSpPr txBox="1"/>
+          <p:nvPr/>
+        </p:nvSpPr>
+        <p:spPr>
+          <a:xfrm>
+            <a:off x="74375" y="-558800"/>
+            <a:ext cx="4801800" cy="461700"/>
+          </a:xfrm>
+          <a:prstGeom prst="rect">
+            <a:avLst/>
+          </a:prstGeom>
+          <a:noFill/>
+          <a:ln>
+            <a:noFill/>
+          </a:ln>
+        </p:spPr>
+        <p:txBody>
+          <a:bodyPr spcFirstLastPara="1" wrap="square" lIns="91425" tIns="91425" rIns="91425" bIns="91425" anchor="t" anchorCtr="0">
+            <a:spAutoFit/>
+          </a:bodyPr>
+          <a:lstStyle/>
+          <a:p>
+            <a:pPr marL="0" lvl="0" indent="0" algn="l" rtl="0">
+              <a:spcBef>
+                <a:spcPts val="0"/>
+              </a:spcBef>
+              <a:spcAft>
+                <a:spcPts val="0"/>
+              </a:spcAft>
+              <a:buNone/>
+            </a:pPr>
+            <a:endParaRPr sz="1800">
+              <a:solidFill>
+                <a:schemeClr val="dk2"/>
+              </a:solidFill>
+            </a:endParaRPr>
+          </a:p>
+        </p:txBody>
+      </p:sp>
+      <p:pic>
+        <p:nvPicPr>
+          <p:cNvPr id="3" name="Picture 2">
+            <a:extLst>
+              <a:ext uri="{FF2B5EF4-FFF2-40B4-BE49-F238E27FC236}">
+                <a16:creationId xmlns:a16="http://schemas.microsoft.com/office/drawing/2014/main" id="{28127774-70AE-0B17-1806-D2C76788D921}"/>
+              </a:ext>
+            </a:extLst>
+          </p:cNvPr>
+          <p:cNvPicPr>
+            <a:picLocks noChangeAspect="1"/>
+          </p:cNvPicPr>
+          <p:nvPr/>
+        </p:nvPicPr>
+        <p:blipFill>
+          <a:blip r:embed="rId3"/>
+          <a:stretch>
+            <a:fillRect/>
+          </a:stretch>
+        </p:blipFill>
+        <p:spPr>
+          <a:xfrm>
+            <a:off x="0" y="655320"/>
+            <a:ext cx="9143999" cy="4488180"/>
+          </a:xfrm>
+          <a:prstGeom prst="rect">
+            <a:avLst/>
+          </a:prstGeom>
+        </p:spPr>
+      </p:pic>
+    </p:spTree>
+    <p:extLst>
+      <p:ext uri="{BB962C8B-B14F-4D97-AF65-F5344CB8AC3E}">
+        <p14:creationId xmlns:p14="http://schemas.microsoft.com/office/powerpoint/2010/main" val="1170088896"/>
+      </p:ext>
+    </p:extLst>
+  </p:cSld>
+  <p:clrMapOvr>
+    <a:masterClrMapping/>
+  </p:clrMapOvr>
+</p:sld>
+</file>
+
+<file path=ppt/slides/slide6.xml><?xml version="1.0" encoding="utf-8"?>
+<p:sld xmlns:a="http://schemas.openxmlformats.org/drawingml/2006/main" xmlns:r="http://schemas.openxmlformats.org/officeDocument/2006/relationships" xmlns:p="http://schemas.openxmlformats.org/presentationml/2006/main">
+  <p:cSld>
+    <p:bg>
+      <p:bgPr>
+        <a:solidFill>
+          <a:srgbClr val="434343"/>
+        </a:solidFill>
+        <a:effectLst/>
+      </p:bgPr>
+    </p:bg>
+    <p:spTree>
+      <p:nvGrpSpPr>
+        <p:cNvPr id="1" name="Shape 94"/>
         <p:cNvGrpSpPr/>
         <p:nvPr/>
       </p:nvGrpSpPr>
@@ -7806,12 +9098,12 @@
           </a:ln>
         </p:spPr>
         <p:txBody>
-          <a:bodyPr anchorCtr="0" anchor="t" bIns="91425" lIns="91425" spcFirstLastPara="1" rIns="91425" wrap="square" tIns="91425">
+          <a:bodyPr spcFirstLastPara="1" wrap="square" lIns="91425" tIns="91425" rIns="91425" bIns="91425" anchor="t" anchorCtr="0">
             <a:noAutofit/>
           </a:bodyPr>
           <a:lstStyle/>
           <a:p>
-            <a:pPr indent="0" lvl="0" marL="0" rtl="0" algn="ctr">
+            <a:pPr marL="0" lvl="0" indent="0" algn="ctr" rtl="0">
               <a:spcBef>
                 <a:spcPts val="0"/>
               </a:spcBef>
@@ -7821,7 +9113,7 @@
               <a:buNone/>
             </a:pPr>
             <a:r>
-              <a:rPr i="1" lang="en" sz="1800">
+              <a:rPr lang="en" sz="1800" i="1">
                 <a:solidFill>
                   <a:schemeClr val="dk1"/>
                 </a:solidFill>
@@ -7833,24 +9125,9 @@
                 <a:cs typeface="Times New Roman"/>
                 <a:sym typeface="Times New Roman"/>
               </a:rPr>
-              <a:t>FILE ACCESS &amp; EXPLANATION</a:t>
+              <a:t>FILE ACCESS &amp; EXPLANATION:</a:t>
             </a:r>
-            <a:r>
-              <a:rPr i="1" lang="en" sz="1800">
-                <a:solidFill>
-                  <a:schemeClr val="dk1"/>
-                </a:solidFill>
-                <a:highlight>
-                  <a:schemeClr val="accent6"/>
-                </a:highlight>
-                <a:latin typeface="Times New Roman"/>
-                <a:ea typeface="Times New Roman"/>
-                <a:cs typeface="Times New Roman"/>
-                <a:sym typeface="Times New Roman"/>
-              </a:rPr>
-              <a:t>:</a:t>
-            </a:r>
-            <a:endParaRPr i="1" sz="1800">
+            <a:endParaRPr sz="1800" i="1">
               <a:solidFill>
                 <a:schemeClr val="dk1"/>
               </a:solidFill>
@@ -7885,12 +9162,12 @@
           </a:ln>
         </p:spPr>
         <p:txBody>
-          <a:bodyPr anchorCtr="0" anchor="t" bIns="91425" lIns="91425" spcFirstLastPara="1" rIns="91425" wrap="square" tIns="91425">
+          <a:bodyPr spcFirstLastPara="1" wrap="square" lIns="91425" tIns="91425" rIns="91425" bIns="91425" anchor="t" anchorCtr="0">
             <a:noAutofit/>
           </a:bodyPr>
           <a:lstStyle/>
           <a:p>
-            <a:pPr indent="0" lvl="0" marL="0" rtl="0" algn="ctr">
+            <a:pPr marL="0" lvl="0" indent="0" algn="ctr" rtl="0">
               <a:spcBef>
                 <a:spcPts val="0"/>
               </a:spcBef>
@@ -7923,7 +9200,7 @@
             </a:endParaRPr>
           </a:p>
           <a:p>
-            <a:pPr indent="0" lvl="0" marL="0" rtl="0" algn="ctr">
+            <a:pPr marL="0" lvl="0" indent="0" algn="ctr" rtl="0">
               <a:spcBef>
                 <a:spcPts val="0"/>
               </a:spcBef>
@@ -7932,9 +9209,6 @@
               </a:spcAft>
               <a:buNone/>
             </a:pPr>
-            <a:r>
-              <a:t/>
-            </a:r>
             <a:endParaRPr sz="1800">
               <a:solidFill>
                 <a:schemeClr val="accent6"/>
@@ -7951,19 +9225,20 @@
 </p:sld>
 </file>
 
-<file path=ppt/slides/slide5.xml><?xml version="1.0" encoding="utf-8"?>
-<p:sld xmlns:a="http://schemas.openxmlformats.org/drawingml/2006/main" xmlns:r="http://schemas.openxmlformats.org/officeDocument/2006/relationships" xmlns:mc="http://schemas.openxmlformats.org/markup-compatibility/2006" xmlns:mv="urn:schemas-microsoft-com:mac:vml" xmlns:p="http://schemas.openxmlformats.org/presentationml/2006/main" xmlns:c="http://schemas.openxmlformats.org/drawingml/2006/chart" xmlns:dgm="http://schemas.openxmlformats.org/drawingml/2006/diagram" xmlns:o="urn:schemas-microsoft-com:office:office" xmlns:v="urn:schemas-microsoft-com:vml" xmlns:pvml="urn:schemas-microsoft-com:office:powerpoint" xmlns:com="http://schemas.openxmlformats.org/drawingml/2006/compatibility" xmlns:p14="http://schemas.microsoft.com/office/powerpoint/2010/main" xmlns:p15="http://schemas.microsoft.com/office/powerpoint/2012/main" xmlns:ahyp="http://schemas.microsoft.com/office/drawing/2018/hyperlinkcolor">
+<file path=ppt/slides/slide7.xml><?xml version="1.0" encoding="utf-8"?>
+<p:sld xmlns:a="http://schemas.openxmlformats.org/drawingml/2006/main" xmlns:r="http://schemas.openxmlformats.org/officeDocument/2006/relationships" xmlns:p="http://schemas.openxmlformats.org/presentationml/2006/main">
   <p:cSld>
     <p:bg>
       <p:bgPr>
         <a:solidFill>
           <a:srgbClr val="434343"/>
         </a:solidFill>
+        <a:effectLst/>
       </p:bgPr>
     </p:bg>
     <p:spTree>
       <p:nvGrpSpPr>
-        <p:cNvPr id="100" name="Shape 100"/>
+        <p:cNvPr id="1" name="Shape 100"/>
         <p:cNvGrpSpPr/>
         <p:nvPr/>
       </p:nvGrpSpPr>
@@ -7995,12 +9270,12 @@
           </a:ln>
         </p:spPr>
         <p:txBody>
-          <a:bodyPr anchorCtr="0" anchor="t" bIns="91425" lIns="91425" spcFirstLastPara="1" rIns="91425" wrap="square" tIns="91425">
+          <a:bodyPr spcFirstLastPara="1" wrap="square" lIns="91425" tIns="91425" rIns="91425" bIns="91425" anchor="t" anchorCtr="0">
             <a:noAutofit/>
           </a:bodyPr>
           <a:lstStyle/>
           <a:p>
-            <a:pPr indent="0" lvl="0" marL="0" rtl="0" algn="ctr">
+            <a:pPr marL="0" lvl="0" indent="0" algn="ctr" rtl="0">
               <a:spcBef>
                 <a:spcPts val="0"/>
               </a:spcBef>
@@ -8010,7 +9285,7 @@
               <a:buNone/>
             </a:pPr>
             <a:r>
-              <a:rPr i="1" lang="en" sz="1800">
+              <a:rPr lang="en" sz="1800" i="1" dirty="0">
                 <a:solidFill>
                   <a:schemeClr val="dk1"/>
                 </a:solidFill>
@@ -8022,24 +9297,9 @@
                 <a:cs typeface="Times New Roman"/>
                 <a:sym typeface="Times New Roman"/>
               </a:rPr>
-              <a:t>DATA ANALYSIS</a:t>
+              <a:t>MAX OBSCURATION DATA ANALYSIS:</a:t>
             </a:r>
-            <a:r>
-              <a:rPr i="1" lang="en" sz="1800">
-                <a:solidFill>
-                  <a:schemeClr val="dk1"/>
-                </a:solidFill>
-                <a:highlight>
-                  <a:schemeClr val="accent6"/>
-                </a:highlight>
-                <a:latin typeface="Times New Roman"/>
-                <a:ea typeface="Times New Roman"/>
-                <a:cs typeface="Times New Roman"/>
-                <a:sym typeface="Times New Roman"/>
-              </a:rPr>
-              <a:t>:</a:t>
-            </a:r>
-            <a:endParaRPr i="1" sz="1800">
+            <a:endParaRPr sz="1800" i="1" dirty="0">
               <a:solidFill>
                 <a:schemeClr val="dk1"/>
               </a:solidFill>
@@ -8053,7 +9313,7 @@
             </a:endParaRPr>
           </a:p>
           <a:p>
-            <a:pPr indent="0" lvl="0" marL="0" rtl="0" algn="ctr">
+            <a:pPr marL="0" lvl="0" indent="0" algn="ctr" rtl="0">
               <a:spcBef>
                 <a:spcPts val="0"/>
               </a:spcBef>
@@ -8063,7 +9323,7 @@
               <a:buNone/>
             </a:pPr>
             <a:r>
-              <a:rPr i="1" lang="en" sz="1800">
+              <a:rPr lang="en" sz="1800" i="1" dirty="0">
                 <a:solidFill>
                   <a:schemeClr val="dk1"/>
                 </a:solidFill>
@@ -8075,9 +9335,9 @@
                 <a:cs typeface="Times New Roman"/>
                 <a:sym typeface="Times New Roman"/>
               </a:rPr>
-              <a:t>OBSCURATION PIE CHART</a:t>
+              <a:t>LINE GRAPH COMPARISON: ACCURACY</a:t>
             </a:r>
-            <a:endParaRPr i="1" sz="1800">
+            <a:endParaRPr sz="1800" i="1" dirty="0">
               <a:solidFill>
                 <a:schemeClr val="dk1"/>
               </a:solidFill>
@@ -8094,98 +9354,50 @@
       </p:sp>
       <p:pic>
         <p:nvPicPr>
-          <p:cNvPr id="102" name="Google Shape;102;p17"/>
-          <p:cNvPicPr preferRelativeResize="0"/>
+          <p:cNvPr id="3" name="Picture 2">
+            <a:extLst>
+              <a:ext uri="{FF2B5EF4-FFF2-40B4-BE49-F238E27FC236}">
+                <a16:creationId xmlns:a16="http://schemas.microsoft.com/office/drawing/2014/main" id="{175CB42C-9694-B473-8D4E-E4B65E7211CA}"/>
+              </a:ext>
+            </a:extLst>
+          </p:cNvPr>
+          <p:cNvPicPr>
+            <a:picLocks noChangeAspect="1"/>
+          </p:cNvPicPr>
           <p:nvPr/>
         </p:nvPicPr>
         <p:blipFill>
-          <a:blip r:embed="rId3">
-            <a:alphaModFix/>
-          </a:blip>
+          <a:blip r:embed="rId3"/>
           <a:stretch>
             <a:fillRect/>
           </a:stretch>
         </p:blipFill>
         <p:spPr>
           <a:xfrm>
-            <a:off x="67075" y="1172875"/>
-            <a:ext cx="2980725" cy="2284450"/>
+            <a:off x="1866900" y="851215"/>
+            <a:ext cx="5661660" cy="3151510"/>
           </a:xfrm>
           <a:prstGeom prst="rect">
             <a:avLst/>
           </a:prstGeom>
-          <a:noFill/>
-          <a:ln>
-            <a:noFill/>
-          </a:ln>
-        </p:spPr>
-      </p:pic>
-      <p:pic>
-        <p:nvPicPr>
-          <p:cNvPr id="103" name="Google Shape;103;p17"/>
-          <p:cNvPicPr preferRelativeResize="0"/>
-          <p:nvPr/>
-        </p:nvPicPr>
-        <p:blipFill>
-          <a:blip r:embed="rId4">
-            <a:alphaModFix/>
-          </a:blip>
-          <a:stretch>
-            <a:fillRect/>
-          </a:stretch>
-        </p:blipFill>
-        <p:spPr>
-          <a:xfrm>
-            <a:off x="3130625" y="1172873"/>
-            <a:ext cx="2980726" cy="2284450"/>
-          </a:xfrm>
-          <a:prstGeom prst="rect">
-            <a:avLst/>
-          </a:prstGeom>
-          <a:noFill/>
-          <a:ln>
-            <a:noFill/>
-          </a:ln>
-        </p:spPr>
-      </p:pic>
-      <p:pic>
-        <p:nvPicPr>
-          <p:cNvPr id="104" name="Google Shape;104;p17"/>
-          <p:cNvPicPr preferRelativeResize="0"/>
-          <p:nvPr/>
-        </p:nvPicPr>
-        <p:blipFill>
-          <a:blip r:embed="rId5">
-            <a:alphaModFix/>
-          </a:blip>
-          <a:stretch>
-            <a:fillRect/>
-          </a:stretch>
-        </p:blipFill>
-        <p:spPr>
-          <a:xfrm>
-            <a:off x="6194175" y="1172875"/>
-            <a:ext cx="2846950" cy="2284450"/>
-          </a:xfrm>
-          <a:prstGeom prst="rect">
-            <a:avLst/>
-          </a:prstGeom>
-          <a:noFill/>
-          <a:ln>
-            <a:noFill/>
-          </a:ln>
         </p:spPr>
       </p:pic>
       <p:sp>
         <p:nvSpPr>
-          <p:cNvPr id="105" name="Google Shape;105;p17"/>
+          <p:cNvPr id="4" name="Google Shape;90;p15">
+            <a:extLst>
+              <a:ext uri="{FF2B5EF4-FFF2-40B4-BE49-F238E27FC236}">
+                <a16:creationId xmlns:a16="http://schemas.microsoft.com/office/drawing/2014/main" id="{6B832A87-3F54-9830-7F01-4D0F8E8F8DA3}"/>
+              </a:ext>
+            </a:extLst>
+          </p:cNvPr>
           <p:cNvSpPr txBox="1"/>
           <p:nvPr/>
         </p:nvSpPr>
         <p:spPr>
           <a:xfrm>
-            <a:off x="6194175" y="4195200"/>
-            <a:ext cx="3954900" cy="435000"/>
+            <a:off x="847200" y="4041875"/>
+            <a:ext cx="7449600" cy="921600"/>
           </a:xfrm>
           <a:prstGeom prst="rect">
             <a:avLst/>
@@ -8196,12 +9408,12 @@
           </a:ln>
         </p:spPr>
         <p:txBody>
-          <a:bodyPr anchorCtr="0" anchor="t" bIns="91425" lIns="91425" spcFirstLastPara="1" rIns="91425" wrap="square" tIns="91425">
+          <a:bodyPr spcFirstLastPara="1" wrap="square" lIns="91425" tIns="91425" rIns="91425" bIns="91425" anchor="t" anchorCtr="0">
             <a:noAutofit/>
           </a:bodyPr>
           <a:lstStyle/>
           <a:p>
-            <a:pPr indent="0" lvl="0" marL="0" rtl="0" algn="l">
+            <a:pPr marL="457200" lvl="0" indent="0" algn="l" rtl="0">
               <a:spcBef>
                 <a:spcPts val="0"/>
               </a:spcBef>
@@ -8211,159 +9423,7 @@
               <a:buNone/>
             </a:pPr>
             <a:r>
-              <a:rPr lang="en" sz="1800">
-                <a:solidFill>
-                  <a:srgbClr val="E06666"/>
-                </a:solidFill>
-                <a:highlight>
-                  <a:srgbClr val="E06666"/>
-                </a:highlight>
-              </a:rPr>
-              <a:t>࣑</a:t>
-            </a:r>
-            <a:r>
-              <a:rPr lang="en" sz="1800">
-                <a:solidFill>
-                  <a:schemeClr val="lt1"/>
-                </a:solidFill>
-              </a:rPr>
-              <a:t> - </a:t>
-            </a:r>
-            <a:r>
-              <a:rPr lang="en" sz="1800">
-                <a:solidFill>
-                  <a:schemeClr val="lt1"/>
-                </a:solidFill>
-                <a:latin typeface="Times New Roman"/>
-                <a:ea typeface="Times New Roman"/>
-                <a:cs typeface="Times New Roman"/>
-                <a:sym typeface="Times New Roman"/>
-              </a:rPr>
-              <a:t>≤ average obscuration %</a:t>
-            </a:r>
-            <a:endParaRPr sz="1800">
-              <a:solidFill>
-                <a:schemeClr val="lt1"/>
-              </a:solidFill>
-              <a:latin typeface="Times New Roman"/>
-              <a:ea typeface="Times New Roman"/>
-              <a:cs typeface="Times New Roman"/>
-              <a:sym typeface="Times New Roman"/>
-            </a:endParaRPr>
-          </a:p>
-          <a:p>
-            <a:pPr indent="0" lvl="0" marL="0" rtl="0" algn="l">
-              <a:spcBef>
-                <a:spcPts val="0"/>
-              </a:spcBef>
-              <a:spcAft>
-                <a:spcPts val="0"/>
-              </a:spcAft>
-              <a:buClr>
-                <a:schemeClr val="dk1"/>
-              </a:buClr>
-              <a:buSzPts val="1100"/>
-              <a:buFont typeface="Arial"/>
-              <a:buNone/>
-            </a:pPr>
-            <a:r>
-              <a:rPr lang="en" sz="1800">
-                <a:solidFill>
-                  <a:schemeClr val="accent1"/>
-                </a:solidFill>
-                <a:highlight>
-                  <a:schemeClr val="accent1"/>
-                </a:highlight>
-              </a:rPr>
-              <a:t>࣑</a:t>
-            </a:r>
-            <a:r>
-              <a:rPr lang="en" sz="1800">
-                <a:solidFill>
-                  <a:schemeClr val="lt1"/>
-                </a:solidFill>
-              </a:rPr>
-              <a:t> - </a:t>
-            </a:r>
-            <a:r>
-              <a:rPr lang="en" sz="1800">
-                <a:solidFill>
-                  <a:schemeClr val="lt1"/>
-                </a:solidFill>
-                <a:latin typeface="Times New Roman"/>
-                <a:ea typeface="Times New Roman"/>
-                <a:cs typeface="Times New Roman"/>
-                <a:sym typeface="Times New Roman"/>
-              </a:rPr>
-              <a:t>≥ average obscuration %</a:t>
-            </a:r>
-            <a:endParaRPr sz="1800">
-              <a:solidFill>
-                <a:schemeClr val="lt1"/>
-              </a:solidFill>
-              <a:latin typeface="Times New Roman"/>
-              <a:ea typeface="Times New Roman"/>
-              <a:cs typeface="Times New Roman"/>
-              <a:sym typeface="Times New Roman"/>
-            </a:endParaRPr>
-          </a:p>
-          <a:p>
-            <a:pPr indent="0" lvl="0" marL="0" rtl="0" algn="l">
-              <a:spcBef>
-                <a:spcPts val="0"/>
-              </a:spcBef>
-              <a:spcAft>
-                <a:spcPts val="0"/>
-              </a:spcAft>
-              <a:buNone/>
-            </a:pPr>
-            <a:r>
-              <a:t/>
-            </a:r>
-            <a:endParaRPr sz="1800">
-              <a:solidFill>
-                <a:schemeClr val="lt1"/>
-              </a:solidFill>
-            </a:endParaRPr>
-          </a:p>
-        </p:txBody>
-      </p:sp>
-      <p:sp>
-        <p:nvSpPr>
-          <p:cNvPr id="106" name="Google Shape;106;p17"/>
-          <p:cNvSpPr txBox="1"/>
-          <p:nvPr/>
-        </p:nvSpPr>
-        <p:spPr>
-          <a:xfrm>
-            <a:off x="1047775" y="726650"/>
-            <a:ext cx="1387200" cy="279600"/>
-          </a:xfrm>
-          <a:prstGeom prst="rect">
-            <a:avLst/>
-          </a:prstGeom>
-          <a:noFill/>
-          <a:ln>
-            <a:noFill/>
-          </a:ln>
-        </p:spPr>
-        <p:txBody>
-          <a:bodyPr anchorCtr="0" anchor="t" bIns="91425" lIns="91425" spcFirstLastPara="1" rIns="91425" wrap="square" tIns="91425">
-            <a:noAutofit/>
-          </a:bodyPr>
-          <a:lstStyle/>
-          <a:p>
-            <a:pPr indent="0" lvl="0" marL="0" rtl="0" algn="l">
-              <a:spcBef>
-                <a:spcPts val="0"/>
-              </a:spcBef>
-              <a:spcAft>
-                <a:spcPts val="0"/>
-              </a:spcAft>
-              <a:buNone/>
-            </a:pPr>
-            <a:r>
-              <a:rPr lang="en" sz="1800">
+              <a:rPr lang="en" sz="1600" i="1" dirty="0">
                 <a:solidFill>
                   <a:schemeClr val="accent6"/>
                 </a:solidFill>
@@ -8372,56 +9432,10 @@
                 <a:cs typeface="Times New Roman"/>
                 <a:sym typeface="Times New Roman"/>
               </a:rPr>
-              <a:t>4:00:00 hrs</a:t>
+              <a:t>XJubier Data </a:t>
             </a:r>
-            <a:endParaRPr sz="1800">
-              <a:solidFill>
-                <a:schemeClr val="accent6"/>
-              </a:solidFill>
-              <a:latin typeface="Times New Roman"/>
-              <a:ea typeface="Times New Roman"/>
-              <a:cs typeface="Times New Roman"/>
-              <a:sym typeface="Times New Roman"/>
-            </a:endParaRPr>
-          </a:p>
-        </p:txBody>
-      </p:sp>
-      <p:sp>
-        <p:nvSpPr>
-          <p:cNvPr id="107" name="Google Shape;107;p17"/>
-          <p:cNvSpPr txBox="1"/>
-          <p:nvPr/>
-        </p:nvSpPr>
-        <p:spPr>
-          <a:xfrm>
-            <a:off x="4098075" y="726650"/>
-            <a:ext cx="1387200" cy="279600"/>
-          </a:xfrm>
-          <a:prstGeom prst="rect">
-            <a:avLst/>
-          </a:prstGeom>
-          <a:noFill/>
-          <a:ln>
-            <a:noFill/>
-          </a:ln>
-        </p:spPr>
-        <p:txBody>
-          <a:bodyPr anchorCtr="0" anchor="t" bIns="91425" lIns="91425" spcFirstLastPara="1" rIns="91425" wrap="square" tIns="91425">
-            <a:noAutofit/>
-          </a:bodyPr>
-          <a:lstStyle/>
-          <a:p>
-            <a:pPr indent="0" lvl="0" marL="0" rtl="0" algn="l">
-              <a:spcBef>
-                <a:spcPts val="0"/>
-              </a:spcBef>
-              <a:spcAft>
-                <a:spcPts val="0"/>
-              </a:spcAft>
-              <a:buNone/>
-            </a:pPr>
             <a:r>
-              <a:rPr lang="en" sz="1800">
+              <a:rPr lang="en" sz="1600" dirty="0">
                 <a:solidFill>
                   <a:schemeClr val="accent6"/>
                 </a:solidFill>
@@ -8430,10 +9444,21 @@
                 <a:cs typeface="Times New Roman"/>
                 <a:sym typeface="Times New Roman"/>
               </a:rPr>
-              <a:t>8</a:t>
+              <a:t>– Accurate (max obscuration) solar eclipse data from Google Maps – Interactive Maps for Solar Eclipses, developed by Xavier Jubier, mapping expert</a:t>
             </a:r>
+          </a:p>
+          <a:p>
+            <a:pPr marL="457200" lvl="0" indent="0" algn="l" rtl="0">
+              <a:spcBef>
+                <a:spcPts val="0"/>
+              </a:spcBef>
+              <a:spcAft>
+                <a:spcPts val="0"/>
+              </a:spcAft>
+              <a:buNone/>
+            </a:pPr>
             <a:r>
-              <a:rPr lang="en" sz="1800">
+              <a:rPr lang="en" sz="1600" i="1" dirty="0">
                 <a:solidFill>
                   <a:schemeClr val="accent6"/>
                 </a:solidFill>
@@ -8442,56 +9467,10 @@
                 <a:cs typeface="Times New Roman"/>
                 <a:sym typeface="Times New Roman"/>
               </a:rPr>
-              <a:t>:00:00 hrs</a:t>
+              <a:t>Coordinates Data </a:t>
             </a:r>
-            <a:endParaRPr sz="1800">
-              <a:solidFill>
-                <a:schemeClr val="accent6"/>
-              </a:solidFill>
-              <a:latin typeface="Times New Roman"/>
-              <a:ea typeface="Times New Roman"/>
-              <a:cs typeface="Times New Roman"/>
-              <a:sym typeface="Times New Roman"/>
-            </a:endParaRPr>
-          </a:p>
-        </p:txBody>
-      </p:sp>
-      <p:sp>
-        <p:nvSpPr>
-          <p:cNvPr id="108" name="Google Shape;108;p17"/>
-          <p:cNvSpPr txBox="1"/>
-          <p:nvPr/>
-        </p:nvSpPr>
-        <p:spPr>
-          <a:xfrm>
-            <a:off x="7022300" y="726650"/>
-            <a:ext cx="1387200" cy="279600"/>
-          </a:xfrm>
-          <a:prstGeom prst="rect">
-            <a:avLst/>
-          </a:prstGeom>
-          <a:noFill/>
-          <a:ln>
-            <a:noFill/>
-          </a:ln>
-        </p:spPr>
-        <p:txBody>
-          <a:bodyPr anchorCtr="0" anchor="t" bIns="91425" lIns="91425" spcFirstLastPara="1" rIns="91425" wrap="square" tIns="91425">
-            <a:noAutofit/>
-          </a:bodyPr>
-          <a:lstStyle/>
-          <a:p>
-            <a:pPr indent="0" lvl="0" marL="0" rtl="0" algn="l">
-              <a:spcBef>
-                <a:spcPts val="0"/>
-              </a:spcBef>
-              <a:spcAft>
-                <a:spcPts val="0"/>
-              </a:spcAft>
-              <a:buNone/>
-            </a:pPr>
             <a:r>
-              <a:rPr lang="en" sz="1800">
+              <a:rPr lang="en" sz="1600" dirty="0">
                 <a:solidFill>
                   <a:schemeClr val="accent6"/>
                 </a:solidFill>
@@ -8500,195 +9479,9 @@
                 <a:cs typeface="Times New Roman"/>
                 <a:sym typeface="Times New Roman"/>
               </a:rPr>
-              <a:t>12</a:t>
+              <a:t>– Data calculated in maxObscuration.py</a:t>
             </a:r>
-            <a:r>
-              <a:rPr lang="en" sz="1800">
-                <a:solidFill>
-                  <a:schemeClr val="accent6"/>
-                </a:solidFill>
-                <a:latin typeface="Times New Roman"/>
-                <a:ea typeface="Times New Roman"/>
-                <a:cs typeface="Times New Roman"/>
-                <a:sym typeface="Times New Roman"/>
-              </a:rPr>
-              <a:t>:00:00 hrs</a:t>
-            </a:r>
-            <a:endParaRPr sz="1800">
-              <a:solidFill>
-                <a:schemeClr val="accent6"/>
-              </a:solidFill>
-              <a:latin typeface="Times New Roman"/>
-              <a:ea typeface="Times New Roman"/>
-              <a:cs typeface="Times New Roman"/>
-              <a:sym typeface="Times New Roman"/>
-            </a:endParaRPr>
-          </a:p>
-        </p:txBody>
-      </p:sp>
-      <p:sp>
-        <p:nvSpPr>
-          <p:cNvPr id="109" name="Google Shape;109;p17"/>
-          <p:cNvSpPr txBox="1"/>
-          <p:nvPr/>
-        </p:nvSpPr>
-        <p:spPr>
-          <a:xfrm>
-            <a:off x="1210975" y="3457325"/>
-            <a:ext cx="1588200" cy="279600"/>
-          </a:xfrm>
-          <a:prstGeom prst="rect">
-            <a:avLst/>
-          </a:prstGeom>
-          <a:noFill/>
-          <a:ln>
-            <a:noFill/>
-          </a:ln>
-        </p:spPr>
-        <p:txBody>
-          <a:bodyPr anchorCtr="0" anchor="t" bIns="91425" lIns="91425" spcFirstLastPara="1" rIns="91425" wrap="square" tIns="91425">
-            <a:noAutofit/>
-          </a:bodyPr>
-          <a:lstStyle/>
-          <a:p>
-            <a:pPr indent="0" lvl="0" marL="0" rtl="0" algn="l">
-              <a:spcBef>
-                <a:spcPts val="0"/>
-              </a:spcBef>
-              <a:spcAft>
-                <a:spcPts val="0"/>
-              </a:spcAft>
-              <a:buNone/>
-            </a:pPr>
-            <a:r>
-              <a:rPr lang="en" sz="1800">
-                <a:solidFill>
-                  <a:schemeClr val="accent6"/>
-                </a:solidFill>
-                <a:latin typeface="Times New Roman"/>
-                <a:ea typeface="Times New Roman"/>
-                <a:cs typeface="Times New Roman"/>
-                <a:sym typeface="Times New Roman"/>
-              </a:rPr>
-              <a:t>69.0%</a:t>
-            </a:r>
-            <a:endParaRPr sz="1800">
-              <a:solidFill>
-                <a:schemeClr val="accent6"/>
-              </a:solidFill>
-              <a:latin typeface="Times New Roman"/>
-              <a:ea typeface="Times New Roman"/>
-              <a:cs typeface="Times New Roman"/>
-              <a:sym typeface="Times New Roman"/>
-            </a:endParaRPr>
-          </a:p>
-        </p:txBody>
-      </p:sp>
-      <p:sp>
-        <p:nvSpPr>
-          <p:cNvPr id="110" name="Google Shape;110;p17"/>
-          <p:cNvSpPr txBox="1"/>
-          <p:nvPr/>
-        </p:nvSpPr>
-        <p:spPr>
-          <a:xfrm>
-            <a:off x="4284450" y="3457325"/>
-            <a:ext cx="1387200" cy="279600"/>
-          </a:xfrm>
-          <a:prstGeom prst="rect">
-            <a:avLst/>
-          </a:prstGeom>
-          <a:noFill/>
-          <a:ln>
-            <a:noFill/>
-          </a:ln>
-        </p:spPr>
-        <p:txBody>
-          <a:bodyPr anchorCtr="0" anchor="t" bIns="91425" lIns="91425" spcFirstLastPara="1" rIns="91425" wrap="square" tIns="91425">
-            <a:noAutofit/>
-          </a:bodyPr>
-          <a:lstStyle/>
-          <a:p>
-            <a:pPr indent="0" lvl="0" marL="0" rtl="0" algn="l">
-              <a:spcBef>
-                <a:spcPts val="0"/>
-              </a:spcBef>
-              <a:spcAft>
-                <a:spcPts val="0"/>
-              </a:spcAft>
-              <a:buNone/>
-            </a:pPr>
-            <a:r>
-              <a:rPr lang="en" sz="1800">
-                <a:solidFill>
-                  <a:schemeClr val="accent6"/>
-                </a:solidFill>
-                <a:latin typeface="Times New Roman"/>
-                <a:ea typeface="Times New Roman"/>
-                <a:cs typeface="Times New Roman"/>
-                <a:sym typeface="Times New Roman"/>
-              </a:rPr>
-              <a:t>78.7%</a:t>
-            </a:r>
-            <a:endParaRPr sz="1800">
-              <a:solidFill>
-                <a:schemeClr val="accent6"/>
-              </a:solidFill>
-              <a:latin typeface="Times New Roman"/>
-              <a:ea typeface="Times New Roman"/>
-              <a:cs typeface="Times New Roman"/>
-              <a:sym typeface="Times New Roman"/>
-            </a:endParaRPr>
-          </a:p>
-        </p:txBody>
-      </p:sp>
-      <p:sp>
-        <p:nvSpPr>
-          <p:cNvPr id="111" name="Google Shape;111;p17"/>
-          <p:cNvSpPr txBox="1"/>
-          <p:nvPr/>
-        </p:nvSpPr>
-        <p:spPr>
-          <a:xfrm>
-            <a:off x="7301825" y="3457325"/>
-            <a:ext cx="1387200" cy="279600"/>
-          </a:xfrm>
-          <a:prstGeom prst="rect">
-            <a:avLst/>
-          </a:prstGeom>
-          <a:noFill/>
-          <a:ln>
-            <a:noFill/>
-          </a:ln>
-        </p:spPr>
-        <p:txBody>
-          <a:bodyPr anchorCtr="0" anchor="t" bIns="91425" lIns="91425" spcFirstLastPara="1" rIns="91425" wrap="square" tIns="91425">
-            <a:noAutofit/>
-          </a:bodyPr>
-          <a:lstStyle/>
-          <a:p>
-            <a:pPr indent="0" lvl="0" marL="0" rtl="0" algn="l">
-              <a:spcBef>
-                <a:spcPts val="0"/>
-              </a:spcBef>
-              <a:spcAft>
-                <a:spcPts val="0"/>
-              </a:spcAft>
-              <a:buNone/>
-            </a:pPr>
-            <a:r>
-              <a:rPr lang="en" sz="1800">
-                <a:solidFill>
-                  <a:schemeClr val="accent6"/>
-                </a:solidFill>
-                <a:latin typeface="Times New Roman"/>
-                <a:ea typeface="Times New Roman"/>
-                <a:cs typeface="Times New Roman"/>
-                <a:sym typeface="Times New Roman"/>
-              </a:rPr>
-              <a:t>88.5%</a:t>
-            </a:r>
-            <a:endParaRPr sz="1800">
+            <a:endParaRPr sz="1600" dirty="0">
               <a:solidFill>
                 <a:schemeClr val="accent6"/>
               </a:solidFill>
@@ -8709,7 +9502,7 @@
 </file>
 
 <file path=ppt/theme/theme1.xml><?xml version="1.0" encoding="utf-8"?>
-<a:theme xmlns:a="http://schemas.openxmlformats.org/drawingml/2006/main" xmlns:r="http://schemas.openxmlformats.org/officeDocument/2006/relationships" name="Simple Light">
+<a:theme xmlns:a="http://schemas.openxmlformats.org/drawingml/2006/main" name="Simple Light">
   <a:themeElements>
     <a:clrScheme name="Simple Light">
       <a:dk1>
@@ -8984,11 +9777,13 @@
       </a:bgFillStyleLst>
     </a:fmtScheme>
   </a:themeElements>
+  <a:objectDefaults/>
+  <a:extraClrSchemeLst/>
 </a:theme>
 </file>
 
 <file path=ppt/theme/theme2.xml><?xml version="1.0" encoding="utf-8"?>
-<a:theme xmlns:a="http://schemas.openxmlformats.org/drawingml/2006/main" xmlns:r="http://schemas.openxmlformats.org/officeDocument/2006/relationships">
+<a:theme xmlns:a="http://schemas.openxmlformats.org/drawingml/2006/main">
   <a:themeElements>
     <a:clrScheme name="Default">
       <a:dk1>
@@ -9263,5 +10058,7 @@
       </a:bgFillStyleLst>
     </a:fmtScheme>
   </a:themeElements>
+  <a:objectDefaults/>
+  <a:extraClrSchemeLst/>
 </a:theme>
 </file>